--- a/project.pptx
+++ b/project.pptx
@@ -9,6 +9,8 @@
     <p:sldId id="257" r:id="rId3"/>
     <p:sldId id="258" r:id="rId4"/>
     <p:sldId id="259" r:id="rId5"/>
+    <p:sldId id="260" r:id="rId6"/>
+    <p:sldId id="261" r:id="rId7"/>
   </p:sldIdLst>
   <p:sldSz cx="12192000" cy="6858000"/>
   <p:notesSz cx="6858000" cy="9144000"/>
@@ -119,6 +121,7 @@
 <p1510:revInfo xmlns:a="http://schemas.openxmlformats.org/drawingml/2006/main" xmlns:r="http://schemas.openxmlformats.org/officeDocument/2006/relationships" xmlns:p1510="http://schemas.microsoft.com/office/powerpoint/2015/10/main">
   <p1510:revLst>
     <p1510:client id="{2D3BC3FB-8BFD-A6D1-7C13-BF490712ED78}" v="3" dt="2024-09-04T03:28:39.987"/>
+    <p1510:client id="{4F346E92-F667-635D-0E20-2150BE7B4E07}" v="28" dt="2024-09-05T10:52:08.561"/>
   </p1510:revLst>
 </p1510:revInfo>
 </file>
@@ -252,7 +255,7 @@
           <a:p>
             <a:fld id="{4767B314-B9F7-4C43-B86B-0CCAED4A0117}" type="datetimeFigureOut">
               <a:rPr lang="en-US" smtClean="0"/>
-              <a:t>9/3/2024</a:t>
+              <a:t>9/5/2024</a:t>
             </a:fld>
             <a:endParaRPr lang="en-US"/>
           </a:p>
@@ -420,7 +423,7 @@
           <a:p>
             <a:fld id="{4767B314-B9F7-4C43-B86B-0CCAED4A0117}" type="datetimeFigureOut">
               <a:rPr lang="en-US" smtClean="0"/>
-              <a:t>9/3/2024</a:t>
+              <a:t>9/5/2024</a:t>
             </a:fld>
             <a:endParaRPr lang="en-US"/>
           </a:p>
@@ -598,7 +601,7 @@
           <a:p>
             <a:fld id="{4767B314-B9F7-4C43-B86B-0CCAED4A0117}" type="datetimeFigureOut">
               <a:rPr lang="en-US" smtClean="0"/>
-              <a:t>9/3/2024</a:t>
+              <a:t>9/5/2024</a:t>
             </a:fld>
             <a:endParaRPr lang="en-US"/>
           </a:p>
@@ -766,7 +769,7 @@
           <a:p>
             <a:fld id="{4767B314-B9F7-4C43-B86B-0CCAED4A0117}" type="datetimeFigureOut">
               <a:rPr lang="en-US" smtClean="0"/>
-              <a:t>9/3/2024</a:t>
+              <a:t>9/5/2024</a:t>
             </a:fld>
             <a:endParaRPr lang="en-US"/>
           </a:p>
@@ -1011,7 +1014,7 @@
           <a:p>
             <a:fld id="{4767B314-B9F7-4C43-B86B-0CCAED4A0117}" type="datetimeFigureOut">
               <a:rPr lang="en-US" smtClean="0"/>
-              <a:t>9/3/2024</a:t>
+              <a:t>9/5/2024</a:t>
             </a:fld>
             <a:endParaRPr lang="en-US"/>
           </a:p>
@@ -1240,7 +1243,7 @@
           <a:p>
             <a:fld id="{4767B314-B9F7-4C43-B86B-0CCAED4A0117}" type="datetimeFigureOut">
               <a:rPr lang="en-US" smtClean="0"/>
-              <a:t>9/3/2024</a:t>
+              <a:t>9/5/2024</a:t>
             </a:fld>
             <a:endParaRPr lang="en-US"/>
           </a:p>
@@ -1604,7 +1607,7 @@
           <a:p>
             <a:fld id="{4767B314-B9F7-4C43-B86B-0CCAED4A0117}" type="datetimeFigureOut">
               <a:rPr lang="en-US" smtClean="0"/>
-              <a:t>9/3/2024</a:t>
+              <a:t>9/5/2024</a:t>
             </a:fld>
             <a:endParaRPr lang="en-US"/>
           </a:p>
@@ -1721,7 +1724,7 @@
           <a:p>
             <a:fld id="{4767B314-B9F7-4C43-B86B-0CCAED4A0117}" type="datetimeFigureOut">
               <a:rPr lang="en-US" smtClean="0"/>
-              <a:t>9/3/2024</a:t>
+              <a:t>9/5/2024</a:t>
             </a:fld>
             <a:endParaRPr lang="en-US"/>
           </a:p>
@@ -1816,7 +1819,7 @@
           <a:p>
             <a:fld id="{4767B314-B9F7-4C43-B86B-0CCAED4A0117}" type="datetimeFigureOut">
               <a:rPr lang="en-US" smtClean="0"/>
-              <a:t>9/3/2024</a:t>
+              <a:t>9/5/2024</a:t>
             </a:fld>
             <a:endParaRPr lang="en-US"/>
           </a:p>
@@ -2091,7 +2094,7 @@
           <a:p>
             <a:fld id="{4767B314-B9F7-4C43-B86B-0CCAED4A0117}" type="datetimeFigureOut">
               <a:rPr lang="en-US" smtClean="0"/>
-              <a:t>9/3/2024</a:t>
+              <a:t>9/5/2024</a:t>
             </a:fld>
             <a:endParaRPr lang="en-US"/>
           </a:p>
@@ -2343,7 +2346,7 @@
           <a:p>
             <a:fld id="{4767B314-B9F7-4C43-B86B-0CCAED4A0117}" type="datetimeFigureOut">
               <a:rPr lang="en-US" smtClean="0"/>
-              <a:t>9/3/2024</a:t>
+              <a:t>9/5/2024</a:t>
             </a:fld>
             <a:endParaRPr lang="en-US"/>
           </a:p>
@@ -2554,7 +2557,7 @@
           <a:p>
             <a:fld id="{4767B314-B9F7-4C43-B86B-0CCAED4A0117}" type="datetimeFigureOut">
               <a:rPr lang="en-US" smtClean="0"/>
-              <a:t>9/3/2024</a:t>
+              <a:t>9/5/2024</a:t>
             </a:fld>
             <a:endParaRPr lang="en-US"/>
           </a:p>
@@ -2969,10 +2972,10 @@
       </p:grpSpPr>
       <p:sp useBgFill="1">
         <p:nvSpPr>
-          <p:cNvPr id="9" name="Rectangle 8">
+          <p:cNvPr id="20" name="Rectangle 19">
             <a:extLst>
               <a:ext uri="{FF2B5EF4-FFF2-40B4-BE49-F238E27FC236}">
-                <a16:creationId xmlns:a16="http://schemas.microsoft.com/office/drawing/2014/main" id="{E91DC736-0EF8-4F87-9146-EBF1D2EE4D3D}"/>
+                <a16:creationId xmlns:a16="http://schemas.microsoft.com/office/drawing/2014/main" id="{5A59F003-E00A-43F9-91DC-CC54E3B87466}"/>
               </a:ext>
               <a:ext uri="{C183D7F6-B498-43B3-948B-1728B52AA6E4}">
                 <adec:decorative xmlns:adec="http://schemas.microsoft.com/office/drawing/2017/decorative" val="1"/>
@@ -3043,13 +3046,13 @@
         </p:nvPicPr>
         <p:blipFill>
           <a:blip r:embed="rId2"/>
-          <a:srcRect l="654" t="9090" r="27533" b="7"/>
+          <a:srcRect l="1762" t="18182" r="7329"/>
           <a:stretch/>
         </p:blipFill>
         <p:spPr>
           <a:xfrm>
-            <a:off x="3523488" y="10"/>
-            <a:ext cx="8668512" cy="6857990"/>
+            <a:off x="20" y="10"/>
+            <a:ext cx="12191981" cy="6857990"/>
           </a:xfrm>
           <a:prstGeom prst="rect">
             <a:avLst/>
@@ -3058,10 +3061,10 @@
       </p:pic>
       <p:sp>
         <p:nvSpPr>
-          <p:cNvPr id="11" name="Rectangle 10">
+          <p:cNvPr id="22" name="Rectangle 21">
             <a:extLst>
               <a:ext uri="{FF2B5EF4-FFF2-40B4-BE49-F238E27FC236}">
-                <a16:creationId xmlns:a16="http://schemas.microsoft.com/office/drawing/2014/main" id="{097CD68E-23E3-4007-8847-CD0944C4F7BE}"/>
+                <a16:creationId xmlns:a16="http://schemas.microsoft.com/office/drawing/2014/main" id="{D74A4382-E3AD-430A-9A1F-DFA3E0E77A7D}"/>
               </a:ext>
               <a:ext uri="{C183D7F6-B498-43B3-948B-1728B52AA6E4}">
                 <adec:decorative xmlns:adec="http://schemas.microsoft.com/office/drawing/2017/decorative" val="1"/>
@@ -3080,35 +3083,34 @@
           </p:nvPr>
         </p:nvSpPr>
         <p:spPr>
-          <a:xfrm>
-            <a:off x="0" y="0"/>
-            <a:ext cx="9756601" cy="6858000"/>
+          <a:xfrm rot="16200000">
+            <a:off x="3799865" y="-1524511"/>
+            <a:ext cx="4592270" cy="12192001"/>
           </a:xfrm>
           <a:prstGeom prst="rect">
             <a:avLst/>
           </a:prstGeom>
           <a:gradFill>
             <a:gsLst>
-              <a:gs pos="58000">
-                <a:schemeClr val="bg1"/>
-              </a:gs>
               <a:gs pos="35000">
-                <a:schemeClr val="bg1">
-                  <a:alpha val="79000"/>
+                <a:schemeClr val="tx1">
+                  <a:alpha val="46000"/>
                 </a:schemeClr>
               </a:gs>
-              <a:gs pos="19000">
-                <a:schemeClr val="bg1">
-                  <a:alpha val="38000"/>
+              <a:gs pos="21000">
+                <a:schemeClr val="tx1">
+                  <a:alpha val="30000"/>
                 </a:schemeClr>
               </a:gs>
               <a:gs pos="0">
-                <a:schemeClr val="bg1">
+                <a:schemeClr val="tx1">
                   <a:alpha val="0"/>
                 </a:schemeClr>
               </a:gs>
               <a:gs pos="100000">
-                <a:schemeClr val="bg1"/>
+                <a:schemeClr val="tx1">
+                  <a:alpha val="90000"/>
+                </a:schemeClr>
               </a:gs>
             </a:gsLst>
             <a:lin ang="10800000" scaled="0"/>
@@ -3154,38 +3156,8 @@
         </p:nvSpPr>
         <p:spPr>
           <a:xfrm>
-            <a:off x="477981" y="1122363"/>
-            <a:ext cx="4023360" cy="3204134"/>
-          </a:xfrm>
-        </p:spPr>
-        <p:txBody>
-          <a:bodyPr anchor="b">
-            <a:normAutofit/>
-          </a:bodyPr>
-          <a:lstStyle/>
-          <a:p>
-            <a:pPr algn="l"/>
-            <a:r>
-              <a:rPr lang="en-US" sz="4800"/>
-              <a:t>Exploratory Data Analysis of Posey Database</a:t>
-            </a:r>
-          </a:p>
-        </p:txBody>
-      </p:sp>
-      <p:sp>
-        <p:nvSpPr>
-          <p:cNvPr id="3" name="Subtitle 2"/>
-          <p:cNvSpPr>
-            <a:spLocks noGrp="1"/>
-          </p:cNvSpPr>
-          <p:nvPr>
-            <p:ph type="subTitle" idx="1"/>
-          </p:nvPr>
-        </p:nvSpPr>
-        <p:spPr>
-          <a:xfrm>
-            <a:off x="477980" y="4872922"/>
-            <a:ext cx="4023359" cy="1208141"/>
+            <a:off x="404553" y="3091928"/>
+            <a:ext cx="9078562" cy="2387600"/>
           </a:xfrm>
         </p:spPr>
         <p:txBody>
@@ -3196,18 +3168,22 @@
           <a:p>
             <a:pPr algn="l"/>
             <a:r>
-              <a:rPr lang="en-US" sz="2000"/>
-              <a:t>An Overview of Key Insights and Visualizations</a:t>
+              <a:rPr lang="en-US" sz="6600">
+                <a:solidFill>
+                  <a:schemeClr val="bg1"/>
+                </a:solidFill>
+              </a:rPr>
+              <a:t>Exploratory Data Analysis of Posey Database</a:t>
             </a:r>
           </a:p>
         </p:txBody>
       </p:sp>
       <p:sp>
         <p:nvSpPr>
-          <p:cNvPr id="13" name="Rectangle 12">
+          <p:cNvPr id="24" name="Rectangle: Rounded Corners 23">
             <a:extLst>
               <a:ext uri="{FF2B5EF4-FFF2-40B4-BE49-F238E27FC236}">
-                <a16:creationId xmlns:a16="http://schemas.microsoft.com/office/drawing/2014/main" id="{AF2F604E-43BE-4DC3-B983-E071523364F8}"/>
+                <a16:creationId xmlns:a16="http://schemas.microsoft.com/office/drawing/2014/main" id="{79F40191-0F44-4FD1-82CC-ACB507C14BE6}"/>
               </a:ext>
               <a:ext uri="{C183D7F6-B498-43B3-948B-1728B52AA6E4}">
                 <adec:decorative xmlns:adec="http://schemas.microsoft.com/office/drawing/2017/decorative" val="1"/>
@@ -3226,12 +3202,14 @@
           </p:nvPr>
         </p:nvSpPr>
         <p:spPr>
-          <a:xfrm rot="5400000">
-            <a:off x="759921" y="346791"/>
-            <a:ext cx="146304" cy="704088"/>
+          <a:xfrm>
+            <a:off x="0" y="5575039"/>
+            <a:ext cx="9785897" cy="685800"/>
           </a:xfrm>
-          <a:prstGeom prst="rect">
-            <a:avLst/>
+          <a:prstGeom prst="roundRect">
+            <a:avLst>
+              <a:gd name="adj" fmla="val 0"/>
+            </a:avLst>
           </a:prstGeom>
           <a:solidFill>
             <a:schemeClr val="accent2"/>
@@ -3261,105 +3239,41 @@
           <a:lstStyle/>
           <a:p>
             <a:pPr algn="ctr"/>
-            <a:endParaRPr lang="en-US">
-              <a:solidFill>
-                <a:prstClr val="white"/>
-              </a:solidFill>
-              <a:latin typeface="Calibri" panose="020F0502020204030204"/>
-            </a:endParaRPr>
+            <a:endParaRPr lang="en-US"/>
           </a:p>
         </p:txBody>
       </p:sp>
       <p:sp>
         <p:nvSpPr>
-          <p:cNvPr id="15" name="Rectangle 14">
-            <a:extLst>
-              <a:ext uri="{FF2B5EF4-FFF2-40B4-BE49-F238E27FC236}">
-                <a16:creationId xmlns:a16="http://schemas.microsoft.com/office/drawing/2014/main" id="{08C9B587-E65E-4B52-B37C-ABEBB6E87928}"/>
-              </a:ext>
-              <a:ext uri="{C183D7F6-B498-43B3-948B-1728B52AA6E4}">
-                <adec:decorative xmlns:adec="http://schemas.microsoft.com/office/drawing/2017/decorative" val="1"/>
-              </a:ext>
-            </a:extLst>
-          </p:cNvPr>
+          <p:cNvPr id="3" name="Subtitle 2"/>
           <p:cNvSpPr>
-            <a:spLocks noGrp="1" noRot="1" noChangeAspect="1" noMove="1" noResize="1" noEditPoints="1" noAdjustHandles="1" noChangeArrowheads="1" noChangeShapeType="1" noTextEdit="1"/>
+            <a:spLocks noGrp="1"/>
           </p:cNvSpPr>
           <p:nvPr>
-            <p:extLst>
-              <p:ext uri="{386F3935-93C4-4BCD-93E2-E3B085C9AB24}">
-                <p16:designElem xmlns:p16="http://schemas.microsoft.com/office/powerpoint/2015/main" val="1"/>
-              </p:ext>
-            </p:extLst>
+            <p:ph type="subTitle" idx="1"/>
           </p:nvPr>
         </p:nvSpPr>
         <p:spPr>
           <a:xfrm>
-            <a:off x="481029" y="4546920"/>
-            <a:ext cx="3977640" cy="18288"/>
+            <a:off x="404553" y="5624945"/>
+            <a:ext cx="9078562" cy="592975"/>
           </a:xfrm>
-          <a:prstGeom prst="rect">
-            <a:avLst/>
-          </a:prstGeom>
-          <a:solidFill>
-            <a:srgbClr val="D5D5D5"/>
-          </a:solidFill>
-          <a:ln w="3175">
-            <a:noFill/>
-          </a:ln>
-          <a:effectLst/>
         </p:spPr>
-        <p:style>
-          <a:lnRef idx="2">
-            <a:schemeClr val="accent1">
-              <a:shade val="50000"/>
-            </a:schemeClr>
-          </a:lnRef>
-          <a:fillRef idx="1">
-            <a:schemeClr val="accent1"/>
-          </a:fillRef>
-          <a:effectRef idx="0">
-            <a:schemeClr val="accent1"/>
-          </a:effectRef>
-          <a:fontRef idx="minor">
-            <a:schemeClr val="lt1"/>
-          </a:fontRef>
-        </p:style>
         <p:txBody>
-          <a:bodyPr rtlCol="0" anchor="ctr"/>
+          <a:bodyPr anchor="ctr">
+            <a:normAutofit/>
+          </a:bodyPr>
           <a:lstStyle/>
           <a:p>
-            <a:pPr marL="0" marR="0" lvl="0" indent="0" algn="ctr" defTabSz="914400" rtl="0" eaLnBrk="1" fontAlgn="auto" latinLnBrk="0" hangingPunct="1">
-              <a:lnSpc>
-                <a:spcPct val="100000"/>
-              </a:lnSpc>
-              <a:spcBef>
-                <a:spcPts val="0"/>
-              </a:spcBef>
-              <a:spcAft>
-                <a:spcPts val="0"/>
-              </a:spcAft>
-              <a:buClrTx/>
-              <a:buSzTx/>
-              <a:buFontTx/>
-              <a:buNone/>
-              <a:tabLst/>
-              <a:defRPr/>
-            </a:pPr>
-            <a:endParaRPr kumimoji="0" lang="en-US" sz="1800" b="0" i="0" u="none" strike="noStrike" kern="1200" cap="none" spc="0" normalizeH="0" baseline="0" noProof="0">
-              <a:ln>
-                <a:noFill/>
-              </a:ln>
-              <a:solidFill>
-                <a:prstClr val="white"/>
-              </a:solidFill>
-              <a:effectLst/>
-              <a:uLnTx/>
-              <a:uFillTx/>
-              <a:latin typeface="Calibri" panose="020F0502020204030204"/>
-              <a:ea typeface="+mn-ea"/>
-              <a:cs typeface="+mn-cs"/>
-            </a:endParaRPr>
+            <a:pPr algn="l"/>
+            <a:r>
+              <a:rPr lang="en-US">
+                <a:solidFill>
+                  <a:schemeClr val="bg1"/>
+                </a:solidFill>
+              </a:rPr>
+              <a:t>An Overview of Key Insights and Visualizations</a:t>
+            </a:r>
           </a:p>
         </p:txBody>
       </p:sp>
@@ -4386,7 +4300,7 @@
         <p:spPr bwMode="auto">
           <a:xfrm>
             <a:off x="660041" y="1214352"/>
-            <a:ext cx="2880828" cy="4624660"/>
+            <a:ext cx="2880828" cy="4222094"/>
           </a:xfrm>
           <a:prstGeom prst="rect">
             <a:avLst/>
@@ -4558,7 +4472,7 @@
               <a:tabLst/>
             </a:pPr>
             <a:r>
-              <a:rPr kumimoji="0" lang="en-US" sz="1000" b="0" i="0" u="none" strike="noStrike" kern="1200" cap="none" normalizeH="0" baseline="0">
+              <a:rPr kumimoji="0" lang="en-US" sz="1000" b="0" i="0" u="none" strike="noStrike" kern="1200" cap="none" normalizeH="0" baseline="0" dirty="0">
                 <a:ln>
                   <a:noFill/>
                 </a:ln>
@@ -4570,8 +4484,35 @@
                 <a:ea typeface="+mj-ea"/>
                 <a:cs typeface="+mj-cs"/>
               </a:rPr>
-              <a:t>The chart shows the total amount in USD by website.</a:t>
-            </a:r>
+              <a:t>The ch</a:t>
+            </a:r>
+            <a:r>
+              <a:rPr kumimoji="0" lang="en-US" sz="1050" b="0" i="0" u="none" strike="noStrike" kern="1200" cap="none" normalizeH="0" baseline="0" dirty="0">
+                <a:ln>
+                  <a:noFill/>
+                </a:ln>
+                <a:solidFill>
+                  <a:srgbClr val="FFFFFF"/>
+                </a:solidFill>
+                <a:effectLst/>
+                <a:latin typeface="+mj-lt"/>
+                <a:ea typeface="+mj-ea"/>
+                <a:cs typeface="+mj-cs"/>
+              </a:rPr>
+              <a:t>art shows the total amount in USD by website.</a:t>
+            </a:r>
+            <a:endParaRPr lang="en-US" sz="1050" b="0" i="0" u="none" strike="noStrike" kern="1200" cap="none" normalizeH="0" baseline="0">
+              <a:ln>
+                <a:noFill/>
+              </a:ln>
+              <a:solidFill>
+                <a:srgbClr val="FFFFFF"/>
+              </a:solidFill>
+              <a:effectLst/>
+              <a:latin typeface="+mj-lt"/>
+              <a:ea typeface="Calibri Light"/>
+              <a:cs typeface="Calibri Light"/>
+            </a:endParaRPr>
           </a:p>
           <a:p>
             <a:pPr marL="0" marR="0" lvl="0" indent="0" eaLnBrk="1" fontAlgn="base" hangingPunct="1">
@@ -4583,7 +4524,7 @@
               <a:tabLst/>
             </a:pPr>
             <a:r>
-              <a:rPr kumimoji="0" lang="en-US" sz="1000" b="1" i="0" u="none" strike="noStrike" kern="1200" cap="none" normalizeH="0" baseline="0">
+              <a:rPr kumimoji="0" lang="en-US" sz="1050" b="1" i="0" u="none" strike="noStrike" kern="1200" cap="none" normalizeH="0" baseline="0" dirty="0">
                 <a:ln>
                   <a:noFill/>
                 </a:ln>
@@ -4597,7 +4538,7 @@
               </a:rPr>
               <a:t>Key Trends and Patterns:</a:t>
             </a:r>
-            <a:endParaRPr kumimoji="0" lang="en-US" sz="1000" b="0" i="0" u="none" strike="noStrike" kern="1200" cap="none" normalizeH="0" baseline="0">
+            <a:endParaRPr lang="en-US" sz="1050" b="0" i="0" u="none" strike="noStrike" kern="1200" cap="none" normalizeH="0" baseline="0" dirty="0">
               <a:ln>
                 <a:noFill/>
               </a:ln>
@@ -4606,8 +4547,8 @@
               </a:solidFill>
               <a:effectLst/>
               <a:latin typeface="+mj-lt"/>
-              <a:ea typeface="+mj-ea"/>
-              <a:cs typeface="+mj-cs"/>
+              <a:ea typeface="Calibri Light"/>
+              <a:cs typeface="Calibri Light"/>
             </a:endParaRPr>
           </a:p>
           <a:p>
@@ -4620,7 +4561,7 @@
               <a:tabLst/>
             </a:pPr>
             <a:r>
-              <a:rPr kumimoji="0" lang="en-US" sz="1000" b="0" i="0" u="none" strike="noStrike" kern="1200" cap="none" normalizeH="0" baseline="0">
+              <a:rPr kumimoji="0" lang="en-US" sz="1050" b="0" i="0" u="none" strike="noStrike" kern="1200" cap="none" normalizeH="0" baseline="0" dirty="0">
                 <a:ln>
                   <a:noFill/>
                 </a:ln>
@@ -4634,6 +4575,18 @@
               </a:rPr>
               <a:t>The total amount in USD is generally low for most websites, with most websites having less than 10,000𝑖𝑛𝑡𝑜𝑡𝑎𝑙𝑎𝑚𝑜𝑢𝑛𝑡.&gt;∗𝑇ℎ𝑒𝑟𝑒𝑖𝑠𝑜𝑛𝑒𝑜𝑢𝑡𝑙𝑖𝑒𝑟,𝑤ℎ𝑖𝑐ℎ𝑖𝑠"𝑤𝑤𝑤.ℎ𝑜𝑛𝑒𝑦𝑤𝑒𝑙𝑙.𝑐𝑜𝑚,"𝑤𝑖𝑡ℎ𝑎𝑡𝑜𝑡𝑎𝑙𝑎𝑚𝑜𝑢𝑛𝑡𝑜𝑓𝑜𝑣𝑒𝑟10,000intotalamount.&gt;∗Thereisoneoutlier,whichis"www.honeywell.com,"withatotalamountofover70,000.</a:t>
             </a:r>
+            <a:endParaRPr lang="en-US" sz="1050" b="0" i="0" u="none" strike="noStrike" kern="1200" cap="none" normalizeH="0" baseline="0">
+              <a:ln>
+                <a:noFill/>
+              </a:ln>
+              <a:solidFill>
+                <a:srgbClr val="FFFFFF"/>
+              </a:solidFill>
+              <a:effectLst/>
+              <a:latin typeface="+mj-lt"/>
+              <a:ea typeface="Calibri Light"/>
+              <a:cs typeface="Calibri Light"/>
+            </a:endParaRPr>
           </a:p>
           <a:p>
             <a:pPr marL="0" marR="0" lvl="0" indent="0" eaLnBrk="1" fontAlgn="base" hangingPunct="1">
@@ -4645,7 +4598,7 @@
               <a:tabLst/>
             </a:pPr>
             <a:r>
-              <a:rPr kumimoji="0" lang="en-US" sz="1000" b="1" i="0" u="none" strike="noStrike" kern="1200" cap="none" normalizeH="0" baseline="0">
+              <a:rPr kumimoji="0" lang="en-US" sz="1050" b="1" i="0" u="none" strike="noStrike" kern="1200" cap="none" normalizeH="0" baseline="0" dirty="0">
                 <a:ln>
                   <a:noFill/>
                 </a:ln>
@@ -4659,7 +4612,7 @@
               </a:rPr>
               <a:t>Notable Performance Differences:</a:t>
             </a:r>
-            <a:endParaRPr kumimoji="0" lang="en-US" sz="1000" b="0" i="0" u="none" strike="noStrike" kern="1200" cap="none" normalizeH="0" baseline="0">
+            <a:endParaRPr lang="en-US" sz="1050" b="0" i="0" u="none" strike="noStrike" kern="1200" cap="none" normalizeH="0" baseline="0" dirty="0">
               <a:ln>
                 <a:noFill/>
               </a:ln>
@@ -4668,8 +4621,8 @@
               </a:solidFill>
               <a:effectLst/>
               <a:latin typeface="+mj-lt"/>
-              <a:ea typeface="+mj-ea"/>
-              <a:cs typeface="+mj-cs"/>
+              <a:ea typeface="Calibri Light"/>
+              <a:cs typeface="Calibri Light"/>
             </a:endParaRPr>
           </a:p>
           <a:p>
@@ -4682,7 +4635,7 @@
               <a:tabLst/>
             </a:pPr>
             <a:r>
-              <a:rPr kumimoji="0" lang="en-US" sz="1000" b="0" i="0" u="none" strike="noStrike" kern="1200" cap="none" normalizeH="0" baseline="0">
+              <a:rPr kumimoji="0" lang="en-US" sz="1050" b="0" i="0" u="none" strike="noStrike" kern="1200" cap="none" normalizeH="0" baseline="0" dirty="0">
                 <a:ln>
                   <a:noFill/>
                 </a:ln>
@@ -4697,7 +4650,7 @@
               <a:t>"</a:t>
             </a:r>
             <a:r>
-              <a:rPr kumimoji="0" lang="en-US" sz="1000" b="0" i="0" u="sng" strike="noStrike" kern="1200" cap="none" normalizeH="0" baseline="0">
+              <a:rPr kumimoji="0" lang="en-US" sz="1050" b="0" i="0" u="sng" strike="noStrike" kern="1200" cap="none" normalizeH="0" baseline="0" dirty="0">
                 <a:ln>
                   <a:noFill/>
                 </a:ln>
@@ -4712,7 +4665,7 @@
               <a:t>www.honeywell.com"</a:t>
             </a:r>
             <a:r>
-              <a:rPr kumimoji="0" lang="en-US" sz="1000" b="0" i="0" u="none" strike="noStrike" kern="1200" cap="none" normalizeH="0" baseline="0">
+              <a:rPr kumimoji="0" lang="en-US" sz="1050" b="0" i="0" u="none" strike="noStrike" kern="1200" cap="none" normalizeH="0" baseline="0" dirty="0">
                 <a:ln>
                   <a:noFill/>
                 </a:ln>
@@ -4726,6 +4679,18 @@
               </a:rPr>
               <a:t> significantly outperforms all other websites in terms of total amount.</a:t>
             </a:r>
+            <a:endParaRPr lang="en-US" sz="1050" b="0" i="0" u="none" strike="noStrike" kern="1200" cap="none" normalizeH="0" baseline="0">
+              <a:ln>
+                <a:noFill/>
+              </a:ln>
+              <a:solidFill>
+                <a:srgbClr val="FFFFFF"/>
+              </a:solidFill>
+              <a:effectLst/>
+              <a:latin typeface="+mj-lt"/>
+              <a:ea typeface="Calibri Light"/>
+              <a:cs typeface="Calibri Light"/>
+            </a:endParaRPr>
           </a:p>
           <a:p>
             <a:pPr marL="0" marR="0" lvl="0" indent="0" eaLnBrk="1" fontAlgn="base" hangingPunct="1">
@@ -4737,7 +4702,7 @@
               <a:tabLst/>
             </a:pPr>
             <a:r>
-              <a:rPr kumimoji="0" lang="en-US" sz="1000" b="1" i="0" u="none" strike="noStrike" kern="1200" cap="none" normalizeH="0" baseline="0">
+              <a:rPr kumimoji="0" lang="en-US" sz="1050" b="1" i="0" u="none" strike="noStrike" kern="1200" cap="none" normalizeH="0" baseline="0" dirty="0">
                 <a:ln>
                   <a:noFill/>
                 </a:ln>
@@ -4751,7 +4716,7 @@
               </a:rPr>
               <a:t>Actionable Insights:</a:t>
             </a:r>
-            <a:endParaRPr kumimoji="0" lang="en-US" sz="1000" b="0" i="0" u="none" strike="noStrike" kern="1200" cap="none" normalizeH="0" baseline="0">
+            <a:endParaRPr lang="en-US" sz="1050" b="0" i="0" u="none" strike="noStrike" kern="1200" cap="none" normalizeH="0" baseline="0" dirty="0">
               <a:ln>
                 <a:noFill/>
               </a:ln>
@@ -4760,8 +4725,8 @@
               </a:solidFill>
               <a:effectLst/>
               <a:latin typeface="+mj-lt"/>
-              <a:ea typeface="+mj-ea"/>
-              <a:cs typeface="+mj-cs"/>
+              <a:ea typeface="Calibri Light"/>
+              <a:cs typeface="Calibri Light"/>
             </a:endParaRPr>
           </a:p>
           <a:p>
@@ -4774,7 +4739,7 @@
               <a:tabLst/>
             </a:pPr>
             <a:r>
-              <a:rPr kumimoji="0" lang="en-US" sz="1000" b="1" i="0" u="none" strike="noStrike" kern="1200" cap="none" normalizeH="0" baseline="0">
+              <a:rPr kumimoji="0" lang="en-US" sz="1050" b="1" i="0" u="none" strike="noStrike" kern="1200" cap="none" normalizeH="0" baseline="0" dirty="0">
                 <a:ln>
                   <a:noFill/>
                 </a:ln>
@@ -4789,7 +4754,7 @@
               <a:t>Focus on Improving Performance of "</a:t>
             </a:r>
             <a:r>
-              <a:rPr kumimoji="0" lang="en-US" sz="1000" b="1" i="0" u="sng" strike="noStrike" kern="1200" cap="none" normalizeH="0" baseline="0">
+              <a:rPr kumimoji="0" lang="en-US" sz="1050" b="1" i="0" u="sng" strike="noStrike" kern="1200" cap="none" normalizeH="0" baseline="0" dirty="0">
                 <a:ln>
                   <a:noFill/>
                 </a:ln>
@@ -4804,7 +4769,7 @@
               <a:t>www.honeywell.com"</a:t>
             </a:r>
             <a:r>
-              <a:rPr kumimoji="0" lang="en-US" sz="1000" b="1" i="0" u="none" strike="noStrike" kern="1200" cap="none" normalizeH="0" baseline="0">
+              <a:rPr kumimoji="0" lang="en-US" sz="1050" b="1" i="0" u="none" strike="noStrike" kern="1200" cap="none" normalizeH="0" baseline="0" dirty="0">
                 <a:ln>
                   <a:noFill/>
                 </a:ln>
@@ -4819,7 +4784,7 @@
               <a:t>:</a:t>
             </a:r>
             <a:r>
-              <a:rPr kumimoji="0" lang="en-US" sz="1000" b="0" i="0" u="none" strike="noStrike" kern="1200" cap="none" normalizeH="0" baseline="0">
+              <a:rPr kumimoji="0" lang="en-US" sz="1050" b="0" i="0" u="none" strike="noStrike" kern="1200" cap="none" normalizeH="0" baseline="0" dirty="0">
                 <a:ln>
                   <a:noFill/>
                 </a:ln>
@@ -4834,7 +4799,7 @@
               <a:t> The website "</a:t>
             </a:r>
             <a:r>
-              <a:rPr kumimoji="0" lang="en-US" sz="1000" b="0" i="0" u="sng" strike="noStrike" kern="1200" cap="none" normalizeH="0" baseline="0">
+              <a:rPr kumimoji="0" lang="en-US" sz="1050" b="0" i="0" u="sng" strike="noStrike" kern="1200" cap="none" normalizeH="0" baseline="0" dirty="0">
                 <a:ln>
                   <a:noFill/>
                 </a:ln>
@@ -4849,7 +4814,7 @@
               <a:t>www.honeywell.com"</a:t>
             </a:r>
             <a:r>
-              <a:rPr kumimoji="0" lang="en-US" sz="1000" b="0" i="0" u="none" strike="noStrike" kern="1200" cap="none" normalizeH="0" baseline="0">
+              <a:rPr kumimoji="0" lang="en-US" sz="1050" b="0" i="0" u="none" strike="noStrike" kern="1200" cap="none" normalizeH="0" baseline="0" dirty="0">
                 <a:ln>
                   <a:noFill/>
                 </a:ln>
@@ -4863,6 +4828,18 @@
               </a:rPr>
               <a:t> is a clear outlier and has the highest total amount. It's important to understand why this website is performing so well and try to replicate its success on other websites. This could involve analyzing the website's content, marketing strategies, and user experience.</a:t>
             </a:r>
+            <a:endParaRPr lang="en-US" sz="1050" b="0" i="0" u="none" strike="noStrike" kern="1200" cap="none" normalizeH="0" baseline="0">
+              <a:ln>
+                <a:noFill/>
+              </a:ln>
+              <a:solidFill>
+                <a:srgbClr val="FFFFFF"/>
+              </a:solidFill>
+              <a:effectLst/>
+              <a:latin typeface="+mj-lt"/>
+              <a:ea typeface="Calibri Light"/>
+              <a:cs typeface="Calibri Light"/>
+            </a:endParaRPr>
           </a:p>
           <a:p>
             <a:pPr marL="0" marR="0" lvl="0" indent="0" eaLnBrk="1" fontAlgn="base" hangingPunct="1">
@@ -4874,7 +4851,7 @@
               <a:tabLst/>
             </a:pPr>
             <a:r>
-              <a:rPr kumimoji="0" lang="en-US" sz="1000" b="1" i="0" u="none" strike="noStrike" kern="1200" cap="none" normalizeH="0" baseline="0">
+              <a:rPr kumimoji="0" lang="en-US" sz="1050" b="1" i="0" u="none" strike="noStrike" kern="1200" cap="none" normalizeH="0" baseline="0" dirty="0">
                 <a:ln>
                   <a:noFill/>
                 </a:ln>
@@ -4889,7 +4866,7 @@
               <a:t>Investigate Other Underperforming Websites:</a:t>
             </a:r>
             <a:r>
-              <a:rPr kumimoji="0" lang="en-US" sz="1000" b="0" i="0" u="none" strike="noStrike" kern="1200" cap="none" normalizeH="0" baseline="0">
+              <a:rPr kumimoji="0" lang="en-US" sz="1050" b="0" i="0" u="none" strike="noStrike" kern="1200" cap="none" normalizeH="0" baseline="0" dirty="0">
                 <a:ln>
                   <a:noFill/>
                 </a:ln>
@@ -4903,6 +4880,18 @@
               </a:rPr>
               <a:t> While most websites have low total amounts, there are still some websites that are underperforming. It's worth investigating these websites to understand why they are not generating as much revenue as they could be. This could involve analyzing their website traffic, conversion rates, and customer engagement.</a:t>
             </a:r>
+            <a:endParaRPr lang="en-US" sz="1050" b="0" i="0" u="none" strike="noStrike" kern="1200" cap="none" normalizeH="0" baseline="0">
+              <a:ln>
+                <a:noFill/>
+              </a:ln>
+              <a:solidFill>
+                <a:srgbClr val="FFFFFF"/>
+              </a:solidFill>
+              <a:effectLst/>
+              <a:latin typeface="+mj-lt"/>
+              <a:ea typeface="Calibri Light"/>
+              <a:cs typeface="Calibri Light"/>
+            </a:endParaRPr>
           </a:p>
           <a:p>
             <a:pPr marL="0" marR="0" lvl="0" indent="0" eaLnBrk="1" fontAlgn="base" hangingPunct="1">
@@ -4914,7 +4903,7 @@
               <a:tabLst/>
             </a:pPr>
             <a:r>
-              <a:rPr kumimoji="0" lang="en-US" sz="1000" b="1" i="0" u="none" strike="noStrike" kern="1200" cap="none" normalizeH="0" baseline="0">
+              <a:rPr kumimoji="0" lang="en-US" sz="1050" b="1" i="0" u="none" strike="noStrike" kern="1200" cap="none" normalizeH="0" baseline="0" dirty="0">
                 <a:ln>
                   <a:noFill/>
                 </a:ln>
@@ -4929,7 +4918,7 @@
               <a:t>Overall, the chart suggests that there is a significant opportunity to improve the performance of most websites in terms of total amount.</a:t>
             </a:r>
             <a:r>
-              <a:rPr kumimoji="0" lang="en-US" sz="1000" b="0" i="0" u="none" strike="noStrike" kern="1200" cap="none" normalizeH="0" baseline="0">
+              <a:rPr kumimoji="0" lang="en-US" sz="1050" b="0" i="0" u="none" strike="noStrike" kern="1200" cap="none" normalizeH="0" baseline="0" dirty="0">
                 <a:ln>
                   <a:noFill/>
                 </a:ln>
@@ -4943,12 +4932,24 @@
               </a:rPr>
               <a:t> The analysis above provides actionable insights to improve the website performance.</a:t>
             </a:r>
+            <a:endParaRPr lang="en-US" sz="1050" b="0" i="0" u="none" strike="noStrike" kern="1200" cap="none" normalizeH="0" baseline="0" dirty="0">
+              <a:ln>
+                <a:noFill/>
+              </a:ln>
+              <a:solidFill>
+                <a:srgbClr val="FFFFFF"/>
+              </a:solidFill>
+              <a:effectLst/>
+              <a:latin typeface="+mj-lt"/>
+              <a:ea typeface="Calibri Light"/>
+              <a:cs typeface="Calibri Light"/>
+            </a:endParaRPr>
           </a:p>
         </p:txBody>
       </p:sp>
       <p:pic>
         <p:nvPicPr>
-          <p:cNvPr id="2" name="Picture 1"/>
+          <p:cNvPr id="3" name="Picture 2"/>
           <p:cNvPicPr>
             <a:picLocks noChangeAspect="1"/>
           </p:cNvPicPr>
@@ -4968,8 +4969,8 @@
         </p:blipFill>
         <p:spPr>
           <a:xfrm>
-            <a:off x="4502428" y="1441920"/>
-            <a:ext cx="7225748" cy="3974160"/>
+            <a:off x="4038604" y="992458"/>
+            <a:ext cx="8153395" cy="4438185"/>
           </a:xfrm>
           <a:prstGeom prst="rect">
             <a:avLst/>
@@ -4990,6 +4991,562 @@
 </file>
 
 <file path=ppt/slides/slide4.xml><?xml version="1.0" encoding="utf-8"?>
+<p:sld xmlns:a="http://schemas.openxmlformats.org/drawingml/2006/main" xmlns:r="http://schemas.openxmlformats.org/officeDocument/2006/relationships" xmlns:p="http://schemas.openxmlformats.org/presentationml/2006/main">
+  <p:cSld>
+    <p:bg>
+      <p:bgPr>
+        <a:solidFill>
+          <a:schemeClr val="bg2"/>
+        </a:solidFill>
+        <a:effectLst/>
+      </p:bgPr>
+    </p:bg>
+    <p:spTree>
+      <p:nvGrpSpPr>
+        <p:cNvPr id="1" name=""/>
+        <p:cNvGrpSpPr/>
+        <p:nvPr/>
+      </p:nvGrpSpPr>
+      <p:grpSpPr>
+        <a:xfrm>
+          <a:off x="0" y="0"/>
+          <a:ext cx="0" cy="0"/>
+          <a:chOff x="0" y="0"/>
+          <a:chExt cx="0" cy="0"/>
+        </a:xfrm>
+      </p:grpSpPr>
+      <p:sp>
+        <p:nvSpPr>
+          <p:cNvPr id="58" name="Rectangle 57">
+            <a:extLst>
+              <a:ext uri="{FF2B5EF4-FFF2-40B4-BE49-F238E27FC236}">
+                <a16:creationId xmlns:a16="http://schemas.microsoft.com/office/drawing/2014/main" id="{16C5FA50-8D52-4617-AF91-5C7B1C8352F1}"/>
+              </a:ext>
+              <a:ext uri="{C183D7F6-B498-43B3-948B-1728B52AA6E4}">
+                <adec:decorative xmlns:adec="http://schemas.microsoft.com/office/drawing/2017/decorative" val="1"/>
+              </a:ext>
+            </a:extLst>
+          </p:cNvPr>
+          <p:cNvSpPr>
+            <a:spLocks noGrp="1" noRot="1" noChangeAspect="1" noMove="1" noResize="1" noEditPoints="1" noAdjustHandles="1" noChangeArrowheads="1" noChangeShapeType="1" noTextEdit="1"/>
+          </p:cNvSpPr>
+          <p:nvPr>
+            <p:extLst>
+              <p:ext uri="{386F3935-93C4-4BCD-93E2-E3B085C9AB24}">
+                <p16:designElem xmlns:p16="http://schemas.microsoft.com/office/powerpoint/2015/main" val="1"/>
+              </p:ext>
+            </p:extLst>
+          </p:nvPr>
+        </p:nvSpPr>
+        <p:spPr>
+          <a:xfrm>
+            <a:off x="0" y="0"/>
+            <a:ext cx="12192000" cy="6858000"/>
+          </a:xfrm>
+          <a:prstGeom prst="rect">
+            <a:avLst/>
+          </a:prstGeom>
+          <a:solidFill>
+            <a:srgbClr val="767171"/>
+          </a:solidFill>
+          <a:ln>
+            <a:noFill/>
+          </a:ln>
+        </p:spPr>
+        <p:style>
+          <a:lnRef idx="2">
+            <a:schemeClr val="accent1">
+              <a:shade val="50000"/>
+            </a:schemeClr>
+          </a:lnRef>
+          <a:fillRef idx="1">
+            <a:schemeClr val="accent1"/>
+          </a:fillRef>
+          <a:effectRef idx="0">
+            <a:schemeClr val="accent1"/>
+          </a:effectRef>
+          <a:fontRef idx="minor">
+            <a:schemeClr val="lt1"/>
+          </a:fontRef>
+        </p:style>
+        <p:txBody>
+          <a:bodyPr rtlCol="0" anchor="ctr"/>
+          <a:lstStyle/>
+          <a:p>
+            <a:pPr algn="ctr"/>
+            <a:endParaRPr lang="en-US"/>
+          </a:p>
+        </p:txBody>
+      </p:sp>
+      <p:sp>
+        <p:nvSpPr>
+          <p:cNvPr id="6" name="Title 5"/>
+          <p:cNvSpPr>
+            <a:spLocks noGrp="1"/>
+          </p:cNvSpPr>
+          <p:nvPr>
+            <p:ph type="title"/>
+          </p:nvPr>
+        </p:nvSpPr>
+        <p:spPr>
+          <a:xfrm>
+            <a:off x="9093496" y="618681"/>
+            <a:ext cx="2613872" cy="4794567"/>
+          </a:xfrm>
+        </p:spPr>
+        <p:txBody>
+          <a:bodyPr vert="horz" lIns="91440" tIns="45720" rIns="91440" bIns="45720" rtlCol="0">
+            <a:normAutofit/>
+          </a:bodyPr>
+          <a:lstStyle/>
+          <a:p>
+            <a:r>
+              <a:rPr lang="en-US" sz="900">
+                <a:solidFill>
+                  <a:srgbClr val="FFFFFF"/>
+                </a:solidFill>
+              </a:rPr>
+              <a:t>The plot shows the total amount in USD by name.</a:t>
+            </a:r>
+            <a:br>
+              <a:rPr lang="en-US" sz="900">
+                <a:solidFill>
+                  <a:srgbClr val="FFFFFF"/>
+                </a:solidFill>
+              </a:rPr>
+            </a:br>
+            <a:r>
+              <a:rPr lang="en-US" sz="900" b="1">
+                <a:solidFill>
+                  <a:srgbClr val="FFFFFF"/>
+                </a:solidFill>
+              </a:rPr>
+              <a:t>Key Trends and Patterns</a:t>
+            </a:r>
+            <a:br>
+              <a:rPr lang="en-US" sz="900">
+                <a:solidFill>
+                  <a:srgbClr val="FFFFFF"/>
+                </a:solidFill>
+              </a:rPr>
+            </a:br>
+            <a:r>
+              <a:rPr lang="en-US" sz="900">
+                <a:solidFill>
+                  <a:srgbClr val="FFFFFF"/>
+                </a:solidFill>
+              </a:rPr>
+              <a:t>The total amount is generally low for most names, with a few exceptions.</a:t>
+            </a:r>
+            <a:br>
+              <a:rPr lang="en-US" sz="900">
+                <a:solidFill>
+                  <a:srgbClr val="FFFFFF"/>
+                </a:solidFill>
+              </a:rPr>
+            </a:br>
+            <a:r>
+              <a:rPr lang="en-US" sz="900">
+                <a:solidFill>
+                  <a:srgbClr val="FFFFFF"/>
+                </a:solidFill>
+              </a:rPr>
+              <a:t>There are a few names with significantly higher total amounts than others.</a:t>
+            </a:r>
+            <a:br>
+              <a:rPr lang="en-US" sz="900">
+                <a:solidFill>
+                  <a:srgbClr val="FFFFFF"/>
+                </a:solidFill>
+              </a:rPr>
+            </a:br>
+            <a:r>
+              <a:rPr lang="en-US" sz="900" b="1">
+                <a:solidFill>
+                  <a:srgbClr val="FFFFFF"/>
+                </a:solidFill>
+              </a:rPr>
+              <a:t>Notable Performance Differences</a:t>
+            </a:r>
+            <a:br>
+              <a:rPr lang="en-US" sz="900">
+                <a:solidFill>
+                  <a:srgbClr val="FFFFFF"/>
+                </a:solidFill>
+              </a:rPr>
+            </a:br>
+            <a:r>
+              <a:rPr lang="en-US" sz="900" b="1">
+                <a:solidFill>
+                  <a:srgbClr val="FFFFFF"/>
+                </a:solidFill>
+              </a:rPr>
+              <a:t>Health Net</a:t>
+            </a:r>
+            <a:r>
+              <a:rPr lang="en-US" sz="900">
+                <a:solidFill>
+                  <a:srgbClr val="FFFFFF"/>
+                </a:solidFill>
+              </a:rPr>
+              <a:t> has the highest total amount by a large margin.</a:t>
+            </a:r>
+            <a:br>
+              <a:rPr lang="en-US" sz="900">
+                <a:solidFill>
+                  <a:srgbClr val="FFFFFF"/>
+                </a:solidFill>
+              </a:rPr>
+            </a:br>
+            <a:r>
+              <a:rPr lang="en-US" sz="900">
+                <a:solidFill>
+                  <a:srgbClr val="FFFFFF"/>
+                </a:solidFill>
+              </a:rPr>
+              <a:t>Other names with notably high total amounts include </a:t>
+            </a:r>
+            <a:r>
+              <a:rPr lang="en-US" sz="900" b="1">
+                <a:solidFill>
+                  <a:srgbClr val="FFFFFF"/>
+                </a:solidFill>
+              </a:rPr>
+              <a:t>PBF Energy</a:t>
+            </a:r>
+            <a:r>
+              <a:rPr lang="en-US" sz="900">
+                <a:solidFill>
+                  <a:srgbClr val="FFFFFF"/>
+                </a:solidFill>
+              </a:rPr>
+              <a:t> and </a:t>
+            </a:r>
+            <a:r>
+              <a:rPr lang="en-US" sz="900" b="1">
+                <a:solidFill>
+                  <a:srgbClr val="FFFFFF"/>
+                </a:solidFill>
+              </a:rPr>
+              <a:t>NextEra Energy</a:t>
+            </a:r>
+            <a:r>
+              <a:rPr lang="en-US" sz="900">
+                <a:solidFill>
+                  <a:srgbClr val="FFFFFF"/>
+                </a:solidFill>
+              </a:rPr>
+              <a:t>.</a:t>
+            </a:r>
+            <a:br>
+              <a:rPr lang="en-US" sz="900">
+                <a:solidFill>
+                  <a:srgbClr val="FFFFFF"/>
+                </a:solidFill>
+              </a:rPr>
+            </a:br>
+            <a:r>
+              <a:rPr lang="en-US" sz="900">
+                <a:solidFill>
+                  <a:srgbClr val="FFFFFF"/>
+                </a:solidFill>
+              </a:rPr>
+              <a:t>Most other names have total amounts below 10k USD.</a:t>
+            </a:r>
+            <a:br>
+              <a:rPr lang="en-US" sz="900">
+                <a:solidFill>
+                  <a:srgbClr val="FFFFFF"/>
+                </a:solidFill>
+              </a:rPr>
+            </a:br>
+            <a:r>
+              <a:rPr lang="en-US" sz="900" b="1">
+                <a:solidFill>
+                  <a:srgbClr val="FFFFFF"/>
+                </a:solidFill>
+              </a:rPr>
+              <a:t>Actionable Insights</a:t>
+            </a:r>
+            <a:br>
+              <a:rPr lang="en-US" sz="900">
+                <a:solidFill>
+                  <a:srgbClr val="FFFFFF"/>
+                </a:solidFill>
+              </a:rPr>
+            </a:br>
+            <a:r>
+              <a:rPr lang="en-US" sz="900">
+                <a:solidFill>
+                  <a:srgbClr val="FFFFFF"/>
+                </a:solidFill>
+              </a:rPr>
+              <a:t>Focus on understanding why </a:t>
+            </a:r>
+            <a:r>
+              <a:rPr lang="en-US" sz="900" b="1">
+                <a:solidFill>
+                  <a:srgbClr val="FFFFFF"/>
+                </a:solidFill>
+              </a:rPr>
+              <a:t>Health Net</a:t>
+            </a:r>
+            <a:r>
+              <a:rPr lang="en-US" sz="900">
+                <a:solidFill>
+                  <a:srgbClr val="FFFFFF"/>
+                </a:solidFill>
+              </a:rPr>
+              <a:t> has such a high total amount. Is this due to a specific product or service, a strong customer base, or other factors?</a:t>
+            </a:r>
+            <a:br>
+              <a:rPr lang="en-US" sz="900">
+                <a:solidFill>
+                  <a:srgbClr val="FFFFFF"/>
+                </a:solidFill>
+              </a:rPr>
+            </a:br>
+            <a:r>
+              <a:rPr lang="en-US" sz="900">
+                <a:solidFill>
+                  <a:srgbClr val="FFFFFF"/>
+                </a:solidFill>
+              </a:rPr>
+              <a:t>Investigate the performance of </a:t>
+            </a:r>
+            <a:r>
+              <a:rPr lang="en-US" sz="900" b="1">
+                <a:solidFill>
+                  <a:srgbClr val="FFFFFF"/>
+                </a:solidFill>
+              </a:rPr>
+              <a:t>PBF Energy</a:t>
+            </a:r>
+            <a:r>
+              <a:rPr lang="en-US" sz="900">
+                <a:solidFill>
+                  <a:srgbClr val="FFFFFF"/>
+                </a:solidFill>
+              </a:rPr>
+              <a:t> and </a:t>
+            </a:r>
+            <a:r>
+              <a:rPr lang="en-US" sz="900" b="1">
+                <a:solidFill>
+                  <a:srgbClr val="FFFFFF"/>
+                </a:solidFill>
+              </a:rPr>
+              <a:t>NextEra Energy</a:t>
+            </a:r>
+            <a:r>
+              <a:rPr lang="en-US" sz="900">
+                <a:solidFill>
+                  <a:srgbClr val="FFFFFF"/>
+                </a:solidFill>
+              </a:rPr>
+              <a:t> to see if there are opportunities to replicate their success with other names.</a:t>
+            </a:r>
+            <a:br>
+              <a:rPr lang="en-US" sz="900">
+                <a:solidFill>
+                  <a:srgbClr val="FFFFFF"/>
+                </a:solidFill>
+              </a:rPr>
+            </a:br>
+            <a:r>
+              <a:rPr lang="en-US" sz="900">
+                <a:solidFill>
+                  <a:srgbClr val="FFFFFF"/>
+                </a:solidFill>
+              </a:rPr>
+              <a:t>Consider whether the low performance of most names is due to a lack of focus, limited resources, or other factors. Identify areas where resources could be reallocated to improve performance.</a:t>
+            </a:r>
+            <a:br>
+              <a:rPr lang="en-US" sz="900">
+                <a:solidFill>
+                  <a:srgbClr val="FFFFFF"/>
+                </a:solidFill>
+              </a:rPr>
+            </a:br>
+            <a:r>
+              <a:rPr lang="en-US" sz="900" b="1">
+                <a:solidFill>
+                  <a:srgbClr val="FFFFFF"/>
+                </a:solidFill>
+              </a:rPr>
+              <a:t>Overall, the data suggests that there are significant differences in performance between the names.</a:t>
+            </a:r>
+            <a:r>
+              <a:rPr lang="en-US" sz="900">
+                <a:solidFill>
+                  <a:srgbClr val="FFFFFF"/>
+                </a:solidFill>
+              </a:rPr>
+              <a:t> By understanding the reasons behind these differences, you can develop strategies to improve the performance of all names.</a:t>
+            </a:r>
+            <a:br>
+              <a:rPr lang="en-US" sz="900">
+                <a:solidFill>
+                  <a:srgbClr val="FFFFFF"/>
+                </a:solidFill>
+              </a:rPr>
+            </a:br>
+            <a:r>
+              <a:rPr lang="en-US" sz="900" b="1">
+                <a:solidFill>
+                  <a:srgbClr val="FFFFFF"/>
+                </a:solidFill>
+              </a:rPr>
+              <a:t>Image:</a:t>
+            </a:r>
+            <a:br>
+              <a:rPr lang="en-US" sz="900">
+                <a:solidFill>
+                  <a:srgbClr val="FFFFFF"/>
+                </a:solidFill>
+              </a:rPr>
+            </a:br>
+            <a:r>
+              <a:rPr lang="en-US" sz="900">
+                <a:solidFill>
+                  <a:srgbClr val="FFFFFF"/>
+                </a:solidFill>
+              </a:rPr>
+              <a:t>The image shows the plot of total amount in USD by name. It highlights the performance differences between names and identifies the names with the highest total amounts.</a:t>
+            </a:r>
+            <a:br>
+              <a:rPr lang="en-US" sz="900">
+                <a:solidFill>
+                  <a:srgbClr val="FFFFFF"/>
+                </a:solidFill>
+              </a:rPr>
+            </a:br>
+            <a:endParaRPr lang="en-US" sz="900">
+              <a:solidFill>
+                <a:srgbClr val="FFFFFF"/>
+              </a:solidFill>
+            </a:endParaRPr>
+          </a:p>
+        </p:txBody>
+      </p:sp>
+      <p:sp>
+        <p:nvSpPr>
+          <p:cNvPr id="59" name="Rounded Rectangle 9">
+            <a:extLst>
+              <a:ext uri="{FF2B5EF4-FFF2-40B4-BE49-F238E27FC236}">
+                <a16:creationId xmlns:a16="http://schemas.microsoft.com/office/drawing/2014/main" id="{E223798C-12AD-4B0C-A50C-D676347D67CF}"/>
+              </a:ext>
+              <a:ext uri="{C183D7F6-B498-43B3-948B-1728B52AA6E4}">
+                <adec:decorative xmlns:adec="http://schemas.microsoft.com/office/drawing/2017/decorative" val="1"/>
+              </a:ext>
+            </a:extLst>
+          </p:cNvPr>
+          <p:cNvSpPr>
+            <a:spLocks noGrp="1" noRot="1" noChangeAspect="1" noMove="1" noResize="1" noEditPoints="1" noAdjustHandles="1" noChangeArrowheads="1" noChangeShapeType="1" noTextEdit="1"/>
+          </p:cNvSpPr>
+          <p:nvPr>
+            <p:extLst>
+              <p:ext uri="{386F3935-93C4-4BCD-93E2-E3B085C9AB24}">
+                <p16:designElem xmlns:p16="http://schemas.microsoft.com/office/powerpoint/2015/main" val="1"/>
+              </p:ext>
+            </p:extLst>
+          </p:nvPr>
+        </p:nvSpPr>
+        <p:spPr>
+          <a:xfrm>
+            <a:off x="493354" y="484632"/>
+            <a:ext cx="8129016" cy="5724144"/>
+          </a:xfrm>
+          <a:prstGeom prst="roundRect">
+            <a:avLst>
+              <a:gd name="adj" fmla="val 0"/>
+            </a:avLst>
+          </a:prstGeom>
+          <a:solidFill>
+            <a:srgbClr val="FFFFFF"/>
+          </a:solidFill>
+          <a:ln w="9525">
+            <a:solidFill>
+              <a:srgbClr val="C8CACA"/>
+            </a:solidFill>
+          </a:ln>
+          <a:effectLst>
+            <a:outerShdw blurRad="57150" dist="19050" dir="5400000" algn="t" rotWithShape="0">
+              <a:prstClr val="black">
+                <a:alpha val="63000"/>
+              </a:prstClr>
+            </a:outerShdw>
+          </a:effectLst>
+        </p:spPr>
+        <p:style>
+          <a:lnRef idx="2">
+            <a:schemeClr val="accent1">
+              <a:shade val="50000"/>
+            </a:schemeClr>
+          </a:lnRef>
+          <a:fillRef idx="1">
+            <a:schemeClr val="accent1"/>
+          </a:fillRef>
+          <a:effectRef idx="0">
+            <a:schemeClr val="accent1"/>
+          </a:effectRef>
+          <a:fontRef idx="minor">
+            <a:schemeClr val="lt1"/>
+          </a:fontRef>
+        </p:style>
+        <p:txBody>
+          <a:bodyPr rtlCol="0" anchor="ctr"/>
+          <a:lstStyle/>
+          <a:p>
+            <a:pPr algn="ctr"/>
+            <a:endParaRPr lang="en-US"/>
+          </a:p>
+        </p:txBody>
+      </p:sp>
+      <p:pic>
+        <p:nvPicPr>
+          <p:cNvPr id="3" name="Picture 2"/>
+          <p:cNvPicPr>
+            <a:picLocks noChangeAspect="1"/>
+          </p:cNvPicPr>
+          <p:nvPr/>
+        </p:nvPicPr>
+        <p:blipFill>
+          <a:blip r:embed="rId2">
+            <a:extLst>
+              <a:ext uri="{28A0092B-C50C-407E-A947-70E740481C1C}">
+                <a14:useLocalDpi xmlns:a14="http://schemas.microsoft.com/office/drawing/2010/main" val="0"/>
+              </a:ext>
+            </a:extLst>
+          </a:blip>
+          <a:srcRect r="18063"/>
+          <a:stretch/>
+        </p:blipFill>
+        <p:spPr>
+          <a:xfrm>
+            <a:off x="976251" y="942538"/>
+            <a:ext cx="7163222" cy="4808332"/>
+          </a:xfrm>
+          <a:prstGeom prst="rect">
+            <a:avLst/>
+          </a:prstGeom>
+          <a:effectLst/>
+        </p:spPr>
+      </p:pic>
+    </p:spTree>
+    <p:extLst>
+      <p:ext uri="{BB962C8B-B14F-4D97-AF65-F5344CB8AC3E}">
+        <p14:creationId xmlns:p14="http://schemas.microsoft.com/office/powerpoint/2010/main" val="2416705211"/>
+      </p:ext>
+    </p:extLst>
+  </p:cSld>
+  <p:clrMapOvr>
+    <a:masterClrMapping/>
+  </p:clrMapOvr>
+</p:sld>
+</file>
+
+<file path=ppt/slides/slide5.xml><?xml version="1.0" encoding="utf-8"?>
 <p:sld xmlns:a="http://schemas.openxmlformats.org/drawingml/2006/main" xmlns:r="http://schemas.openxmlformats.org/officeDocument/2006/relationships" xmlns:p="http://schemas.openxmlformats.org/presentationml/2006/main">
   <p:cSld>
     <p:bg>
@@ -5016,10 +5573,10 @@
       </p:grpSpPr>
       <p:sp useBgFill="1">
         <p:nvSpPr>
-          <p:cNvPr id="11" name="Rectangle 10">
+          <p:cNvPr id="16" name="Rectangle 15">
             <a:extLst>
               <a:ext uri="{FF2B5EF4-FFF2-40B4-BE49-F238E27FC236}">
-                <a16:creationId xmlns:a16="http://schemas.microsoft.com/office/drawing/2014/main" id="{5DCB5928-DC7D-4612-9922-441966E15627}"/>
+                <a16:creationId xmlns:a16="http://schemas.microsoft.com/office/drawing/2014/main" id="{B1595A09-E336-4D1B-9B3A-06A2287A54E2}"/>
               </a:ext>
               <a:ext uri="{C183D7F6-B498-43B3-948B-1728B52AA6E4}">
                 <adec:decorative xmlns:adec="http://schemas.microsoft.com/office/drawing/2017/decorative" val="1"/>
@@ -5040,7 +5597,7 @@
         <p:spPr>
           <a:xfrm>
             <a:off x="0" y="0"/>
-            <a:ext cx="12192000" cy="6858000"/>
+            <a:ext cx="12188952" cy="6858000"/>
           </a:xfrm>
           <a:prstGeom prst="rect">
             <a:avLst/>
@@ -5074,12 +5631,271 @@
           </a:p>
         </p:txBody>
       </p:sp>
-      <p:sp useBgFill="1">
+      <p:pic>
+        <p:nvPicPr>
+          <p:cNvPr id="2" name="Picture 1"/>
+          <p:cNvPicPr>
+            <a:picLocks noChangeAspect="1"/>
+          </p:cNvPicPr>
+          <p:nvPr/>
+        </p:nvPicPr>
+        <p:blipFill>
+          <a:blip r:embed="rId2">
+            <a:extLst>
+              <a:ext uri="{28A0092B-C50C-407E-A947-70E740481C1C}">
+                <a14:useLocalDpi xmlns:a14="http://schemas.microsoft.com/office/drawing/2010/main" val="0"/>
+              </a:ext>
+            </a:extLst>
+          </a:blip>
+          <a:srcRect t="15509" b="16511"/>
+          <a:stretch/>
+        </p:blipFill>
+        <p:spPr>
+          <a:xfrm>
+            <a:off x="20" y="10"/>
+            <a:ext cx="12191980" cy="3667025"/>
+          </a:xfrm>
+          <a:custGeom>
+            <a:avLst/>
+            <a:gdLst/>
+            <a:ahLst/>
+            <a:cxnLst/>
+            <a:rect l="l" t="t" r="r" b="b"/>
+            <a:pathLst>
+              <a:path w="12188952" h="4558430">
+                <a:moveTo>
+                  <a:pt x="6789701" y="4490221"/>
+                </a:moveTo>
+                <a:lnTo>
+                  <a:pt x="6788702" y="4490299"/>
+                </a:lnTo>
+                <a:lnTo>
+                  <a:pt x="6788476" y="4490833"/>
+                </a:lnTo>
+                <a:close/>
+                <a:moveTo>
+                  <a:pt x="0" y="0"/>
+                </a:moveTo>
+                <a:lnTo>
+                  <a:pt x="12188952" y="0"/>
+                </a:lnTo>
+                <a:lnTo>
+                  <a:pt x="12188952" y="3596895"/>
+                </a:lnTo>
+                <a:lnTo>
+                  <a:pt x="12061096" y="3635026"/>
+                </a:lnTo>
+                <a:cubicBezTo>
+                  <a:pt x="11933500" y="3671240"/>
+                  <a:pt x="11805390" y="3705769"/>
+                  <a:pt x="11676800" y="3738601"/>
+                </a:cubicBezTo>
+                <a:cubicBezTo>
+                  <a:pt x="11262789" y="3846108"/>
+                  <a:pt x="10845343" y="3939710"/>
+                  <a:pt x="10425355" y="4022140"/>
+                </a:cubicBezTo>
+                <a:cubicBezTo>
+                  <a:pt x="10092810" y="4087351"/>
+                  <a:pt x="9759033" y="4145748"/>
+                  <a:pt x="9424022" y="4197302"/>
+                </a:cubicBezTo>
+                <a:cubicBezTo>
+                  <a:pt x="9102997" y="4246959"/>
+                  <a:pt x="8781133" y="4291526"/>
+                  <a:pt x="8458419" y="4331003"/>
+                </a:cubicBezTo>
+                <a:cubicBezTo>
+                  <a:pt x="8211360" y="4361169"/>
+                  <a:pt x="7963792" y="4386742"/>
+                  <a:pt x="7715970" y="4410950"/>
+                </a:cubicBezTo>
+                <a:lnTo>
+                  <a:pt x="6951716" y="4476730"/>
+                </a:lnTo>
+                <a:lnTo>
+                  <a:pt x="6936303" y="4478801"/>
+                </a:lnTo>
+                <a:lnTo>
+                  <a:pt x="6790448" y="4490162"/>
+                </a:lnTo>
+                <a:lnTo>
+                  <a:pt x="6799941" y="4491982"/>
+                </a:lnTo>
+                <a:cubicBezTo>
+                  <a:pt x="6811623" y="4492448"/>
+                  <a:pt x="6823734" y="4490275"/>
+                  <a:pt x="6835432" y="4490275"/>
+                </a:cubicBezTo>
+                <a:cubicBezTo>
+                  <a:pt x="6851580" y="4490275"/>
+                  <a:pt x="6867729" y="4487668"/>
+                  <a:pt x="6884003" y="4487297"/>
+                </a:cubicBezTo>
+                <a:cubicBezTo>
+                  <a:pt x="7115805" y="4481835"/>
+                  <a:pt x="7347351" y="4469668"/>
+                  <a:pt x="7578771" y="4454770"/>
+                </a:cubicBezTo>
+                <a:cubicBezTo>
+                  <a:pt x="7927552" y="4432302"/>
+                  <a:pt x="8276080" y="4404123"/>
+                  <a:pt x="8623845" y="4367873"/>
+                </a:cubicBezTo>
+                <a:cubicBezTo>
+                  <a:pt x="8909939" y="4338575"/>
+                  <a:pt x="9195310" y="4303940"/>
+                  <a:pt x="9479970" y="4263967"/>
+                </a:cubicBezTo>
+                <a:cubicBezTo>
+                  <a:pt x="9864901" y="4209593"/>
+                  <a:pt x="10248014" y="4144879"/>
+                  <a:pt x="10629308" y="4069810"/>
+                </a:cubicBezTo>
+                <a:cubicBezTo>
+                  <a:pt x="11090114" y="3978690"/>
+                  <a:pt x="11546975" y="3871184"/>
+                  <a:pt x="11998498" y="3743816"/>
+                </a:cubicBezTo>
+                <a:lnTo>
+                  <a:pt x="12188952" y="3687715"/>
+                </a:lnTo>
+                <a:lnTo>
+                  <a:pt x="12188952" y="3742439"/>
+                </a:lnTo>
+                <a:lnTo>
+                  <a:pt x="11829257" y="3846853"/>
+                </a:lnTo>
+                <a:cubicBezTo>
+                  <a:pt x="11534769" y="3926550"/>
+                  <a:pt x="11238120" y="3997436"/>
+                  <a:pt x="10939183" y="4061368"/>
+                </a:cubicBezTo>
+                <a:cubicBezTo>
+                  <a:pt x="10622824" y="4129150"/>
+                  <a:pt x="10304941" y="4189147"/>
+                  <a:pt x="9985530" y="4241373"/>
+                </a:cubicBezTo>
+                <a:cubicBezTo>
+                  <a:pt x="9720036" y="4284822"/>
+                  <a:pt x="9453814" y="4323467"/>
+                  <a:pt x="9186882" y="4357320"/>
+                </a:cubicBezTo>
+                <a:cubicBezTo>
+                  <a:pt x="8984197" y="4382894"/>
+                  <a:pt x="8781514" y="4406977"/>
+                  <a:pt x="8578198" y="4426839"/>
+                </a:cubicBezTo>
+                <a:cubicBezTo>
+                  <a:pt x="8340547" y="4449559"/>
+                  <a:pt x="8102644" y="4471034"/>
+                  <a:pt x="7864358" y="4488290"/>
+                </a:cubicBezTo>
+                <a:cubicBezTo>
+                  <a:pt x="7554994" y="4510634"/>
+                  <a:pt x="7245502" y="4528512"/>
+                  <a:pt x="6935502" y="4539684"/>
+                </a:cubicBezTo>
+                <a:cubicBezTo>
+                  <a:pt x="6782917" y="4545147"/>
+                  <a:pt x="6630334" y="4548995"/>
+                  <a:pt x="6477750" y="4553587"/>
+                </a:cubicBezTo>
+                <a:cubicBezTo>
+                  <a:pt x="6439195" y="4551503"/>
+                  <a:pt x="6400529" y="4553128"/>
+                  <a:pt x="6362294" y="4558430"/>
+                </a:cubicBezTo>
+                <a:lnTo>
+                  <a:pt x="6057129" y="4558430"/>
+                </a:lnTo>
+                <a:lnTo>
+                  <a:pt x="5977784" y="4553836"/>
+                </a:lnTo>
+                <a:cubicBezTo>
+                  <a:pt x="5740261" y="4541423"/>
+                  <a:pt x="5502739" y="4527644"/>
+                  <a:pt x="5265087" y="4517587"/>
+                </a:cubicBezTo>
+                <a:cubicBezTo>
+                  <a:pt x="4958267" y="4505171"/>
+                  <a:pt x="4651826" y="4484691"/>
+                  <a:pt x="4346277" y="4455517"/>
+                </a:cubicBezTo>
+                <a:cubicBezTo>
+                  <a:pt x="4021654" y="4424605"/>
+                  <a:pt x="3697795" y="4389970"/>
+                  <a:pt x="3373045" y="4356948"/>
+                </a:cubicBezTo>
+                <a:cubicBezTo>
+                  <a:pt x="3035412" y="4322686"/>
+                  <a:pt x="2698456" y="4283047"/>
+                  <a:pt x="2362173" y="4238021"/>
+                </a:cubicBezTo>
+                <a:cubicBezTo>
+                  <a:pt x="1984692" y="4187868"/>
+                  <a:pt x="1608364" y="4130142"/>
+                  <a:pt x="1233177" y="4064845"/>
+                </a:cubicBezTo>
+                <a:cubicBezTo>
+                  <a:pt x="842181" y="3996132"/>
+                  <a:pt x="453758" y="3917644"/>
+                  <a:pt x="68500" y="3825138"/>
+                </a:cubicBezTo>
+                <a:lnTo>
+                  <a:pt x="0" y="3807783"/>
+                </a:lnTo>
+                <a:lnTo>
+                  <a:pt x="0" y="3751294"/>
+                </a:lnTo>
+                <a:lnTo>
+                  <a:pt x="72441" y="3770071"/>
+                </a:lnTo>
+                <a:cubicBezTo>
+                  <a:pt x="247961" y="3812249"/>
+                  <a:pt x="424164" y="3851509"/>
+                  <a:pt x="600716" y="3888441"/>
+                </a:cubicBezTo>
+                <a:cubicBezTo>
+                  <a:pt x="988279" y="3969255"/>
+                  <a:pt x="1378133" y="4038153"/>
+                  <a:pt x="1769512" y="4098609"/>
+                </a:cubicBezTo>
+                <a:cubicBezTo>
+                  <a:pt x="2052426" y="4142185"/>
+                  <a:pt x="2335725" y="4182282"/>
+                  <a:pt x="2613554" y="4215551"/>
+                </a:cubicBezTo>
+                <a:cubicBezTo>
+                  <a:pt x="2605544" y="4218158"/>
+                  <a:pt x="2594611" y="4208102"/>
+                  <a:pt x="2581134" y="4205620"/>
+                </a:cubicBezTo>
+                <a:cubicBezTo>
+                  <a:pt x="2087178" y="4113668"/>
+                  <a:pt x="1597684" y="4002775"/>
+                  <a:pt x="1112635" y="3872923"/>
+                </a:cubicBezTo>
+                <a:cubicBezTo>
+                  <a:pt x="880453" y="3810852"/>
+                  <a:pt x="649713" y="3744374"/>
+                  <a:pt x="420412" y="3673490"/>
+                </a:cubicBezTo>
+                <a:lnTo>
+                  <a:pt x="0" y="3534573"/>
+                </a:lnTo>
+                <a:close/>
+              </a:path>
+            </a:pathLst>
+          </a:custGeom>
+        </p:spPr>
+      </p:pic>
+      <p:sp>
         <p:nvSpPr>
-          <p:cNvPr id="13" name="Freeform: Shape 12">
+          <p:cNvPr id="17" name="sketch line">
             <a:extLst>
               <a:ext uri="{FF2B5EF4-FFF2-40B4-BE49-F238E27FC236}">
-                <a16:creationId xmlns:a16="http://schemas.microsoft.com/office/drawing/2014/main" id="{682C1161-1736-45EC-99B7-33F3CAE9D517}"/>
+                <a16:creationId xmlns:a16="http://schemas.microsoft.com/office/drawing/2014/main" id="{3540989C-C7B8-473B-BF87-6F2DA6A90006}"/>
               </a:ext>
               <a:ext uri="{C183D7F6-B498-43B3-948B-1728B52AA6E4}">
                 <adec:decorative xmlns:adec="http://schemas.microsoft.com/office/drawing/2017/decorative" val="1"/>
@@ -5098,27 +5914,27 @@
           </p:nvPr>
         </p:nvSpPr>
         <p:spPr>
-          <a:xfrm>
-            <a:off x="0" y="0"/>
-            <a:ext cx="4959047" cy="6858000"/>
+          <a:xfrm rot="5400000">
+            <a:off x="3661305" y="5468206"/>
+            <a:ext cx="1371600" cy="18288"/>
           </a:xfrm>
           <a:custGeom>
             <a:avLst/>
             <a:gdLst>
-              <a:gd name="connsiteX0" fmla="*/ 0 w 4959047"/>
-              <a:gd name="connsiteY0" fmla="*/ 0 h 6858000"/>
-              <a:gd name="connsiteX1" fmla="*/ 4110127 w 4959047"/>
-              <a:gd name="connsiteY1" fmla="*/ 0 h 6858000"/>
-              <a:gd name="connsiteX2" fmla="*/ 4179024 w 4959047"/>
-              <a:gd name="connsiteY2" fmla="*/ 123368 h 6858000"/>
-              <a:gd name="connsiteX3" fmla="*/ 4959047 w 4959047"/>
-              <a:gd name="connsiteY3" fmla="*/ 3429000 h 6858000"/>
-              <a:gd name="connsiteX4" fmla="*/ 4179024 w 4959047"/>
-              <a:gd name="connsiteY4" fmla="*/ 6734633 h 6858000"/>
-              <a:gd name="connsiteX5" fmla="*/ 4110127 w 4959047"/>
-              <a:gd name="connsiteY5" fmla="*/ 6858000 h 6858000"/>
-              <a:gd name="connsiteX6" fmla="*/ 0 w 4959047"/>
-              <a:gd name="connsiteY6" fmla="*/ 6858000 h 6858000"/>
+              <a:gd name="connsiteX0" fmla="*/ 0 w 1371600"/>
+              <a:gd name="connsiteY0" fmla="*/ 0 h 18288"/>
+              <a:gd name="connsiteX1" fmla="*/ 685800 w 1371600"/>
+              <a:gd name="connsiteY1" fmla="*/ 0 h 18288"/>
+              <a:gd name="connsiteX2" fmla="*/ 1371600 w 1371600"/>
+              <a:gd name="connsiteY2" fmla="*/ 0 h 18288"/>
+              <a:gd name="connsiteX3" fmla="*/ 1371600 w 1371600"/>
+              <a:gd name="connsiteY3" fmla="*/ 18288 h 18288"/>
+              <a:gd name="connsiteX4" fmla="*/ 713232 w 1371600"/>
+              <a:gd name="connsiteY4" fmla="*/ 18288 h 18288"/>
+              <a:gd name="connsiteX5" fmla="*/ 0 w 1371600"/>
+              <a:gd name="connsiteY5" fmla="*/ 18288 h 18288"/>
+              <a:gd name="connsiteX6" fmla="*/ 0 w 1371600"/>
+              <a:gd name="connsiteY6" fmla="*/ 0 h 18288"/>
             </a:gdLst>
             <a:ahLst/>
             <a:cxnLst>
@@ -5146,49 +5962,101 @@
             </a:cxnLst>
             <a:rect l="l" t="t" r="r" b="b"/>
             <a:pathLst>
-              <a:path w="4959047" h="6858000">
+              <a:path w="1371600" h="18288" fill="none" extrusionOk="0">
                 <a:moveTo>
                   <a:pt x="0" y="0"/>
                 </a:moveTo>
-                <a:lnTo>
-                  <a:pt x="4110127" y="0"/>
-                </a:lnTo>
-                <a:lnTo>
-                  <a:pt x="4179024" y="123368"/>
-                </a:lnTo>
                 <a:cubicBezTo>
-                  <a:pt x="4668929" y="1045156"/>
-                  <a:pt x="4959047" y="2189404"/>
-                  <a:pt x="4959047" y="3429000"/>
+                  <a:pt x="247303" y="31625"/>
+                  <a:pt x="422310" y="-25629"/>
+                  <a:pt x="685800" y="0"/>
                 </a:cubicBezTo>
                 <a:cubicBezTo>
-                  <a:pt x="4959047" y="4668597"/>
-                  <a:pt x="4668929" y="5812845"/>
-                  <a:pt x="4179024" y="6734633"/>
+                  <a:pt x="949290" y="25629"/>
+                  <a:pt x="1192357" y="6696"/>
+                  <a:pt x="1371600" y="0"/>
                 </a:cubicBezTo>
-                <a:lnTo>
-                  <a:pt x="4110127" y="6858000"/>
-                </a:lnTo>
-                <a:lnTo>
-                  <a:pt x="0" y="6858000"/>
-                </a:lnTo>
+                <a:cubicBezTo>
+                  <a:pt x="1371355" y="6649"/>
+                  <a:pt x="1371915" y="11310"/>
+                  <a:pt x="1371600" y="18288"/>
+                </a:cubicBezTo>
+                <a:cubicBezTo>
+                  <a:pt x="1107995" y="26464"/>
+                  <a:pt x="1033361" y="32942"/>
+                  <a:pt x="713232" y="18288"/>
+                </a:cubicBezTo>
+                <a:cubicBezTo>
+                  <a:pt x="393103" y="3634"/>
+                  <a:pt x="289343" y="43221"/>
+                  <a:pt x="0" y="18288"/>
+                </a:cubicBezTo>
+                <a:cubicBezTo>
+                  <a:pt x="-459" y="11562"/>
+                  <a:pt x="-31" y="5093"/>
+                  <a:pt x="0" y="0"/>
+                </a:cubicBezTo>
+                <a:close/>
+              </a:path>
+              <a:path w="1371600" h="18288" stroke="0" extrusionOk="0">
+                <a:moveTo>
+                  <a:pt x="0" y="0"/>
+                </a:moveTo>
+                <a:cubicBezTo>
+                  <a:pt x="170249" y="-24099"/>
+                  <a:pt x="504634" y="14338"/>
+                  <a:pt x="644652" y="0"/>
+                </a:cubicBezTo>
+                <a:cubicBezTo>
+                  <a:pt x="784670" y="-14338"/>
+                  <a:pt x="1087773" y="8679"/>
+                  <a:pt x="1371600" y="0"/>
+                </a:cubicBezTo>
+                <a:cubicBezTo>
+                  <a:pt x="1372456" y="3662"/>
+                  <a:pt x="1371030" y="13946"/>
+                  <a:pt x="1371600" y="18288"/>
+                </a:cubicBezTo>
+                <a:cubicBezTo>
+                  <a:pt x="1176823" y="-1409"/>
+                  <a:pt x="900830" y="9989"/>
+                  <a:pt x="713232" y="18288"/>
+                </a:cubicBezTo>
+                <a:cubicBezTo>
+                  <a:pt x="525634" y="26587"/>
+                  <a:pt x="282837" y="5724"/>
+                  <a:pt x="0" y="18288"/>
+                </a:cubicBezTo>
+                <a:cubicBezTo>
+                  <a:pt x="367" y="13143"/>
+                  <a:pt x="-823" y="5844"/>
+                  <a:pt x="0" y="0"/>
+                </a:cubicBezTo>
                 <a:close/>
               </a:path>
             </a:pathLst>
           </a:custGeom>
-          <a:ln w="9525">
+          <a:solidFill>
+            <a:schemeClr val="accent2"/>
+          </a:solidFill>
+          <a:ln w="44450" cap="rnd">
             <a:solidFill>
-              <a:srgbClr val="E6E6E6"/>
+              <a:schemeClr val="accent2"/>
             </a:solidFill>
+            <a:round/>
+            <a:extLst>
+              <a:ext uri="{C807C97D-BFC1-408E-A445-0C87EB9F89A2}">
+                <ask:lineSketchStyleProps xmlns:ask="http://schemas.microsoft.com/office/drawing/2018/sketchyshapes" sd="615697673">
+                  <a:prstGeom prst="rect">
+                    <a:avLst/>
+                  </a:prstGeom>
+                  <ask:type>
+                    <ask:lineSketchFreehand/>
+                  </ask:type>
+                </ask:lineSketchStyleProps>
+              </a:ext>
+            </a:extLst>
           </a:ln>
-          <a:effectLst>
-            <a:outerShdw blurRad="76200" dist="38100" algn="l" rotWithShape="0">
-              <a:schemeClr val="bg1">
-                <a:lumMod val="85000"/>
-                <a:alpha val="50000"/>
-              </a:schemeClr>
-            </a:outerShdw>
-          </a:effectLst>
         </p:spPr>
         <p:style>
           <a:lnRef idx="2">
@@ -5207,51 +6075,321 @@
           </a:fontRef>
         </p:style>
         <p:txBody>
-          <a:bodyPr wrap="square" rtlCol="0" anchor="ctr">
+          <a:bodyPr rtlCol="0" anchor="ctr"/>
+          <a:lstStyle/>
+          <a:p>
+            <a:pPr algn="ctr"/>
+            <a:endParaRPr lang="en-US"/>
+          </a:p>
+        </p:txBody>
+      </p:sp>
+      <p:sp>
+        <p:nvSpPr>
+          <p:cNvPr id="3" name="Rectangle 2"/>
+          <p:cNvSpPr/>
+          <p:nvPr/>
+        </p:nvSpPr>
+        <p:spPr>
+          <a:xfrm>
+            <a:off x="4654294" y="4087626"/>
+            <a:ext cx="6897626" cy="2405637"/>
+          </a:xfrm>
+          <a:prstGeom prst="rect">
+            <a:avLst/>
+          </a:prstGeom>
+        </p:spPr>
+        <p:txBody>
+          <a:bodyPr vert="horz" lIns="91440" tIns="45720" rIns="91440" bIns="45720" rtlCol="0" anchor="ctr">
             <a:noAutofit/>
           </a:bodyPr>
           <a:lstStyle/>
           <a:p>
-            <a:pPr marL="0" marR="0" lvl="0" indent="0" algn="ctr" defTabSz="914400" rtl="0" eaLnBrk="1" fontAlgn="auto" latinLnBrk="0" hangingPunct="1">
+            <a:pPr indent="-228600">
               <a:lnSpc>
-                <a:spcPct val="100000"/>
+                <a:spcPct val="90000"/>
               </a:lnSpc>
-              <a:spcBef>
-                <a:spcPts val="0"/>
-              </a:spcBef>
               <a:spcAft>
-                <a:spcPts val="0"/>
+                <a:spcPts val="600"/>
               </a:spcAft>
-              <a:buClrTx/>
-              <a:buSzTx/>
-              <a:buFontTx/>
-              <a:buNone/>
-              <a:tabLst/>
-              <a:defRPr/>
+              <a:buFont typeface="Arial" panose="020B0604020202020204" pitchFamily="34" charset="0"/>
+              <a:buChar char="•"/>
             </a:pPr>
-            <a:endParaRPr kumimoji="0" lang="en-US" sz="1800" b="0" i="0" u="none" strike="noStrike" kern="1200" cap="none" spc="0" normalizeH="0" baseline="0" noProof="0">
-              <a:ln>
-                <a:noFill/>
-              </a:ln>
-              <a:solidFill>
-                <a:prstClr val="white"/>
-              </a:solidFill>
+            <a:r>
+              <a:rPr lang="en-US" sz="900" dirty="0"/>
+              <a:t>The bar chart shows the total amount in USD by region.</a:t>
+            </a:r>
+            <a:endParaRPr lang="en-US" sz="900">
+              <a:ea typeface="Calibri"/>
+              <a:cs typeface="Calibri"/>
+            </a:endParaRPr>
+          </a:p>
+          <a:p>
+            <a:pPr indent="-228600">
+              <a:lnSpc>
+                <a:spcPct val="90000"/>
+              </a:lnSpc>
+              <a:spcAft>
+                <a:spcPts val="600"/>
+              </a:spcAft>
+              <a:buFont typeface="Arial" panose="020B0604020202020204" pitchFamily="34" charset="0"/>
+              <a:buChar char="•"/>
+            </a:pPr>
+            <a:r>
+              <a:rPr lang="en-US" sz="900" dirty="0"/>
+              <a:t>Key Trends and Patterns:</a:t>
+            </a:r>
+            <a:endParaRPr lang="en-US" sz="900">
+              <a:ea typeface="Calibri"/>
+              <a:cs typeface="Calibri"/>
+            </a:endParaRPr>
+          </a:p>
+          <a:p>
+            <a:pPr indent="-228600">
+              <a:lnSpc>
+                <a:spcPct val="90000"/>
+              </a:lnSpc>
+              <a:spcAft>
+                <a:spcPts val="600"/>
+              </a:spcAft>
+              <a:buFont typeface="Arial" panose="020B0604020202020204" pitchFamily="34" charset="0"/>
+              <a:buChar char="•"/>
+            </a:pPr>
+            <a:r>
+              <a:rPr lang="en-US" sz="900" dirty="0"/>
+              <a:t>Northeast region has the highest total amount in USD, followed by Southeast, West and Midwest.</a:t>
+            </a:r>
+            <a:endParaRPr lang="en-US" sz="900">
+              <a:ea typeface="Calibri"/>
+              <a:cs typeface="Calibri"/>
+            </a:endParaRPr>
+          </a:p>
+          <a:p>
+            <a:pPr indent="-228600">
+              <a:lnSpc>
+                <a:spcPct val="90000"/>
+              </a:lnSpc>
+              <a:spcAft>
+                <a:spcPts val="600"/>
+              </a:spcAft>
+              <a:buFont typeface="Arial" panose="020B0604020202020204" pitchFamily="34" charset="0"/>
+              <a:buChar char="•"/>
+            </a:pPr>
+            <a:r>
+              <a:rPr lang="en-US" sz="900" dirty="0"/>
+              <a:t>The total amount in USD for Northeast is significantly higher than the other regions.</a:t>
+            </a:r>
+            <a:endParaRPr lang="en-US" sz="900">
+              <a:ea typeface="Calibri"/>
+              <a:cs typeface="Calibri"/>
+            </a:endParaRPr>
+          </a:p>
+          <a:p>
+            <a:pPr indent="-228600">
+              <a:lnSpc>
+                <a:spcPct val="90000"/>
+              </a:lnSpc>
+              <a:spcAft>
+                <a:spcPts val="600"/>
+              </a:spcAft>
+              <a:buFont typeface="Arial" panose="020B0604020202020204" pitchFamily="34" charset="0"/>
+              <a:buChar char="•"/>
+            </a:pPr>
+            <a:r>
+              <a:rPr lang="en-US" sz="900" dirty="0"/>
+              <a:t>Performance Differences:</a:t>
+            </a:r>
+            <a:endParaRPr lang="en-US" sz="900">
+              <a:ea typeface="Calibri"/>
+              <a:cs typeface="Calibri"/>
+            </a:endParaRPr>
+          </a:p>
+          <a:p>
+            <a:pPr indent="-228600">
+              <a:lnSpc>
+                <a:spcPct val="90000"/>
+              </a:lnSpc>
+              <a:spcAft>
+                <a:spcPts val="600"/>
+              </a:spcAft>
+              <a:buFont typeface="Arial" panose="020B0604020202020204" pitchFamily="34" charset="0"/>
+              <a:buChar char="•"/>
+            </a:pPr>
+            <a:r>
+              <a:rPr lang="en-US" sz="900" dirty="0"/>
+              <a:t>Northeast region outperforms other regions significantly, while the Midwest region has the lowest total amount in USD.</a:t>
+            </a:r>
+            <a:endParaRPr lang="en-US" sz="900">
+              <a:ea typeface="Calibri"/>
+              <a:cs typeface="Calibri"/>
+            </a:endParaRPr>
+          </a:p>
+          <a:p>
+            <a:pPr indent="-228600">
+              <a:lnSpc>
+                <a:spcPct val="90000"/>
+              </a:lnSpc>
+              <a:spcAft>
+                <a:spcPts val="600"/>
+              </a:spcAft>
+              <a:buFont typeface="Arial" panose="020B0604020202020204" pitchFamily="34" charset="0"/>
+              <a:buChar char="•"/>
+            </a:pPr>
+            <a:r>
+              <a:rPr lang="en-US" sz="900" dirty="0"/>
+              <a:t>Southeast and West regions show similar performance levels, but lower than Northeast.</a:t>
+            </a:r>
+            <a:endParaRPr lang="en-US" sz="900">
+              <a:ea typeface="Calibri"/>
+              <a:cs typeface="Calibri"/>
+            </a:endParaRPr>
+          </a:p>
+          <a:p>
+            <a:pPr indent="-228600">
+              <a:lnSpc>
+                <a:spcPct val="90000"/>
+              </a:lnSpc>
+              <a:spcAft>
+                <a:spcPts val="600"/>
+              </a:spcAft>
+              <a:buFont typeface="Arial" panose="020B0604020202020204" pitchFamily="34" charset="0"/>
+              <a:buChar char="•"/>
+            </a:pPr>
+            <a:r>
+              <a:rPr lang="en-US" sz="900" dirty="0"/>
+              <a:t>Actionable Insights:</a:t>
+            </a:r>
+            <a:endParaRPr lang="en-US" sz="900">
+              <a:ea typeface="Calibri"/>
+              <a:cs typeface="Calibri"/>
+            </a:endParaRPr>
+          </a:p>
+          <a:p>
+            <a:pPr indent="-228600">
+              <a:lnSpc>
+                <a:spcPct val="90000"/>
+              </a:lnSpc>
+              <a:spcAft>
+                <a:spcPts val="600"/>
+              </a:spcAft>
+              <a:buFont typeface="Arial" panose="020B0604020202020204" pitchFamily="34" charset="0"/>
+              <a:buChar char="•"/>
+            </a:pPr>
+            <a:r>
+              <a:rPr lang="en-US" sz="900" dirty="0"/>
+              <a:t>Focus on the Northeast region for growth and expansion, as it shows the highest potential.</a:t>
+            </a:r>
+            <a:endParaRPr lang="en-US" sz="900">
+              <a:ea typeface="Calibri"/>
+              <a:cs typeface="Calibri"/>
+            </a:endParaRPr>
+          </a:p>
+          <a:p>
+            <a:pPr indent="-228600">
+              <a:lnSpc>
+                <a:spcPct val="90000"/>
+              </a:lnSpc>
+              <a:spcAft>
+                <a:spcPts val="600"/>
+              </a:spcAft>
+              <a:buFont typeface="Arial" panose="020B0604020202020204" pitchFamily="34" charset="0"/>
+              <a:buChar char="•"/>
+            </a:pPr>
+            <a:r>
+              <a:rPr lang="en-US" sz="900" dirty="0"/>
+              <a:t>Investigate the reasons for the lower performance in the Midwest region,   and consider strategies to improve its performance.</a:t>
+            </a:r>
+            <a:endParaRPr lang="en-US" sz="900">
+              <a:ea typeface="Calibri"/>
+              <a:cs typeface="Calibri"/>
+            </a:endParaRPr>
+          </a:p>
+          <a:p>
+            <a:pPr indent="-228600">
+              <a:lnSpc>
+                <a:spcPct val="90000"/>
+              </a:lnSpc>
+              <a:spcAft>
+                <a:spcPts val="600"/>
+              </a:spcAft>
+              <a:buFont typeface="Arial" panose="020B0604020202020204" pitchFamily="34" charset="0"/>
+              <a:buChar char="•"/>
+            </a:pPr>
+            <a:r>
+              <a:rPr lang="en-US" sz="900" dirty="0"/>
+              <a:t>Continue to maintain the performance levels in the Southeast and West regions, while exploring opportunities to increase their contribution.</a:t>
+            </a:r>
+            <a:endParaRPr lang="en-US" sz="900">
+              <a:ea typeface="Calibri"/>
+              <a:cs typeface="Calibri"/>
+            </a:endParaRPr>
+          </a:p>
+          <a:p>
+            <a:pPr indent="-228600">
+              <a:lnSpc>
+                <a:spcPct val="90000"/>
+              </a:lnSpc>
+              <a:spcAft>
+                <a:spcPts val="600"/>
+              </a:spcAft>
+              <a:buFont typeface="Arial" panose="020B0604020202020204" pitchFamily="34" charset="0"/>
+              <a:buChar char="•"/>
+            </a:pPr>
+            <a:r>
+              <a:rPr lang="en-US" sz="900" dirty="0"/>
+              <a:t>Overall, the Northeast region is the top performer, while the Midwest region needs improvement.</a:t>
+            </a:r>
+            <a:endParaRPr lang="en-US" sz="900" i="0" dirty="0">
               <a:effectLst/>
-              <a:uLnTx/>
-              <a:uFillTx/>
-              <a:latin typeface="Calibri" panose="020F0502020204030204"/>
-              <a:ea typeface="+mn-ea"/>
-              <a:cs typeface="+mn-cs"/>
+              <a:ea typeface="Calibri"/>
+              <a:cs typeface="Calibri"/>
             </a:endParaRPr>
           </a:p>
         </p:txBody>
       </p:sp>
-      <p:sp useBgFill="1">
+    </p:spTree>
+    <p:extLst>
+      <p:ext uri="{BB962C8B-B14F-4D97-AF65-F5344CB8AC3E}">
+        <p14:creationId xmlns:p14="http://schemas.microsoft.com/office/powerpoint/2010/main" val="1081721524"/>
+      </p:ext>
+    </p:extLst>
+  </p:cSld>
+  <p:clrMapOvr>
+    <a:masterClrMapping/>
+  </p:clrMapOvr>
+</p:sld>
+</file>
+
+<file path=ppt/slides/slide6.xml><?xml version="1.0" encoding="utf-8"?>
+<p:sld xmlns:a="http://schemas.openxmlformats.org/drawingml/2006/main" xmlns:r="http://schemas.openxmlformats.org/officeDocument/2006/relationships" xmlns:p="http://schemas.openxmlformats.org/presentationml/2006/main">
+  <p:cSld>
+    <p:bg>
+      <p:bgPr>
+        <a:solidFill>
+          <a:schemeClr val="bg1"/>
+        </a:solidFill>
+        <a:effectLst/>
+      </p:bgPr>
+    </p:bg>
+    <p:spTree>
+      <p:nvGrpSpPr>
+        <p:cNvPr id="1" name=""/>
+        <p:cNvGrpSpPr/>
+        <p:nvPr/>
+      </p:nvGrpSpPr>
+      <p:grpSpPr>
+        <a:xfrm>
+          <a:off x="0" y="0"/>
+          <a:ext cx="0" cy="0"/>
+          <a:chOff x="0" y="0"/>
+          <a:chExt cx="0" cy="0"/>
+        </a:xfrm>
+      </p:grpSpPr>
+      <p:sp>
         <p:nvSpPr>
-          <p:cNvPr id="15" name="Freeform: Shape 14">
+          <p:cNvPr id="9" name="Rectangle 8">
             <a:extLst>
               <a:ext uri="{FF2B5EF4-FFF2-40B4-BE49-F238E27FC236}">
-                <a16:creationId xmlns:a16="http://schemas.microsoft.com/office/drawing/2014/main" id="{84D4DDB8-B68F-45B0-9F62-C4279996F672}"/>
+                <a16:creationId xmlns:a16="http://schemas.microsoft.com/office/drawing/2014/main" id="{D7A453D2-15D8-4403-815F-291FA16340D9}"/>
               </a:ext>
               <a:ext uri="{C183D7F6-B498-43B3-948B-1728B52AA6E4}">
                 <adec:decorative xmlns:adec="http://schemas.microsoft.com/office/drawing/2017/decorative" val="1"/>
@@ -5271,657 +6409,14 @@
         </p:nvSpPr>
         <p:spPr>
           <a:xfrm>
-            <a:off x="0" y="0"/>
-            <a:ext cx="4948887" cy="6858000"/>
-          </a:xfrm>
-          <a:custGeom>
-            <a:avLst/>
-            <a:gdLst>
-              <a:gd name="connsiteX0" fmla="*/ 0 w 4948887"/>
-              <a:gd name="connsiteY0" fmla="*/ 0 h 6858000"/>
-              <a:gd name="connsiteX1" fmla="*/ 4099967 w 4948887"/>
-              <a:gd name="connsiteY1" fmla="*/ 0 h 6858000"/>
-              <a:gd name="connsiteX2" fmla="*/ 4168864 w 4948887"/>
-              <a:gd name="connsiteY2" fmla="*/ 123368 h 6858000"/>
-              <a:gd name="connsiteX3" fmla="*/ 4948887 w 4948887"/>
-              <a:gd name="connsiteY3" fmla="*/ 3429000 h 6858000"/>
-              <a:gd name="connsiteX4" fmla="*/ 4168864 w 4948887"/>
-              <a:gd name="connsiteY4" fmla="*/ 6734633 h 6858000"/>
-              <a:gd name="connsiteX5" fmla="*/ 4099967 w 4948887"/>
-              <a:gd name="connsiteY5" fmla="*/ 6858000 h 6858000"/>
-              <a:gd name="connsiteX6" fmla="*/ 0 w 4948887"/>
-              <a:gd name="connsiteY6" fmla="*/ 6858000 h 6858000"/>
-            </a:gdLst>
-            <a:ahLst/>
-            <a:cxnLst>
-              <a:cxn ang="0">
-                <a:pos x="connsiteX0" y="connsiteY0"/>
-              </a:cxn>
-              <a:cxn ang="0">
-                <a:pos x="connsiteX1" y="connsiteY1"/>
-              </a:cxn>
-              <a:cxn ang="0">
-                <a:pos x="connsiteX2" y="connsiteY2"/>
-              </a:cxn>
-              <a:cxn ang="0">
-                <a:pos x="connsiteX3" y="connsiteY3"/>
-              </a:cxn>
-              <a:cxn ang="0">
-                <a:pos x="connsiteX4" y="connsiteY4"/>
-              </a:cxn>
-              <a:cxn ang="0">
-                <a:pos x="connsiteX5" y="connsiteY5"/>
-              </a:cxn>
-              <a:cxn ang="0">
-                <a:pos x="connsiteX6" y="connsiteY6"/>
-              </a:cxn>
-            </a:cxnLst>
-            <a:rect l="l" t="t" r="r" b="b"/>
-            <a:pathLst>
-              <a:path w="4948887" h="6858000">
-                <a:moveTo>
-                  <a:pt x="0" y="0"/>
-                </a:moveTo>
-                <a:lnTo>
-                  <a:pt x="4099967" y="0"/>
-                </a:lnTo>
-                <a:lnTo>
-                  <a:pt x="4168864" y="123368"/>
-                </a:lnTo>
-                <a:cubicBezTo>
-                  <a:pt x="4658769" y="1045156"/>
-                  <a:pt x="4948887" y="2189404"/>
-                  <a:pt x="4948887" y="3429000"/>
-                </a:cubicBezTo>
-                <a:cubicBezTo>
-                  <a:pt x="4948887" y="4668597"/>
-                  <a:pt x="4658769" y="5812845"/>
-                  <a:pt x="4168864" y="6734633"/>
-                </a:cubicBezTo>
-                <a:lnTo>
-                  <a:pt x="4099967" y="6858000"/>
-                </a:lnTo>
-                <a:lnTo>
-                  <a:pt x="0" y="6858000"/>
-                </a:lnTo>
-                <a:close/>
-              </a:path>
-            </a:pathLst>
-          </a:custGeom>
-          <a:ln w="9525">
-            <a:noFill/>
-          </a:ln>
-          <a:effectLst/>
-        </p:spPr>
-        <p:style>
-          <a:lnRef idx="2">
-            <a:schemeClr val="accent1">
-              <a:shade val="50000"/>
-            </a:schemeClr>
-          </a:lnRef>
-          <a:fillRef idx="1">
-            <a:schemeClr val="accent1"/>
-          </a:fillRef>
-          <a:effectRef idx="0">
-            <a:schemeClr val="accent1"/>
-          </a:effectRef>
-          <a:fontRef idx="minor">
-            <a:schemeClr val="lt1"/>
-          </a:fontRef>
-        </p:style>
-        <p:txBody>
-          <a:bodyPr wrap="square" rtlCol="0" anchor="ctr">
-            <a:noAutofit/>
-          </a:bodyPr>
-          <a:lstStyle/>
-          <a:p>
-            <a:pPr marL="0" marR="0" lvl="0" indent="0" algn="ctr" defTabSz="914400" rtl="0" eaLnBrk="1" fontAlgn="auto" latinLnBrk="0" hangingPunct="1">
-              <a:lnSpc>
-                <a:spcPct val="100000"/>
-              </a:lnSpc>
-              <a:spcBef>
-                <a:spcPts val="0"/>
-              </a:spcBef>
-              <a:spcAft>
-                <a:spcPts val="0"/>
-              </a:spcAft>
-              <a:buClrTx/>
-              <a:buSzTx/>
-              <a:buFontTx/>
-              <a:buNone/>
-              <a:tabLst/>
-              <a:defRPr/>
-            </a:pPr>
-            <a:endParaRPr kumimoji="0" lang="en-US" sz="1800" b="0" i="0" u="none" strike="noStrike" kern="1200" cap="none" spc="0" normalizeH="0" baseline="0" noProof="0">
-              <a:ln>
-                <a:noFill/>
-              </a:ln>
-              <a:solidFill>
-                <a:prstClr val="white"/>
-              </a:solidFill>
-              <a:effectLst/>
-              <a:uLnTx/>
-              <a:uFillTx/>
-              <a:latin typeface="Calibri" panose="020F0502020204030204"/>
-              <a:ea typeface="+mn-ea"/>
-              <a:cs typeface="+mn-cs"/>
-            </a:endParaRPr>
-          </a:p>
-        </p:txBody>
-      </p:sp>
-      <p:sp>
-        <p:nvSpPr>
-          <p:cNvPr id="6" name="Title 5"/>
-          <p:cNvSpPr>
-            <a:spLocks noGrp="1"/>
-          </p:cNvSpPr>
-          <p:nvPr>
-            <p:ph type="title"/>
-          </p:nvPr>
-        </p:nvSpPr>
-        <p:spPr>
-          <a:xfrm>
-            <a:off x="477981" y="159080"/>
-            <a:ext cx="4023360" cy="5662662"/>
-          </a:xfrm>
-        </p:spPr>
-        <p:txBody>
-          <a:bodyPr vert="horz" lIns="91440" tIns="45720" rIns="91440" bIns="45720" rtlCol="0" anchor="b">
-            <a:normAutofit/>
-          </a:bodyPr>
-          <a:lstStyle/>
-          <a:p>
-            <a:r>
-              <a:rPr lang="en-US" sz="1200" kern="1200">
-                <a:solidFill>
-                  <a:schemeClr val="tx1"/>
-                </a:solidFill>
-                <a:latin typeface="+mj-lt"/>
-                <a:ea typeface="+mj-ea"/>
-                <a:cs typeface="+mj-cs"/>
-              </a:rPr>
-              <a:t>The plot shows the total amount in USD by name.</a:t>
-            </a:r>
-            <a:br>
-              <a:rPr lang="en-US" sz="1200" kern="1200">
-                <a:solidFill>
-                  <a:schemeClr val="tx1"/>
-                </a:solidFill>
-                <a:latin typeface="+mj-lt"/>
-                <a:ea typeface="+mj-ea"/>
-                <a:cs typeface="+mj-cs"/>
-              </a:rPr>
-            </a:br>
-            <a:r>
-              <a:rPr lang="en-US" sz="1200" b="1" kern="1200">
-                <a:solidFill>
-                  <a:schemeClr val="tx1"/>
-                </a:solidFill>
-                <a:latin typeface="+mj-lt"/>
-                <a:ea typeface="+mj-ea"/>
-                <a:cs typeface="+mj-cs"/>
-              </a:rPr>
-              <a:t>Key Trends and Patterns</a:t>
-            </a:r>
-            <a:br>
-              <a:rPr lang="en-US" sz="1200" kern="1200">
-                <a:solidFill>
-                  <a:schemeClr val="tx1"/>
-                </a:solidFill>
-                <a:latin typeface="+mj-lt"/>
-                <a:ea typeface="+mj-ea"/>
-                <a:cs typeface="+mj-cs"/>
-              </a:rPr>
-            </a:br>
-            <a:r>
-              <a:rPr lang="en-US" sz="1200" kern="1200">
-                <a:solidFill>
-                  <a:schemeClr val="tx1"/>
-                </a:solidFill>
-                <a:latin typeface="+mj-lt"/>
-                <a:ea typeface="+mj-ea"/>
-                <a:cs typeface="+mj-cs"/>
-              </a:rPr>
-              <a:t>The total amount is generally low for most names, with a few exceptions.</a:t>
-            </a:r>
-            <a:br>
-              <a:rPr lang="en-US" sz="1200" kern="1200">
-                <a:solidFill>
-                  <a:schemeClr val="tx1"/>
-                </a:solidFill>
-                <a:latin typeface="+mj-lt"/>
-                <a:ea typeface="+mj-ea"/>
-                <a:cs typeface="+mj-cs"/>
-              </a:rPr>
-            </a:br>
-            <a:r>
-              <a:rPr lang="en-US" sz="1200" kern="1200">
-                <a:solidFill>
-                  <a:schemeClr val="tx1"/>
-                </a:solidFill>
-                <a:latin typeface="+mj-lt"/>
-                <a:ea typeface="+mj-ea"/>
-                <a:cs typeface="+mj-cs"/>
-              </a:rPr>
-              <a:t>There are a few names with significantly higher total amounts than others.</a:t>
-            </a:r>
-            <a:br>
-              <a:rPr lang="en-US" sz="1200" kern="1200">
-                <a:solidFill>
-                  <a:schemeClr val="tx1"/>
-                </a:solidFill>
-                <a:latin typeface="+mj-lt"/>
-                <a:ea typeface="+mj-ea"/>
-                <a:cs typeface="+mj-cs"/>
-              </a:rPr>
-            </a:br>
-            <a:r>
-              <a:rPr lang="en-US" sz="1200" b="1" kern="1200">
-                <a:solidFill>
-                  <a:schemeClr val="tx1"/>
-                </a:solidFill>
-                <a:latin typeface="+mj-lt"/>
-                <a:ea typeface="+mj-ea"/>
-                <a:cs typeface="+mj-cs"/>
-              </a:rPr>
-              <a:t>Notable Performance Differences</a:t>
-            </a:r>
-            <a:br>
-              <a:rPr lang="en-US" sz="1200" kern="1200">
-                <a:solidFill>
-                  <a:schemeClr val="tx1"/>
-                </a:solidFill>
-                <a:latin typeface="+mj-lt"/>
-                <a:ea typeface="+mj-ea"/>
-                <a:cs typeface="+mj-cs"/>
-              </a:rPr>
-            </a:br>
-            <a:r>
-              <a:rPr lang="en-US" sz="1200" b="1" kern="1200">
-                <a:solidFill>
-                  <a:schemeClr val="tx1"/>
-                </a:solidFill>
-                <a:latin typeface="+mj-lt"/>
-                <a:ea typeface="+mj-ea"/>
-                <a:cs typeface="+mj-cs"/>
-              </a:rPr>
-              <a:t>Health Net</a:t>
-            </a:r>
-            <a:r>
-              <a:rPr lang="en-US" sz="1200" kern="1200">
-                <a:solidFill>
-                  <a:schemeClr val="tx1"/>
-                </a:solidFill>
-                <a:latin typeface="+mj-lt"/>
-                <a:ea typeface="+mj-ea"/>
-                <a:cs typeface="+mj-cs"/>
-              </a:rPr>
-              <a:t> has the highest total amount by a large margin.</a:t>
-            </a:r>
-            <a:br>
-              <a:rPr lang="en-US" sz="1200" kern="1200">
-                <a:solidFill>
-                  <a:schemeClr val="tx1"/>
-                </a:solidFill>
-                <a:latin typeface="+mj-lt"/>
-                <a:ea typeface="+mj-ea"/>
-                <a:cs typeface="+mj-cs"/>
-              </a:rPr>
-            </a:br>
-            <a:r>
-              <a:rPr lang="en-US" sz="1200" kern="1200">
-                <a:solidFill>
-                  <a:schemeClr val="tx1"/>
-                </a:solidFill>
-                <a:latin typeface="+mj-lt"/>
-                <a:ea typeface="+mj-ea"/>
-                <a:cs typeface="+mj-cs"/>
-              </a:rPr>
-              <a:t>Other names with notably high total amounts include </a:t>
-            </a:r>
-            <a:r>
-              <a:rPr lang="en-US" sz="1200" b="1" kern="1200">
-                <a:solidFill>
-                  <a:schemeClr val="tx1"/>
-                </a:solidFill>
-                <a:latin typeface="+mj-lt"/>
-                <a:ea typeface="+mj-ea"/>
-                <a:cs typeface="+mj-cs"/>
-              </a:rPr>
-              <a:t>PBF Energy</a:t>
-            </a:r>
-            <a:r>
-              <a:rPr lang="en-US" sz="1200" kern="1200">
-                <a:solidFill>
-                  <a:schemeClr val="tx1"/>
-                </a:solidFill>
-                <a:latin typeface="+mj-lt"/>
-                <a:ea typeface="+mj-ea"/>
-                <a:cs typeface="+mj-cs"/>
-              </a:rPr>
-              <a:t> and </a:t>
-            </a:r>
-            <a:r>
-              <a:rPr lang="en-US" sz="1200" b="1" kern="1200">
-                <a:solidFill>
-                  <a:schemeClr val="tx1"/>
-                </a:solidFill>
-                <a:latin typeface="+mj-lt"/>
-                <a:ea typeface="+mj-ea"/>
-                <a:cs typeface="+mj-cs"/>
-              </a:rPr>
-              <a:t>NextEra Energy</a:t>
-            </a:r>
-            <a:r>
-              <a:rPr lang="en-US" sz="1200" kern="1200">
-                <a:solidFill>
-                  <a:schemeClr val="tx1"/>
-                </a:solidFill>
-                <a:latin typeface="+mj-lt"/>
-                <a:ea typeface="+mj-ea"/>
-                <a:cs typeface="+mj-cs"/>
-              </a:rPr>
-              <a:t>.</a:t>
-            </a:r>
-            <a:br>
-              <a:rPr lang="en-US" sz="1200" kern="1200">
-                <a:solidFill>
-                  <a:schemeClr val="tx1"/>
-                </a:solidFill>
-                <a:latin typeface="+mj-lt"/>
-                <a:ea typeface="+mj-ea"/>
-                <a:cs typeface="+mj-cs"/>
-              </a:rPr>
-            </a:br>
-            <a:r>
-              <a:rPr lang="en-US" sz="1200" kern="1200">
-                <a:solidFill>
-                  <a:schemeClr val="tx1"/>
-                </a:solidFill>
-                <a:latin typeface="+mj-lt"/>
-                <a:ea typeface="+mj-ea"/>
-                <a:cs typeface="+mj-cs"/>
-              </a:rPr>
-              <a:t>Most other names have total amounts below 10k USD.</a:t>
-            </a:r>
-            <a:br>
-              <a:rPr lang="en-US" sz="1200" kern="1200">
-                <a:solidFill>
-                  <a:schemeClr val="tx1"/>
-                </a:solidFill>
-                <a:latin typeface="+mj-lt"/>
-                <a:ea typeface="+mj-ea"/>
-                <a:cs typeface="+mj-cs"/>
-              </a:rPr>
-            </a:br>
-            <a:r>
-              <a:rPr lang="en-US" sz="1200" b="1" kern="1200">
-                <a:solidFill>
-                  <a:schemeClr val="tx1"/>
-                </a:solidFill>
-                <a:latin typeface="+mj-lt"/>
-                <a:ea typeface="+mj-ea"/>
-                <a:cs typeface="+mj-cs"/>
-              </a:rPr>
-              <a:t>Actionable Insights</a:t>
-            </a:r>
-            <a:br>
-              <a:rPr lang="en-US" sz="1200" kern="1200">
-                <a:solidFill>
-                  <a:schemeClr val="tx1"/>
-                </a:solidFill>
-                <a:latin typeface="+mj-lt"/>
-                <a:ea typeface="+mj-ea"/>
-                <a:cs typeface="+mj-cs"/>
-              </a:rPr>
-            </a:br>
-            <a:r>
-              <a:rPr lang="en-US" sz="1200" kern="1200">
-                <a:solidFill>
-                  <a:schemeClr val="tx1"/>
-                </a:solidFill>
-                <a:latin typeface="+mj-lt"/>
-                <a:ea typeface="+mj-ea"/>
-                <a:cs typeface="+mj-cs"/>
-              </a:rPr>
-              <a:t>Focus on understanding why </a:t>
-            </a:r>
-            <a:r>
-              <a:rPr lang="en-US" sz="1200" b="1" kern="1200">
-                <a:solidFill>
-                  <a:schemeClr val="tx1"/>
-                </a:solidFill>
-                <a:latin typeface="+mj-lt"/>
-                <a:ea typeface="+mj-ea"/>
-                <a:cs typeface="+mj-cs"/>
-              </a:rPr>
-              <a:t>Health Net</a:t>
-            </a:r>
-            <a:r>
-              <a:rPr lang="en-US" sz="1200" kern="1200">
-                <a:solidFill>
-                  <a:schemeClr val="tx1"/>
-                </a:solidFill>
-                <a:latin typeface="+mj-lt"/>
-                <a:ea typeface="+mj-ea"/>
-                <a:cs typeface="+mj-cs"/>
-              </a:rPr>
-              <a:t> has such a high total amount. Is this due to a specific product or service, a strong customer base, or other factors?</a:t>
-            </a:r>
-            <a:br>
-              <a:rPr lang="en-US" sz="1200" kern="1200">
-                <a:solidFill>
-                  <a:schemeClr val="tx1"/>
-                </a:solidFill>
-                <a:latin typeface="+mj-lt"/>
-                <a:ea typeface="+mj-ea"/>
-                <a:cs typeface="+mj-cs"/>
-              </a:rPr>
-            </a:br>
-            <a:r>
-              <a:rPr lang="en-US" sz="1200" kern="1200">
-                <a:solidFill>
-                  <a:schemeClr val="tx1"/>
-                </a:solidFill>
-                <a:latin typeface="+mj-lt"/>
-                <a:ea typeface="+mj-ea"/>
-                <a:cs typeface="+mj-cs"/>
-              </a:rPr>
-              <a:t>Investigate the performance of </a:t>
-            </a:r>
-            <a:r>
-              <a:rPr lang="en-US" sz="1200" b="1" kern="1200">
-                <a:solidFill>
-                  <a:schemeClr val="tx1"/>
-                </a:solidFill>
-                <a:latin typeface="+mj-lt"/>
-                <a:ea typeface="+mj-ea"/>
-                <a:cs typeface="+mj-cs"/>
-              </a:rPr>
-              <a:t>PBF Energy</a:t>
-            </a:r>
-            <a:r>
-              <a:rPr lang="en-US" sz="1200" kern="1200">
-                <a:solidFill>
-                  <a:schemeClr val="tx1"/>
-                </a:solidFill>
-                <a:latin typeface="+mj-lt"/>
-                <a:ea typeface="+mj-ea"/>
-                <a:cs typeface="+mj-cs"/>
-              </a:rPr>
-              <a:t> and </a:t>
-            </a:r>
-            <a:r>
-              <a:rPr lang="en-US" sz="1200" b="1" kern="1200">
-                <a:solidFill>
-                  <a:schemeClr val="tx1"/>
-                </a:solidFill>
-                <a:latin typeface="+mj-lt"/>
-                <a:ea typeface="+mj-ea"/>
-                <a:cs typeface="+mj-cs"/>
-              </a:rPr>
-              <a:t>NextEra Energy</a:t>
-            </a:r>
-            <a:r>
-              <a:rPr lang="en-US" sz="1200" kern="1200">
-                <a:solidFill>
-                  <a:schemeClr val="tx1"/>
-                </a:solidFill>
-                <a:latin typeface="+mj-lt"/>
-                <a:ea typeface="+mj-ea"/>
-                <a:cs typeface="+mj-cs"/>
-              </a:rPr>
-              <a:t> to see if there are opportunities to replicate their success with other names.</a:t>
-            </a:r>
-            <a:br>
-              <a:rPr lang="en-US" sz="1200" kern="1200">
-                <a:solidFill>
-                  <a:schemeClr val="tx1"/>
-                </a:solidFill>
-                <a:latin typeface="+mj-lt"/>
-                <a:ea typeface="+mj-ea"/>
-                <a:cs typeface="+mj-cs"/>
-              </a:rPr>
-            </a:br>
-            <a:r>
-              <a:rPr lang="en-US" sz="1200" kern="1200">
-                <a:solidFill>
-                  <a:schemeClr val="tx1"/>
-                </a:solidFill>
-                <a:latin typeface="+mj-lt"/>
-                <a:ea typeface="+mj-ea"/>
-                <a:cs typeface="+mj-cs"/>
-              </a:rPr>
-              <a:t>Consider whether the low performance of most names is due to a lack of focus, limited resources, or other factors. Identify areas where resources could be reallocated to improve performance.</a:t>
-            </a:r>
-            <a:br>
-              <a:rPr lang="en-US" sz="1200" kern="1200">
-                <a:solidFill>
-                  <a:schemeClr val="tx1"/>
-                </a:solidFill>
-                <a:latin typeface="+mj-lt"/>
-                <a:ea typeface="+mj-ea"/>
-                <a:cs typeface="+mj-cs"/>
-              </a:rPr>
-            </a:br>
-            <a:r>
-              <a:rPr lang="en-US" sz="1200" b="1" kern="1200">
-                <a:solidFill>
-                  <a:schemeClr val="tx1"/>
-                </a:solidFill>
-                <a:latin typeface="+mj-lt"/>
-                <a:ea typeface="+mj-ea"/>
-                <a:cs typeface="+mj-cs"/>
-              </a:rPr>
-              <a:t>Overall, the data suggests that there are significant differences in performance between the names.</a:t>
-            </a:r>
-            <a:r>
-              <a:rPr lang="en-US" sz="1200" kern="1200">
-                <a:solidFill>
-                  <a:schemeClr val="tx1"/>
-                </a:solidFill>
-                <a:latin typeface="+mj-lt"/>
-                <a:ea typeface="+mj-ea"/>
-                <a:cs typeface="+mj-cs"/>
-              </a:rPr>
-              <a:t> By understanding the reasons behind these differences, you can develop strategies to improve the performance of all names.</a:t>
-            </a:r>
-            <a:br>
-              <a:rPr lang="en-US" sz="1200" kern="1200">
-                <a:solidFill>
-                  <a:schemeClr val="tx1"/>
-                </a:solidFill>
-                <a:latin typeface="+mj-lt"/>
-                <a:ea typeface="+mj-ea"/>
-                <a:cs typeface="+mj-cs"/>
-              </a:rPr>
-            </a:br>
-            <a:r>
-              <a:rPr lang="en-US" sz="1200" b="1" kern="1200">
-                <a:solidFill>
-                  <a:schemeClr val="tx1"/>
-                </a:solidFill>
-                <a:latin typeface="+mj-lt"/>
-                <a:ea typeface="+mj-ea"/>
-                <a:cs typeface="+mj-cs"/>
-              </a:rPr>
-              <a:t>Image:</a:t>
-            </a:r>
-            <a:br>
-              <a:rPr lang="en-US" sz="1200" kern="1200">
-                <a:solidFill>
-                  <a:schemeClr val="tx1"/>
-                </a:solidFill>
-                <a:latin typeface="+mj-lt"/>
-                <a:ea typeface="+mj-ea"/>
-                <a:cs typeface="+mj-cs"/>
-              </a:rPr>
-            </a:br>
-            <a:r>
-              <a:rPr lang="en-US" sz="1200" kern="1200">
-                <a:solidFill>
-                  <a:schemeClr val="tx1"/>
-                </a:solidFill>
-                <a:latin typeface="+mj-lt"/>
-                <a:ea typeface="+mj-ea"/>
-                <a:cs typeface="+mj-cs"/>
-              </a:rPr>
-              <a:t>The image shows the plot of total amount in USD by name. It highlights the performance differences between names and identifies the names with the highest total amounts.</a:t>
-            </a:r>
-            <a:br>
-              <a:rPr lang="en-US" sz="1200" kern="1200">
-                <a:solidFill>
-                  <a:schemeClr val="tx1"/>
-                </a:solidFill>
-                <a:latin typeface="+mj-lt"/>
-                <a:ea typeface="+mj-ea"/>
-                <a:cs typeface="+mj-cs"/>
-              </a:rPr>
-            </a:br>
-            <a:endParaRPr lang="en-US" sz="1200" kern="1200">
-              <a:solidFill>
-                <a:schemeClr val="tx1"/>
-              </a:solidFill>
-              <a:latin typeface="+mj-lt"/>
-              <a:ea typeface="+mj-ea"/>
-              <a:cs typeface="+mj-cs"/>
-            </a:endParaRPr>
-          </a:p>
-        </p:txBody>
-      </p:sp>
-      <p:sp>
-        <p:nvSpPr>
-          <p:cNvPr id="17" name="Rectangle 16">
-            <a:extLst>
-              <a:ext uri="{FF2B5EF4-FFF2-40B4-BE49-F238E27FC236}">
-                <a16:creationId xmlns:a16="http://schemas.microsoft.com/office/drawing/2014/main" id="{AF2F604E-43BE-4DC3-B983-E071523364F8}"/>
-              </a:ext>
-              <a:ext uri="{C183D7F6-B498-43B3-948B-1728B52AA6E4}">
-                <adec:decorative xmlns:adec="http://schemas.microsoft.com/office/drawing/2017/decorative" val="1"/>
-              </a:ext>
-            </a:extLst>
-          </p:cNvPr>
-          <p:cNvSpPr>
-            <a:spLocks noGrp="1" noRot="1" noChangeAspect="1" noMove="1" noResize="1" noEditPoints="1" noAdjustHandles="1" noChangeArrowheads="1" noChangeShapeType="1" noTextEdit="1"/>
-          </p:cNvSpPr>
-          <p:nvPr>
-            <p:extLst>
-              <p:ext uri="{386F3935-93C4-4BCD-93E2-E3B085C9AB24}">
-                <p16:designElem xmlns:p16="http://schemas.microsoft.com/office/powerpoint/2015/main" val="1"/>
-              </p:ext>
-            </p:extLst>
-          </p:nvPr>
-        </p:nvSpPr>
-        <p:spPr>
-          <a:xfrm rot="5400000">
-            <a:off x="759921" y="346791"/>
-            <a:ext cx="146304" cy="704088"/>
+            <a:off x="3048" y="0"/>
+            <a:ext cx="12188952" cy="6858000"/>
           </a:xfrm>
           <a:prstGeom prst="rect">
             <a:avLst/>
           </a:prstGeom>
           <a:solidFill>
-            <a:schemeClr val="accent2"/>
+            <a:schemeClr val="tx2"/>
           </a:solidFill>
           <a:ln>
             <a:noFill/>
@@ -5948,21 +6443,16 @@
           <a:lstStyle/>
           <a:p>
             <a:pPr algn="ctr"/>
-            <a:endParaRPr lang="en-US">
-              <a:solidFill>
-                <a:prstClr val="white"/>
-              </a:solidFill>
-              <a:latin typeface="Calibri" panose="020F0502020204030204"/>
-            </a:endParaRPr>
+            <a:endParaRPr lang="en-US"/>
           </a:p>
         </p:txBody>
       </p:sp>
       <p:sp>
         <p:nvSpPr>
-          <p:cNvPr id="19" name="Rectangle 18">
+          <p:cNvPr id="11" name="Rectangle 10">
             <a:extLst>
               <a:ext uri="{FF2B5EF4-FFF2-40B4-BE49-F238E27FC236}">
-                <a16:creationId xmlns:a16="http://schemas.microsoft.com/office/drawing/2014/main" id="{08C9B587-E65E-4B52-B37C-ABEBB6E87928}"/>
+                <a16:creationId xmlns:a16="http://schemas.microsoft.com/office/drawing/2014/main" id="{8161EA6B-09CA-445B-AB0D-8DF76FA92DEF}"/>
               </a:ext>
               <a:ext uri="{C183D7F6-B498-43B3-948B-1728B52AA6E4}">
                 <adec:decorative xmlns:adec="http://schemas.microsoft.com/office/drawing/2017/decorative" val="1"/>
@@ -5982,19 +6472,20 @@
         </p:nvSpPr>
         <p:spPr>
           <a:xfrm>
-            <a:off x="481029" y="4546920"/>
-            <a:ext cx="4023360" cy="18288"/>
+            <a:off x="0" y="0"/>
+            <a:ext cx="12188952" cy="6858000"/>
           </a:xfrm>
           <a:prstGeom prst="rect">
             <a:avLst/>
           </a:prstGeom>
           <a:solidFill>
-            <a:srgbClr val="D5D5D5"/>
+            <a:schemeClr val="tx1">
+              <a:alpha val="53000"/>
+            </a:schemeClr>
           </a:solidFill>
-          <a:ln w="3175">
+          <a:ln>
             <a:noFill/>
           </a:ln>
-          <a:effectLst/>
         </p:spPr>
         <p:style>
           <a:lnRef idx="2">
@@ -6016,43 +6507,890 @@
           <a:bodyPr rtlCol="0" anchor="ctr"/>
           <a:lstStyle/>
           <a:p>
-            <a:pPr marL="0" marR="0" lvl="0" indent="0" algn="ctr" defTabSz="914400" rtl="0" eaLnBrk="1" fontAlgn="auto" latinLnBrk="0" hangingPunct="1">
-              <a:lnSpc>
-                <a:spcPct val="100000"/>
-              </a:lnSpc>
-              <a:spcBef>
-                <a:spcPts val="0"/>
-              </a:spcBef>
-              <a:spcAft>
-                <a:spcPts val="0"/>
-              </a:spcAft>
-              <a:buClrTx/>
-              <a:buSzTx/>
-              <a:buFontTx/>
-              <a:buNone/>
-              <a:tabLst/>
-              <a:defRPr/>
-            </a:pPr>
-            <a:endParaRPr kumimoji="0" lang="en-US" sz="1800" b="0" i="0" u="none" strike="noStrike" kern="1200" cap="none" spc="0" normalizeH="0" baseline="0" noProof="0">
-              <a:ln>
-                <a:noFill/>
-              </a:ln>
-              <a:solidFill>
-                <a:prstClr val="white"/>
-              </a:solidFill>
-              <a:effectLst/>
-              <a:uLnTx/>
-              <a:uFillTx/>
-              <a:latin typeface="Calibri" panose="020F0502020204030204"/>
-              <a:ea typeface="+mn-ea"/>
-              <a:cs typeface="+mn-cs"/>
-            </a:endParaRPr>
+            <a:pPr algn="ctr"/>
+            <a:endParaRPr lang="en-US"/>
           </a:p>
         </p:txBody>
       </p:sp>
+      <p:grpSp>
+        <p:nvGrpSpPr>
+          <p:cNvPr id="13" name="Group 12">
+            <a:extLst>
+              <a:ext uri="{FF2B5EF4-FFF2-40B4-BE49-F238E27FC236}">
+                <a16:creationId xmlns:a16="http://schemas.microsoft.com/office/drawing/2014/main" id="{1EA1DAFF-CECA-492F-BFA1-22C64956B8D9}"/>
+              </a:ext>
+              <a:ext uri="{C183D7F6-B498-43B3-948B-1728B52AA6E4}">
+                <adec:decorative xmlns:adec="http://schemas.microsoft.com/office/drawing/2017/decorative" val="1"/>
+              </a:ext>
+            </a:extLst>
+          </p:cNvPr>
+          <p:cNvGrpSpPr>
+            <a:grpSpLocks noGrp="1" noUngrp="1" noRot="1" noChangeAspect="1" noMove="1" noResize="1"/>
+          </p:cNvGrpSpPr>
+          <p:nvPr>
+            <p:extLst>
+              <p:ext uri="{386F3935-93C4-4BCD-93E2-E3B085C9AB24}">
+                <p16:designElem xmlns:p16="http://schemas.microsoft.com/office/powerpoint/2015/main" val="1"/>
+              </p:ext>
+            </p:extLst>
+          </p:nvPr>
+        </p:nvGrpSpPr>
+        <p:grpSpPr>
+          <a:xfrm>
+            <a:off x="1" y="2075420"/>
+            <a:ext cx="12048729" cy="4093306"/>
+            <a:chOff x="1" y="2075420"/>
+            <a:chExt cx="12048729" cy="4093306"/>
+          </a:xfrm>
+        </p:grpSpPr>
+        <p:sp>
+          <p:nvSpPr>
+            <p:cNvPr id="14" name="Oval 13">
+              <a:extLst>
+                <a:ext uri="{FF2B5EF4-FFF2-40B4-BE49-F238E27FC236}">
+                  <a16:creationId xmlns:a16="http://schemas.microsoft.com/office/drawing/2014/main" id="{5D3D3744-142C-4653-90AB-546FE6B849E3}"/>
+                </a:ext>
+                <a:ext uri="{C183D7F6-B498-43B3-948B-1728B52AA6E4}">
+                  <adec:decorative xmlns:adec="http://schemas.microsoft.com/office/drawing/2017/decorative" val="1"/>
+                </a:ext>
+              </a:extLst>
+            </p:cNvPr>
+            <p:cNvSpPr/>
+            <p:nvPr>
+              <p:extLst>
+                <p:ext uri="{386F3935-93C4-4BCD-93E2-E3B085C9AB24}">
+                  <p16:designElem xmlns:p16="http://schemas.microsoft.com/office/powerpoint/2015/main" val="1"/>
+                </p:ext>
+              </p:extLst>
+            </p:nvPr>
+          </p:nvSpPr>
+          <p:spPr>
+            <a:xfrm rot="4500000">
+              <a:off x="7942191" y="2507571"/>
+              <a:ext cx="3563871" cy="3563871"/>
+            </a:xfrm>
+            <a:prstGeom prst="ellipse">
+              <a:avLst/>
+            </a:prstGeom>
+            <a:noFill/>
+            <a:ln w="31750">
+              <a:gradFill>
+                <a:gsLst>
+                  <a:gs pos="0">
+                    <a:schemeClr val="tx2">
+                      <a:lumMod val="60000"/>
+                      <a:lumOff val="40000"/>
+                      <a:alpha val="10000"/>
+                    </a:schemeClr>
+                  </a:gs>
+                  <a:gs pos="100000">
+                    <a:schemeClr val="tx2">
+                      <a:lumMod val="50000"/>
+                      <a:alpha val="20000"/>
+                    </a:schemeClr>
+                  </a:gs>
+                </a:gsLst>
+                <a:lin ang="5400000" scaled="1"/>
+              </a:gradFill>
+              <a:prstDash val="sysDot"/>
+            </a:ln>
+          </p:spPr>
+          <p:style>
+            <a:lnRef idx="2">
+              <a:schemeClr val="accent1">
+                <a:shade val="50000"/>
+              </a:schemeClr>
+            </a:lnRef>
+            <a:fillRef idx="1">
+              <a:schemeClr val="accent1"/>
+            </a:fillRef>
+            <a:effectRef idx="0">
+              <a:schemeClr val="accent1"/>
+            </a:effectRef>
+            <a:fontRef idx="minor">
+              <a:schemeClr val="lt1"/>
+            </a:fontRef>
+          </p:style>
+          <p:txBody>
+            <a:bodyPr rtlCol="0" anchor="ctr"/>
+            <a:lstStyle/>
+            <a:p>
+              <a:pPr algn="ctr"/>
+              <a:endParaRPr lang="en-US"/>
+            </a:p>
+          </p:txBody>
+        </p:sp>
+        <p:sp>
+          <p:nvSpPr>
+            <p:cNvPr id="15" name="Oval 14">
+              <a:extLst>
+                <a:ext uri="{FF2B5EF4-FFF2-40B4-BE49-F238E27FC236}">
+                  <a16:creationId xmlns:a16="http://schemas.microsoft.com/office/drawing/2014/main" id="{0BC69CAC-820B-41BA-BFCA-79B455768377}"/>
+                </a:ext>
+                <a:ext uri="{C183D7F6-B498-43B3-948B-1728B52AA6E4}">
+                  <adec:decorative xmlns:adec="http://schemas.microsoft.com/office/drawing/2017/decorative" val="1"/>
+                </a:ext>
+              </a:extLst>
+            </p:cNvPr>
+            <p:cNvSpPr/>
+            <p:nvPr>
+              <p:extLst>
+                <p:ext uri="{386F3935-93C4-4BCD-93E2-E3B085C9AB24}">
+                  <p16:designElem xmlns:p16="http://schemas.microsoft.com/office/powerpoint/2015/main" val="1"/>
+                </p:ext>
+              </p:extLst>
+            </p:nvPr>
+          </p:nvSpPr>
+          <p:spPr>
+            <a:xfrm rot="16200000">
+              <a:off x="10435065" y="4048931"/>
+              <a:ext cx="1381607" cy="1381607"/>
+            </a:xfrm>
+            <a:prstGeom prst="ellipse">
+              <a:avLst/>
+            </a:prstGeom>
+            <a:noFill/>
+            <a:ln w="31750">
+              <a:gradFill>
+                <a:gsLst>
+                  <a:gs pos="0">
+                    <a:schemeClr val="tx2">
+                      <a:lumMod val="60000"/>
+                      <a:lumOff val="40000"/>
+                      <a:alpha val="20000"/>
+                    </a:schemeClr>
+                  </a:gs>
+                  <a:gs pos="100000">
+                    <a:schemeClr val="tx2">
+                      <a:lumMod val="50000"/>
+                      <a:alpha val="20000"/>
+                    </a:schemeClr>
+                  </a:gs>
+                </a:gsLst>
+                <a:lin ang="5400000" scaled="1"/>
+              </a:gradFill>
+              <a:prstDash val="sysDot"/>
+            </a:ln>
+          </p:spPr>
+          <p:style>
+            <a:lnRef idx="2">
+              <a:schemeClr val="accent1">
+                <a:shade val="50000"/>
+              </a:schemeClr>
+            </a:lnRef>
+            <a:fillRef idx="1">
+              <a:schemeClr val="accent1"/>
+            </a:fillRef>
+            <a:effectRef idx="0">
+              <a:schemeClr val="accent1"/>
+            </a:effectRef>
+            <a:fontRef idx="minor">
+              <a:schemeClr val="lt1"/>
+            </a:fontRef>
+          </p:style>
+          <p:txBody>
+            <a:bodyPr rtlCol="0" anchor="ctr"/>
+            <a:lstStyle/>
+            <a:p>
+              <a:pPr algn="ctr"/>
+              <a:endParaRPr lang="en-US"/>
+            </a:p>
+          </p:txBody>
+        </p:sp>
+        <p:sp>
+          <p:nvSpPr>
+            <p:cNvPr id="16" name="Oval 15">
+              <a:extLst>
+                <a:ext uri="{FF2B5EF4-FFF2-40B4-BE49-F238E27FC236}">
+                  <a16:creationId xmlns:a16="http://schemas.microsoft.com/office/drawing/2014/main" id="{3D205E7A-88AB-4C4B-B8D1-5A76AA878BF6}"/>
+                </a:ext>
+                <a:ext uri="{C183D7F6-B498-43B3-948B-1728B52AA6E4}">
+                  <adec:decorative xmlns:adec="http://schemas.microsoft.com/office/drawing/2017/decorative" val="1"/>
+                </a:ext>
+              </a:extLst>
+            </p:cNvPr>
+            <p:cNvSpPr/>
+            <p:nvPr>
+              <p:extLst>
+                <p:ext uri="{386F3935-93C4-4BCD-93E2-E3B085C9AB24}">
+                  <p16:designElem xmlns:p16="http://schemas.microsoft.com/office/powerpoint/2015/main" val="1"/>
+                </p:ext>
+              </p:extLst>
+            </p:nvPr>
+          </p:nvSpPr>
+          <p:spPr>
+            <a:xfrm rot="16200000">
+              <a:off x="1" y="2075420"/>
+              <a:ext cx="3144364" cy="3144364"/>
+            </a:xfrm>
+            <a:prstGeom prst="ellipse">
+              <a:avLst/>
+            </a:prstGeom>
+            <a:gradFill>
+              <a:gsLst>
+                <a:gs pos="0">
+                  <a:schemeClr val="tx2">
+                    <a:lumMod val="75000"/>
+                    <a:alpha val="20000"/>
+                  </a:schemeClr>
+                </a:gs>
+                <a:gs pos="100000">
+                  <a:schemeClr val="tx2">
+                    <a:lumMod val="50000"/>
+                    <a:alpha val="10000"/>
+                  </a:schemeClr>
+                </a:gs>
+              </a:gsLst>
+              <a:lin ang="5400000" scaled="1"/>
+            </a:gradFill>
+            <a:ln>
+              <a:noFill/>
+            </a:ln>
+          </p:spPr>
+          <p:style>
+            <a:lnRef idx="2">
+              <a:schemeClr val="accent1">
+                <a:shade val="50000"/>
+              </a:schemeClr>
+            </a:lnRef>
+            <a:fillRef idx="1">
+              <a:schemeClr val="accent1"/>
+            </a:fillRef>
+            <a:effectRef idx="0">
+              <a:schemeClr val="accent1"/>
+            </a:effectRef>
+            <a:fontRef idx="minor">
+              <a:schemeClr val="lt1"/>
+            </a:fontRef>
+          </p:style>
+          <p:txBody>
+            <a:bodyPr rtlCol="0" anchor="ctr"/>
+            <a:lstStyle/>
+            <a:p>
+              <a:pPr algn="ctr"/>
+              <a:endParaRPr lang="en-US"/>
+            </a:p>
+          </p:txBody>
+        </p:sp>
+        <p:sp>
+          <p:nvSpPr>
+            <p:cNvPr id="17" name="Oval 16">
+              <a:extLst>
+                <a:ext uri="{FF2B5EF4-FFF2-40B4-BE49-F238E27FC236}">
+                  <a16:creationId xmlns:a16="http://schemas.microsoft.com/office/drawing/2014/main" id="{0D4286E9-8501-4EBF-874C-74897B4B6F01}"/>
+                </a:ext>
+                <a:ext uri="{C183D7F6-B498-43B3-948B-1728B52AA6E4}">
+                  <adec:decorative xmlns:adec="http://schemas.microsoft.com/office/drawing/2017/decorative" val="1"/>
+                </a:ext>
+              </a:extLst>
+            </p:cNvPr>
+            <p:cNvSpPr/>
+            <p:nvPr>
+              <p:extLst>
+                <p:ext uri="{386F3935-93C4-4BCD-93E2-E3B085C9AB24}">
+                  <p16:designElem xmlns:p16="http://schemas.microsoft.com/office/powerpoint/2015/main" val="1"/>
+                </p:ext>
+              </p:extLst>
+            </p:nvPr>
+          </p:nvSpPr>
+          <p:spPr>
+            <a:xfrm rot="12600000">
+              <a:off x="10150845" y="4270841"/>
+              <a:ext cx="1897885" cy="1897885"/>
+            </a:xfrm>
+            <a:prstGeom prst="ellipse">
+              <a:avLst/>
+            </a:prstGeom>
+            <a:gradFill>
+              <a:gsLst>
+                <a:gs pos="0">
+                  <a:schemeClr val="tx2">
+                    <a:lumMod val="75000"/>
+                    <a:alpha val="10000"/>
+                  </a:schemeClr>
+                </a:gs>
+                <a:gs pos="100000">
+                  <a:schemeClr val="tx2">
+                    <a:lumMod val="75000"/>
+                    <a:alpha val="20000"/>
+                  </a:schemeClr>
+                </a:gs>
+              </a:gsLst>
+              <a:lin ang="5400000" scaled="1"/>
+            </a:gradFill>
+            <a:ln>
+              <a:noFill/>
+            </a:ln>
+          </p:spPr>
+          <p:style>
+            <a:lnRef idx="2">
+              <a:schemeClr val="accent1">
+                <a:shade val="50000"/>
+              </a:schemeClr>
+            </a:lnRef>
+            <a:fillRef idx="1">
+              <a:schemeClr val="accent1"/>
+            </a:fillRef>
+            <a:effectRef idx="0">
+              <a:schemeClr val="accent1"/>
+            </a:effectRef>
+            <a:fontRef idx="minor">
+              <a:schemeClr val="lt1"/>
+            </a:fontRef>
+          </p:style>
+          <p:txBody>
+            <a:bodyPr rtlCol="0" anchor="ctr"/>
+            <a:lstStyle/>
+            <a:p>
+              <a:pPr algn="ctr"/>
+              <a:endParaRPr lang="en-US" dirty="0"/>
+            </a:p>
+          </p:txBody>
+        </p:sp>
+        <p:sp>
+          <p:nvSpPr>
+            <p:cNvPr id="18" name="Oval 17">
+              <a:extLst>
+                <a:ext uri="{FF2B5EF4-FFF2-40B4-BE49-F238E27FC236}">
+                  <a16:creationId xmlns:a16="http://schemas.microsoft.com/office/drawing/2014/main" id="{45586ADC-910E-45C9-BAB4-CB0EFBEE5B17}"/>
+                </a:ext>
+                <a:ext uri="{C183D7F6-B498-43B3-948B-1728B52AA6E4}">
+                  <adec:decorative xmlns:adec="http://schemas.microsoft.com/office/drawing/2017/decorative" val="1"/>
+                </a:ext>
+              </a:extLst>
+            </p:cNvPr>
+            <p:cNvSpPr/>
+            <p:nvPr>
+              <p:extLst>
+                <p:ext uri="{386F3935-93C4-4BCD-93E2-E3B085C9AB24}">
+                  <p16:designElem xmlns:p16="http://schemas.microsoft.com/office/powerpoint/2015/main" val="1"/>
+                </p:ext>
+              </p:extLst>
+            </p:nvPr>
+          </p:nvSpPr>
+          <p:spPr>
+            <a:xfrm rot="4500000">
+              <a:off x="2046780" y="3040492"/>
+              <a:ext cx="2579322" cy="2579322"/>
+            </a:xfrm>
+            <a:prstGeom prst="ellipse">
+              <a:avLst/>
+            </a:prstGeom>
+            <a:noFill/>
+            <a:ln w="31750">
+              <a:gradFill>
+                <a:gsLst>
+                  <a:gs pos="0">
+                    <a:schemeClr val="tx2">
+                      <a:lumMod val="60000"/>
+                      <a:lumOff val="40000"/>
+                      <a:alpha val="20000"/>
+                    </a:schemeClr>
+                  </a:gs>
+                  <a:gs pos="100000">
+                    <a:schemeClr val="tx2">
+                      <a:lumMod val="50000"/>
+                      <a:alpha val="20000"/>
+                    </a:schemeClr>
+                  </a:gs>
+                </a:gsLst>
+                <a:lin ang="5400000" scaled="1"/>
+              </a:gradFill>
+              <a:prstDash val="sysDot"/>
+            </a:ln>
+          </p:spPr>
+          <p:style>
+            <a:lnRef idx="2">
+              <a:schemeClr val="accent1">
+                <a:shade val="50000"/>
+              </a:schemeClr>
+            </a:lnRef>
+            <a:fillRef idx="1">
+              <a:schemeClr val="accent1"/>
+            </a:fillRef>
+            <a:effectRef idx="0">
+              <a:schemeClr val="accent1"/>
+            </a:effectRef>
+            <a:fontRef idx="minor">
+              <a:schemeClr val="lt1"/>
+            </a:fontRef>
+          </p:style>
+          <p:txBody>
+            <a:bodyPr rtlCol="0" anchor="ctr"/>
+            <a:lstStyle/>
+            <a:p>
+              <a:pPr algn="ctr"/>
+              <a:endParaRPr lang="en-US"/>
+            </a:p>
+          </p:txBody>
+        </p:sp>
+        <p:sp>
+          <p:nvSpPr>
+            <p:cNvPr id="19" name="Oval 18">
+              <a:extLst>
+                <a:ext uri="{FF2B5EF4-FFF2-40B4-BE49-F238E27FC236}">
+                  <a16:creationId xmlns:a16="http://schemas.microsoft.com/office/drawing/2014/main" id="{DAB594C5-5BB0-49AE-8AAC-AE40A6F8A3F3}"/>
+                </a:ext>
+                <a:ext uri="{C183D7F6-B498-43B3-948B-1728B52AA6E4}">
+                  <adec:decorative xmlns:adec="http://schemas.microsoft.com/office/drawing/2017/decorative" val="1"/>
+                </a:ext>
+              </a:extLst>
+            </p:cNvPr>
+            <p:cNvSpPr/>
+            <p:nvPr>
+              <p:extLst>
+                <p:ext uri="{386F3935-93C4-4BCD-93E2-E3B085C9AB24}">
+                  <p16:designElem xmlns:p16="http://schemas.microsoft.com/office/powerpoint/2015/main" val="1"/>
+                </p:ext>
+              </p:extLst>
+            </p:nvPr>
+          </p:nvSpPr>
+          <p:spPr>
+            <a:xfrm rot="4500000">
+              <a:off x="2224640" y="3193975"/>
+              <a:ext cx="2243193" cy="2243193"/>
+            </a:xfrm>
+            <a:prstGeom prst="ellipse">
+              <a:avLst/>
+            </a:prstGeom>
+            <a:noFill/>
+            <a:ln w="31750">
+              <a:gradFill>
+                <a:gsLst>
+                  <a:gs pos="0">
+                    <a:schemeClr val="tx2">
+                      <a:lumMod val="60000"/>
+                      <a:lumOff val="40000"/>
+                      <a:alpha val="10000"/>
+                    </a:schemeClr>
+                  </a:gs>
+                  <a:gs pos="100000">
+                    <a:schemeClr val="tx2">
+                      <a:lumMod val="50000"/>
+                      <a:alpha val="10000"/>
+                    </a:schemeClr>
+                  </a:gs>
+                </a:gsLst>
+                <a:lin ang="5400000" scaled="1"/>
+              </a:gradFill>
+            </a:ln>
+          </p:spPr>
+          <p:style>
+            <a:lnRef idx="2">
+              <a:schemeClr val="accent1">
+                <a:shade val="50000"/>
+              </a:schemeClr>
+            </a:lnRef>
+            <a:fillRef idx="1">
+              <a:schemeClr val="accent1"/>
+            </a:fillRef>
+            <a:effectRef idx="0">
+              <a:schemeClr val="accent1"/>
+            </a:effectRef>
+            <a:fontRef idx="minor">
+              <a:schemeClr val="lt1"/>
+            </a:fontRef>
+          </p:style>
+          <p:txBody>
+            <a:bodyPr rtlCol="0" anchor="ctr"/>
+            <a:lstStyle/>
+            <a:p>
+              <a:pPr algn="ctr"/>
+              <a:endParaRPr lang="en-US"/>
+            </a:p>
+          </p:txBody>
+        </p:sp>
+      </p:grpSp>
+      <p:sp>
+        <p:nvSpPr>
+          <p:cNvPr id="21" name="Rectangle 20">
+            <a:extLst>
+              <a:ext uri="{FF2B5EF4-FFF2-40B4-BE49-F238E27FC236}">
+                <a16:creationId xmlns:a16="http://schemas.microsoft.com/office/drawing/2014/main" id="{B8114C98-A349-4111-A123-E8EAB86ABE30}"/>
+              </a:ext>
+              <a:ext uri="{C183D7F6-B498-43B3-948B-1728B52AA6E4}">
+                <adec:decorative xmlns:adec="http://schemas.microsoft.com/office/drawing/2017/decorative" val="1"/>
+              </a:ext>
+            </a:extLst>
+          </p:cNvPr>
+          <p:cNvSpPr>
+            <a:spLocks noGrp="1" noRot="1" noChangeAspect="1" noMove="1" noResize="1" noEditPoints="1" noAdjustHandles="1" noChangeArrowheads="1" noChangeShapeType="1" noTextEdit="1"/>
+          </p:cNvSpPr>
+          <p:nvPr>
+            <p:extLst>
+              <p:ext uri="{386F3935-93C4-4BCD-93E2-E3B085C9AB24}">
+                <p16:designElem xmlns:p16="http://schemas.microsoft.com/office/powerpoint/2015/main" val="1"/>
+              </p:ext>
+            </p:extLst>
+          </p:nvPr>
+        </p:nvSpPr>
+        <p:spPr>
+          <a:xfrm rot="16200000">
+            <a:off x="10438146" y="1042605"/>
+            <a:ext cx="2796461" cy="711252"/>
+          </a:xfrm>
+          <a:prstGeom prst="rect">
+            <a:avLst/>
+          </a:prstGeom>
+          <a:gradFill flip="none" rotWithShape="1">
+            <a:gsLst>
+              <a:gs pos="0">
+                <a:schemeClr val="tx2">
+                  <a:lumMod val="40000"/>
+                  <a:lumOff val="60000"/>
+                  <a:alpha val="0"/>
+                </a:schemeClr>
+              </a:gs>
+              <a:gs pos="100000">
+                <a:schemeClr val="tx2">
+                  <a:lumMod val="75000"/>
+                  <a:alpha val="10000"/>
+                </a:schemeClr>
+              </a:gs>
+            </a:gsLst>
+            <a:lin ang="8400000" scaled="0"/>
+            <a:tileRect/>
+          </a:gradFill>
+          <a:ln>
+            <a:noFill/>
+          </a:ln>
+        </p:spPr>
+        <p:style>
+          <a:lnRef idx="2">
+            <a:schemeClr val="accent1">
+              <a:shade val="50000"/>
+            </a:schemeClr>
+          </a:lnRef>
+          <a:fillRef idx="1">
+            <a:schemeClr val="accent1"/>
+          </a:fillRef>
+          <a:effectRef idx="0">
+            <a:schemeClr val="accent1"/>
+          </a:effectRef>
+          <a:fontRef idx="minor">
+            <a:schemeClr val="lt1"/>
+          </a:fontRef>
+        </p:style>
+        <p:txBody>
+          <a:bodyPr rtlCol="0" anchor="ctr"/>
+          <a:lstStyle/>
+          <a:p>
+            <a:pPr algn="ctr"/>
+            <a:endParaRPr lang="en-US"/>
+          </a:p>
+        </p:txBody>
+      </p:sp>
+      <p:grpSp>
+        <p:nvGrpSpPr>
+          <p:cNvPr id="23" name="Group 22">
+            <a:extLst>
+              <a:ext uri="{FF2B5EF4-FFF2-40B4-BE49-F238E27FC236}">
+                <a16:creationId xmlns:a16="http://schemas.microsoft.com/office/drawing/2014/main" id="{670FB431-AE18-414D-92F4-1D12D1991152}"/>
+              </a:ext>
+              <a:ext uri="{C183D7F6-B498-43B3-948B-1728B52AA6E4}">
+                <adec:decorative xmlns:adec="http://schemas.microsoft.com/office/drawing/2017/decorative" val="1"/>
+              </a:ext>
+            </a:extLst>
+          </p:cNvPr>
+          <p:cNvGrpSpPr>
+            <a:grpSpLocks noGrp="1" noUngrp="1" noRot="1" noChangeAspect="1" noMove="1" noResize="1"/>
+          </p:cNvGrpSpPr>
+          <p:nvPr>
+            <p:extLst>
+              <p:ext uri="{386F3935-93C4-4BCD-93E2-E3B085C9AB24}">
+                <p16:designElem xmlns:p16="http://schemas.microsoft.com/office/powerpoint/2015/main" val="1"/>
+              </p:ext>
+            </p:extLst>
+          </p:nvPr>
+        </p:nvGrpSpPr>
+        <p:grpSpPr>
+          <a:xfrm>
+            <a:off x="11259539" y="317578"/>
+            <a:ext cx="548640" cy="549007"/>
+            <a:chOff x="7029447" y="3514725"/>
+            <a:chExt cx="1285875" cy="549007"/>
+          </a:xfrm>
+        </p:grpSpPr>
+        <p:cxnSp>
+          <p:nvCxnSpPr>
+            <p:cNvPr id="24" name="Straight Connector 23">
+              <a:extLst>
+                <a:ext uri="{FF2B5EF4-FFF2-40B4-BE49-F238E27FC236}">
+                  <a16:creationId xmlns:a16="http://schemas.microsoft.com/office/drawing/2014/main" id="{24467063-D74E-4D42-8790-B9F6D69584BE}"/>
+                </a:ext>
+                <a:ext uri="{C183D7F6-B498-43B3-948B-1728B52AA6E4}">
+                  <adec:decorative xmlns:adec="http://schemas.microsoft.com/office/drawing/2017/decorative" val="1"/>
+                </a:ext>
+              </a:extLst>
+            </p:cNvPr>
+            <p:cNvCxnSpPr>
+              <a:cxnSpLocks/>
+            </p:cNvCxnSpPr>
+            <p:nvPr>
+              <p:extLst>
+                <p:ext uri="{386F3935-93C4-4BCD-93E2-E3B085C9AB24}">
+                  <p16:designElem xmlns:p16="http://schemas.microsoft.com/office/powerpoint/2015/main" val="1"/>
+                </p:ext>
+              </p:extLst>
+            </p:nvPr>
+          </p:nvCxnSpPr>
+          <p:spPr>
+            <a:xfrm>
+              <a:off x="7029447" y="3514725"/>
+              <a:ext cx="1285875" cy="0"/>
+            </a:xfrm>
+            <a:prstGeom prst="line">
+              <a:avLst/>
+            </a:prstGeom>
+            <a:ln w="31750" cap="rnd" cmpd="sng">
+              <a:gradFill>
+                <a:gsLst>
+                  <a:gs pos="0">
+                    <a:schemeClr val="tx2">
+                      <a:lumMod val="60000"/>
+                      <a:lumOff val="40000"/>
+                      <a:alpha val="40000"/>
+                    </a:schemeClr>
+                  </a:gs>
+                  <a:gs pos="100000">
+                    <a:schemeClr val="tx2">
+                      <a:lumMod val="75000"/>
+                      <a:alpha val="40000"/>
+                    </a:schemeClr>
+                  </a:gs>
+                </a:gsLst>
+                <a:lin ang="5400000" scaled="1"/>
+              </a:gradFill>
+              <a:prstDash val="sysDot"/>
+              <a:round/>
+            </a:ln>
+          </p:spPr>
+          <p:style>
+            <a:lnRef idx="1">
+              <a:schemeClr val="accent1"/>
+            </a:lnRef>
+            <a:fillRef idx="0">
+              <a:schemeClr val="accent1"/>
+            </a:fillRef>
+            <a:effectRef idx="0">
+              <a:schemeClr val="accent1"/>
+            </a:effectRef>
+            <a:fontRef idx="minor">
+              <a:schemeClr val="tx1"/>
+            </a:fontRef>
+          </p:style>
+        </p:cxnSp>
+        <p:cxnSp>
+          <p:nvCxnSpPr>
+            <p:cNvPr id="25" name="Straight Connector 24">
+              <a:extLst>
+                <a:ext uri="{FF2B5EF4-FFF2-40B4-BE49-F238E27FC236}">
+                  <a16:creationId xmlns:a16="http://schemas.microsoft.com/office/drawing/2014/main" id="{A1D19BAC-1681-47BC-AAF5-92FAFFF6F4CE}"/>
+                </a:ext>
+                <a:ext uri="{C183D7F6-B498-43B3-948B-1728B52AA6E4}">
+                  <adec:decorative xmlns:adec="http://schemas.microsoft.com/office/drawing/2017/decorative" val="1"/>
+                </a:ext>
+              </a:extLst>
+            </p:cNvPr>
+            <p:cNvCxnSpPr>
+              <a:cxnSpLocks/>
+            </p:cNvCxnSpPr>
+            <p:nvPr>
+              <p:extLst>
+                <p:ext uri="{386F3935-93C4-4BCD-93E2-E3B085C9AB24}">
+                  <p16:designElem xmlns:p16="http://schemas.microsoft.com/office/powerpoint/2015/main" val="1"/>
+                </p:ext>
+              </p:extLst>
+            </p:nvPr>
+          </p:nvCxnSpPr>
+          <p:spPr>
+            <a:xfrm>
+              <a:off x="7029447" y="3697727"/>
+              <a:ext cx="1285875" cy="0"/>
+            </a:xfrm>
+            <a:prstGeom prst="line">
+              <a:avLst/>
+            </a:prstGeom>
+            <a:ln w="31750" cap="rnd" cmpd="sng">
+              <a:gradFill>
+                <a:gsLst>
+                  <a:gs pos="0">
+                    <a:schemeClr val="tx2">
+                      <a:lumMod val="60000"/>
+                      <a:lumOff val="40000"/>
+                      <a:alpha val="40000"/>
+                    </a:schemeClr>
+                  </a:gs>
+                  <a:gs pos="100000">
+                    <a:schemeClr val="tx2">
+                      <a:lumMod val="75000"/>
+                      <a:alpha val="40000"/>
+                    </a:schemeClr>
+                  </a:gs>
+                </a:gsLst>
+                <a:lin ang="5400000" scaled="1"/>
+              </a:gradFill>
+              <a:prstDash val="sysDot"/>
+              <a:round/>
+            </a:ln>
+          </p:spPr>
+          <p:style>
+            <a:lnRef idx="1">
+              <a:schemeClr val="accent1"/>
+            </a:lnRef>
+            <a:fillRef idx="0">
+              <a:schemeClr val="accent1"/>
+            </a:fillRef>
+            <a:effectRef idx="0">
+              <a:schemeClr val="accent1"/>
+            </a:effectRef>
+            <a:fontRef idx="minor">
+              <a:schemeClr val="tx1"/>
+            </a:fontRef>
+          </p:style>
+        </p:cxnSp>
+        <p:cxnSp>
+          <p:nvCxnSpPr>
+            <p:cNvPr id="26" name="Straight Connector 25">
+              <a:extLst>
+                <a:ext uri="{FF2B5EF4-FFF2-40B4-BE49-F238E27FC236}">
+                  <a16:creationId xmlns:a16="http://schemas.microsoft.com/office/drawing/2014/main" id="{94347C2B-E846-452C-97AA-7E254FC1CE8F}"/>
+                </a:ext>
+                <a:ext uri="{C183D7F6-B498-43B3-948B-1728B52AA6E4}">
+                  <adec:decorative xmlns:adec="http://schemas.microsoft.com/office/drawing/2017/decorative" val="1"/>
+                </a:ext>
+              </a:extLst>
+            </p:cNvPr>
+            <p:cNvCxnSpPr>
+              <a:cxnSpLocks/>
+            </p:cNvCxnSpPr>
+            <p:nvPr>
+              <p:extLst>
+                <p:ext uri="{386F3935-93C4-4BCD-93E2-E3B085C9AB24}">
+                  <p16:designElem xmlns:p16="http://schemas.microsoft.com/office/powerpoint/2015/main" val="1"/>
+                </p:ext>
+              </p:extLst>
+            </p:nvPr>
+          </p:nvCxnSpPr>
+          <p:spPr>
+            <a:xfrm>
+              <a:off x="7029447" y="3880729"/>
+              <a:ext cx="1285875" cy="0"/>
+            </a:xfrm>
+            <a:prstGeom prst="line">
+              <a:avLst/>
+            </a:prstGeom>
+            <a:ln w="31750" cap="rnd" cmpd="sng">
+              <a:gradFill>
+                <a:gsLst>
+                  <a:gs pos="0">
+                    <a:schemeClr val="tx2">
+                      <a:lumMod val="60000"/>
+                      <a:lumOff val="40000"/>
+                      <a:alpha val="40000"/>
+                    </a:schemeClr>
+                  </a:gs>
+                  <a:gs pos="100000">
+                    <a:schemeClr val="tx2">
+                      <a:lumMod val="75000"/>
+                      <a:alpha val="40000"/>
+                    </a:schemeClr>
+                  </a:gs>
+                </a:gsLst>
+                <a:lin ang="5400000" scaled="1"/>
+              </a:gradFill>
+              <a:prstDash val="sysDot"/>
+              <a:round/>
+            </a:ln>
+          </p:spPr>
+          <p:style>
+            <a:lnRef idx="1">
+              <a:schemeClr val="accent1"/>
+            </a:lnRef>
+            <a:fillRef idx="0">
+              <a:schemeClr val="accent1"/>
+            </a:fillRef>
+            <a:effectRef idx="0">
+              <a:schemeClr val="accent1"/>
+            </a:effectRef>
+            <a:fontRef idx="minor">
+              <a:schemeClr val="tx1"/>
+            </a:fontRef>
+          </p:style>
+        </p:cxnSp>
+        <p:cxnSp>
+          <p:nvCxnSpPr>
+            <p:cNvPr id="27" name="Straight Connector 26">
+              <a:extLst>
+                <a:ext uri="{FF2B5EF4-FFF2-40B4-BE49-F238E27FC236}">
+                  <a16:creationId xmlns:a16="http://schemas.microsoft.com/office/drawing/2014/main" id="{10EA2B35-7959-4C2A-84AA-FF5D94FEDE90}"/>
+                </a:ext>
+                <a:ext uri="{C183D7F6-B498-43B3-948B-1728B52AA6E4}">
+                  <adec:decorative xmlns:adec="http://schemas.microsoft.com/office/drawing/2017/decorative" val="1"/>
+                </a:ext>
+              </a:extLst>
+            </p:cNvPr>
+            <p:cNvCxnSpPr>
+              <a:cxnSpLocks/>
+            </p:cNvCxnSpPr>
+            <p:nvPr>
+              <p:extLst>
+                <p:ext uri="{386F3935-93C4-4BCD-93E2-E3B085C9AB24}">
+                  <p16:designElem xmlns:p16="http://schemas.microsoft.com/office/powerpoint/2015/main" val="1"/>
+                </p:ext>
+              </p:extLst>
+            </p:nvPr>
+          </p:nvCxnSpPr>
+          <p:spPr>
+            <a:xfrm>
+              <a:off x="7029447" y="4063732"/>
+              <a:ext cx="1285875" cy="0"/>
+            </a:xfrm>
+            <a:prstGeom prst="line">
+              <a:avLst/>
+            </a:prstGeom>
+            <a:ln w="31750" cap="rnd" cmpd="sng">
+              <a:gradFill>
+                <a:gsLst>
+                  <a:gs pos="0">
+                    <a:schemeClr val="tx2">
+                      <a:lumMod val="60000"/>
+                      <a:lumOff val="40000"/>
+                      <a:alpha val="40000"/>
+                    </a:schemeClr>
+                  </a:gs>
+                  <a:gs pos="100000">
+                    <a:schemeClr val="tx2">
+                      <a:lumMod val="75000"/>
+                      <a:alpha val="40000"/>
+                    </a:schemeClr>
+                  </a:gs>
+                </a:gsLst>
+                <a:lin ang="5400000" scaled="1"/>
+              </a:gradFill>
+              <a:prstDash val="sysDot"/>
+              <a:round/>
+            </a:ln>
+          </p:spPr>
+          <p:style>
+            <a:lnRef idx="1">
+              <a:schemeClr val="accent1"/>
+            </a:lnRef>
+            <a:fillRef idx="0">
+              <a:schemeClr val="accent1"/>
+            </a:fillRef>
+            <a:effectRef idx="0">
+              <a:schemeClr val="accent1"/>
+            </a:effectRef>
+            <a:fontRef idx="minor">
+              <a:schemeClr val="tx1"/>
+            </a:fontRef>
+          </p:style>
+        </p:cxnSp>
+      </p:grpSp>
       <p:pic>
         <p:nvPicPr>
-          <p:cNvPr id="2" name="Picture 1"/>
+          <p:cNvPr id="3" name="Picture 2"/>
           <p:cNvPicPr>
             <a:picLocks noChangeAspect="1"/>
           </p:cNvPicPr>
@@ -6066,24 +7404,1331 @@
               </a:ext>
             </a:extLst>
           </a:blip>
-          <a:stretch>
-            <a:fillRect/>
-          </a:stretch>
+          <a:srcRect t="6200" r="1" b="35014"/>
+          <a:stretch/>
         </p:blipFill>
         <p:spPr>
           <a:xfrm>
-            <a:off x="5414356" y="1590945"/>
-            <a:ext cx="6408836" cy="3524858"/>
+            <a:off x="626590" y="317578"/>
+            <a:ext cx="10865488" cy="3105871"/>
           </a:xfrm>
           <a:prstGeom prst="rect">
             <a:avLst/>
           </a:prstGeom>
         </p:spPr>
       </p:pic>
+      <p:grpSp>
+        <p:nvGrpSpPr>
+          <p:cNvPr id="29" name="Group 28">
+            <a:extLst>
+              <a:ext uri="{FF2B5EF4-FFF2-40B4-BE49-F238E27FC236}">
+                <a16:creationId xmlns:a16="http://schemas.microsoft.com/office/drawing/2014/main" id="{AF19A774-30A5-488B-9BAF-629C6440294E}"/>
+              </a:ext>
+              <a:ext uri="{C183D7F6-B498-43B3-948B-1728B52AA6E4}">
+                <adec:decorative xmlns:adec="http://schemas.microsoft.com/office/drawing/2017/decorative" val="1"/>
+              </a:ext>
+            </a:extLst>
+          </p:cNvPr>
+          <p:cNvGrpSpPr>
+            <a:grpSpLocks noGrp="1" noUngrp="1" noRot="1" noChangeAspect="1" noMove="1" noResize="1"/>
+          </p:cNvGrpSpPr>
+          <p:nvPr>
+            <p:extLst>
+              <p:ext uri="{386F3935-93C4-4BCD-93E2-E3B085C9AB24}">
+                <p16:designElem xmlns:p16="http://schemas.microsoft.com/office/powerpoint/2015/main" val="1"/>
+              </p:ext>
+            </p:extLst>
+          </p:nvPr>
+        </p:nvGrpSpPr>
+        <p:grpSpPr>
+          <a:xfrm rot="16200000">
+            <a:off x="474192" y="482489"/>
+            <a:ext cx="304800" cy="429768"/>
+            <a:chOff x="215328" y="-46937"/>
+            <a:chExt cx="304800" cy="2773841"/>
+          </a:xfrm>
+        </p:grpSpPr>
+        <p:cxnSp>
+          <p:nvCxnSpPr>
+            <p:cNvPr id="30" name="Straight Connector 29">
+              <a:extLst>
+                <a:ext uri="{FF2B5EF4-FFF2-40B4-BE49-F238E27FC236}">
+                  <a16:creationId xmlns:a16="http://schemas.microsoft.com/office/drawing/2014/main" id="{291EBF88-5B98-4258-A542-14C3AF2E5225}"/>
+                </a:ext>
+                <a:ext uri="{C183D7F6-B498-43B3-948B-1728B52AA6E4}">
+                  <adec:decorative xmlns:adec="http://schemas.microsoft.com/office/drawing/2017/decorative" val="1"/>
+                </a:ext>
+              </a:extLst>
+            </p:cNvPr>
+            <p:cNvCxnSpPr>
+              <a:cxnSpLocks/>
+            </p:cNvCxnSpPr>
+            <p:nvPr>
+              <p:extLst>
+                <p:ext uri="{386F3935-93C4-4BCD-93E2-E3B085C9AB24}">
+                  <p16:designElem xmlns:p16="http://schemas.microsoft.com/office/powerpoint/2015/main" val="1"/>
+                </p:ext>
+              </p:extLst>
+            </p:nvPr>
+          </p:nvCxnSpPr>
+          <p:spPr>
+            <a:xfrm>
+              <a:off x="215328" y="-46937"/>
+              <a:ext cx="0" cy="2773841"/>
+            </a:xfrm>
+            <a:prstGeom prst="line">
+              <a:avLst/>
+            </a:prstGeom>
+            <a:ln w="25400" cmpd="sng">
+              <a:solidFill>
+                <a:schemeClr val="bg2">
+                  <a:lumMod val="60000"/>
+                  <a:lumOff val="40000"/>
+                  <a:alpha val="50000"/>
+                </a:schemeClr>
+              </a:solidFill>
+              <a:prstDash val="sysDot"/>
+            </a:ln>
+          </p:spPr>
+          <p:style>
+            <a:lnRef idx="1">
+              <a:schemeClr val="accent1"/>
+            </a:lnRef>
+            <a:fillRef idx="0">
+              <a:schemeClr val="accent1"/>
+            </a:fillRef>
+            <a:effectRef idx="0">
+              <a:schemeClr val="accent1"/>
+            </a:effectRef>
+            <a:fontRef idx="minor">
+              <a:schemeClr val="tx1"/>
+            </a:fontRef>
+          </p:style>
+        </p:cxnSp>
+        <p:cxnSp>
+          <p:nvCxnSpPr>
+            <p:cNvPr id="31" name="Straight Connector 30">
+              <a:extLst>
+                <a:ext uri="{FF2B5EF4-FFF2-40B4-BE49-F238E27FC236}">
+                  <a16:creationId xmlns:a16="http://schemas.microsoft.com/office/drawing/2014/main" id="{8FBC2D58-9E3C-490D-BD7A-61EF07EA79E4}"/>
+                </a:ext>
+                <a:ext uri="{C183D7F6-B498-43B3-948B-1728B52AA6E4}">
+                  <adec:decorative xmlns:adec="http://schemas.microsoft.com/office/drawing/2017/decorative" val="1"/>
+                </a:ext>
+              </a:extLst>
+            </p:cNvPr>
+            <p:cNvCxnSpPr>
+              <a:cxnSpLocks/>
+            </p:cNvCxnSpPr>
+            <p:nvPr>
+              <p:extLst>
+                <p:ext uri="{386F3935-93C4-4BCD-93E2-E3B085C9AB24}">
+                  <p16:designElem xmlns:p16="http://schemas.microsoft.com/office/powerpoint/2015/main" val="1"/>
+                </p:ext>
+              </p:extLst>
+            </p:nvPr>
+          </p:nvCxnSpPr>
+          <p:spPr>
+            <a:xfrm>
+              <a:off x="316928" y="-46937"/>
+              <a:ext cx="0" cy="2773841"/>
+            </a:xfrm>
+            <a:prstGeom prst="line">
+              <a:avLst/>
+            </a:prstGeom>
+            <a:ln w="25400" cmpd="sng">
+              <a:solidFill>
+                <a:schemeClr val="bg2">
+                  <a:lumMod val="60000"/>
+                  <a:lumOff val="40000"/>
+                  <a:alpha val="50000"/>
+                </a:schemeClr>
+              </a:solidFill>
+              <a:prstDash val="sysDot"/>
+            </a:ln>
+          </p:spPr>
+          <p:style>
+            <a:lnRef idx="1">
+              <a:schemeClr val="accent1"/>
+            </a:lnRef>
+            <a:fillRef idx="0">
+              <a:schemeClr val="accent1"/>
+            </a:fillRef>
+            <a:effectRef idx="0">
+              <a:schemeClr val="accent1"/>
+            </a:effectRef>
+            <a:fontRef idx="minor">
+              <a:schemeClr val="tx1"/>
+            </a:fontRef>
+          </p:style>
+        </p:cxnSp>
+        <p:cxnSp>
+          <p:nvCxnSpPr>
+            <p:cNvPr id="32" name="Straight Connector 31">
+              <a:extLst>
+                <a:ext uri="{FF2B5EF4-FFF2-40B4-BE49-F238E27FC236}">
+                  <a16:creationId xmlns:a16="http://schemas.microsoft.com/office/drawing/2014/main" id="{B6CF1BB4-1C1D-4EDE-BA26-0243FCF83BB9}"/>
+                </a:ext>
+                <a:ext uri="{C183D7F6-B498-43B3-948B-1728B52AA6E4}">
+                  <adec:decorative xmlns:adec="http://schemas.microsoft.com/office/drawing/2017/decorative" val="1"/>
+                </a:ext>
+              </a:extLst>
+            </p:cNvPr>
+            <p:cNvCxnSpPr>
+              <a:cxnSpLocks/>
+            </p:cNvCxnSpPr>
+            <p:nvPr>
+              <p:extLst>
+                <p:ext uri="{386F3935-93C4-4BCD-93E2-E3B085C9AB24}">
+                  <p16:designElem xmlns:p16="http://schemas.microsoft.com/office/powerpoint/2015/main" val="1"/>
+                </p:ext>
+              </p:extLst>
+            </p:nvPr>
+          </p:nvCxnSpPr>
+          <p:spPr>
+            <a:xfrm>
+              <a:off x="418528" y="-46937"/>
+              <a:ext cx="0" cy="2773841"/>
+            </a:xfrm>
+            <a:prstGeom prst="line">
+              <a:avLst/>
+            </a:prstGeom>
+            <a:ln w="25400" cmpd="sng">
+              <a:solidFill>
+                <a:schemeClr val="bg2">
+                  <a:lumMod val="60000"/>
+                  <a:lumOff val="40000"/>
+                  <a:alpha val="50000"/>
+                </a:schemeClr>
+              </a:solidFill>
+              <a:prstDash val="sysDot"/>
+            </a:ln>
+          </p:spPr>
+          <p:style>
+            <a:lnRef idx="1">
+              <a:schemeClr val="accent1"/>
+            </a:lnRef>
+            <a:fillRef idx="0">
+              <a:schemeClr val="accent1"/>
+            </a:fillRef>
+            <a:effectRef idx="0">
+              <a:schemeClr val="accent1"/>
+            </a:effectRef>
+            <a:fontRef idx="minor">
+              <a:schemeClr val="tx1"/>
+            </a:fontRef>
+          </p:style>
+        </p:cxnSp>
+        <p:cxnSp>
+          <p:nvCxnSpPr>
+            <p:cNvPr id="33" name="Straight Connector 32">
+              <a:extLst>
+                <a:ext uri="{FF2B5EF4-FFF2-40B4-BE49-F238E27FC236}">
+                  <a16:creationId xmlns:a16="http://schemas.microsoft.com/office/drawing/2014/main" id="{00C83729-E02F-4512-AFE7-F4792228BDA2}"/>
+                </a:ext>
+                <a:ext uri="{C183D7F6-B498-43B3-948B-1728B52AA6E4}">
+                  <adec:decorative xmlns:adec="http://schemas.microsoft.com/office/drawing/2017/decorative" val="1"/>
+                </a:ext>
+              </a:extLst>
+            </p:cNvPr>
+            <p:cNvCxnSpPr>
+              <a:cxnSpLocks/>
+            </p:cNvCxnSpPr>
+            <p:nvPr>
+              <p:extLst>
+                <p:ext uri="{386F3935-93C4-4BCD-93E2-E3B085C9AB24}">
+                  <p16:designElem xmlns:p16="http://schemas.microsoft.com/office/powerpoint/2015/main" val="1"/>
+                </p:ext>
+              </p:extLst>
+            </p:nvPr>
+          </p:nvCxnSpPr>
+          <p:spPr>
+            <a:xfrm>
+              <a:off x="520128" y="-46937"/>
+              <a:ext cx="0" cy="2773841"/>
+            </a:xfrm>
+            <a:prstGeom prst="line">
+              <a:avLst/>
+            </a:prstGeom>
+            <a:ln w="25400" cmpd="sng">
+              <a:solidFill>
+                <a:schemeClr val="bg2">
+                  <a:lumMod val="60000"/>
+                  <a:lumOff val="40000"/>
+                  <a:alpha val="50000"/>
+                </a:schemeClr>
+              </a:solidFill>
+              <a:prstDash val="sysDot"/>
+            </a:ln>
+          </p:spPr>
+          <p:style>
+            <a:lnRef idx="1">
+              <a:schemeClr val="accent1"/>
+            </a:lnRef>
+            <a:fillRef idx="0">
+              <a:schemeClr val="accent1"/>
+            </a:fillRef>
+            <a:effectRef idx="0">
+              <a:schemeClr val="accent1"/>
+            </a:effectRef>
+            <a:fontRef idx="minor">
+              <a:schemeClr val="tx1"/>
+            </a:fontRef>
+          </p:style>
+        </p:cxnSp>
+      </p:grpSp>
+      <p:sp>
+        <p:nvSpPr>
+          <p:cNvPr id="35" name="Rectangle 34">
+            <a:extLst>
+              <a:ext uri="{FF2B5EF4-FFF2-40B4-BE49-F238E27FC236}">
+                <a16:creationId xmlns:a16="http://schemas.microsoft.com/office/drawing/2014/main" id="{E2D3D3F2-ABBB-4453-B1C5-1BEBF7E4DD56}"/>
+              </a:ext>
+              <a:ext uri="{C183D7F6-B498-43B3-948B-1728B52AA6E4}">
+                <adec:decorative xmlns:adec="http://schemas.microsoft.com/office/drawing/2017/decorative" val="1"/>
+              </a:ext>
+            </a:extLst>
+          </p:cNvPr>
+          <p:cNvSpPr>
+            <a:spLocks noGrp="1" noRot="1" noChangeAspect="1" noMove="1" noResize="1" noEditPoints="1" noAdjustHandles="1" noChangeArrowheads="1" noChangeShapeType="1" noTextEdit="1"/>
+          </p:cNvSpPr>
+          <p:nvPr>
+            <p:extLst>
+              <p:ext uri="{386F3935-93C4-4BCD-93E2-E3B085C9AB24}">
+                <p16:designElem xmlns:p16="http://schemas.microsoft.com/office/powerpoint/2015/main" val="1"/>
+              </p:ext>
+            </p:extLst>
+          </p:nvPr>
+        </p:nvSpPr>
+        <p:spPr>
+          <a:xfrm rot="10800000">
+            <a:off x="-1" y="6140785"/>
+            <a:ext cx="6095997" cy="711252"/>
+          </a:xfrm>
+          <a:prstGeom prst="rect">
+            <a:avLst/>
+          </a:prstGeom>
+          <a:gradFill flip="none" rotWithShape="1">
+            <a:gsLst>
+              <a:gs pos="10000">
+                <a:schemeClr val="tx2">
+                  <a:lumMod val="50000"/>
+                  <a:alpha val="10000"/>
+                </a:schemeClr>
+              </a:gs>
+              <a:gs pos="100000">
+                <a:schemeClr val="tx2">
+                  <a:lumMod val="60000"/>
+                  <a:lumOff val="40000"/>
+                  <a:alpha val="0"/>
+                </a:schemeClr>
+              </a:gs>
+            </a:gsLst>
+            <a:lin ang="8400000" scaled="0"/>
+            <a:tileRect/>
+          </a:gradFill>
+          <a:ln>
+            <a:noFill/>
+          </a:ln>
+        </p:spPr>
+        <p:style>
+          <a:lnRef idx="2">
+            <a:schemeClr val="accent1">
+              <a:shade val="50000"/>
+            </a:schemeClr>
+          </a:lnRef>
+          <a:fillRef idx="1">
+            <a:schemeClr val="accent1"/>
+          </a:fillRef>
+          <a:effectRef idx="0">
+            <a:schemeClr val="accent1"/>
+          </a:effectRef>
+          <a:fontRef idx="minor">
+            <a:schemeClr val="lt1"/>
+          </a:fontRef>
+        </p:style>
+        <p:txBody>
+          <a:bodyPr rtlCol="0" anchor="ctr"/>
+          <a:lstStyle/>
+          <a:p>
+            <a:pPr algn="ctr"/>
+            <a:endParaRPr lang="en-US"/>
+          </a:p>
+        </p:txBody>
+      </p:sp>
+      <p:grpSp>
+        <p:nvGrpSpPr>
+          <p:cNvPr id="37" name="Group 36">
+            <a:extLst>
+              <a:ext uri="{FF2B5EF4-FFF2-40B4-BE49-F238E27FC236}">
+                <a16:creationId xmlns:a16="http://schemas.microsoft.com/office/drawing/2014/main" id="{8214E4A5-A0D2-42C4-8D14-D2A7E495F041}"/>
+              </a:ext>
+              <a:ext uri="{C183D7F6-B498-43B3-948B-1728B52AA6E4}">
+                <adec:decorative xmlns:adec="http://schemas.microsoft.com/office/drawing/2017/decorative" val="1"/>
+              </a:ext>
+            </a:extLst>
+          </p:cNvPr>
+          <p:cNvGrpSpPr>
+            <a:grpSpLocks noGrp="1" noUngrp="1" noRot="1" noChangeAspect="1" noMove="1" noResize="1"/>
+          </p:cNvGrpSpPr>
+          <p:nvPr>
+            <p:extLst>
+              <p:ext uri="{386F3935-93C4-4BCD-93E2-E3B085C9AB24}">
+                <p16:designElem xmlns:p16="http://schemas.microsoft.com/office/powerpoint/2015/main" val="1"/>
+              </p:ext>
+            </p:extLst>
+          </p:nvPr>
+        </p:nvGrpSpPr>
+        <p:grpSpPr>
+          <a:xfrm rot="5400000">
+            <a:off x="616345" y="5940560"/>
+            <a:ext cx="1285875" cy="549007"/>
+            <a:chOff x="7029447" y="3514725"/>
+            <a:chExt cx="1285875" cy="549007"/>
+          </a:xfrm>
+        </p:grpSpPr>
+        <p:cxnSp>
+          <p:nvCxnSpPr>
+            <p:cNvPr id="38" name="Straight Connector 37">
+              <a:extLst>
+                <a:ext uri="{FF2B5EF4-FFF2-40B4-BE49-F238E27FC236}">
+                  <a16:creationId xmlns:a16="http://schemas.microsoft.com/office/drawing/2014/main" id="{7494D7A0-6B21-41E8-A7D3-0033BBB79156}"/>
+                </a:ext>
+                <a:ext uri="{C183D7F6-B498-43B3-948B-1728B52AA6E4}">
+                  <adec:decorative xmlns:adec="http://schemas.microsoft.com/office/drawing/2017/decorative" val="1"/>
+                </a:ext>
+              </a:extLst>
+            </p:cNvPr>
+            <p:cNvCxnSpPr>
+              <a:cxnSpLocks/>
+            </p:cNvCxnSpPr>
+            <p:nvPr>
+              <p:extLst>
+                <p:ext uri="{386F3935-93C4-4BCD-93E2-E3B085C9AB24}">
+                  <p16:designElem xmlns:p16="http://schemas.microsoft.com/office/powerpoint/2015/main" val="1"/>
+                </p:ext>
+              </p:extLst>
+            </p:nvPr>
+          </p:nvCxnSpPr>
+          <p:spPr>
+            <a:xfrm>
+              <a:off x="7029447" y="3514725"/>
+              <a:ext cx="1285875" cy="0"/>
+            </a:xfrm>
+            <a:prstGeom prst="line">
+              <a:avLst/>
+            </a:prstGeom>
+            <a:ln w="31750" cap="rnd" cmpd="sng">
+              <a:gradFill>
+                <a:gsLst>
+                  <a:gs pos="0">
+                    <a:schemeClr val="tx2">
+                      <a:lumMod val="60000"/>
+                      <a:lumOff val="40000"/>
+                      <a:alpha val="40000"/>
+                    </a:schemeClr>
+                  </a:gs>
+                  <a:gs pos="100000">
+                    <a:schemeClr val="tx2">
+                      <a:lumMod val="50000"/>
+                      <a:alpha val="40000"/>
+                    </a:schemeClr>
+                  </a:gs>
+                </a:gsLst>
+                <a:lin ang="5400000" scaled="1"/>
+              </a:gradFill>
+              <a:prstDash val="sysDot"/>
+              <a:round/>
+            </a:ln>
+          </p:spPr>
+          <p:style>
+            <a:lnRef idx="1">
+              <a:schemeClr val="accent1"/>
+            </a:lnRef>
+            <a:fillRef idx="0">
+              <a:schemeClr val="accent1"/>
+            </a:fillRef>
+            <a:effectRef idx="0">
+              <a:schemeClr val="accent1"/>
+            </a:effectRef>
+            <a:fontRef idx="minor">
+              <a:schemeClr val="tx1"/>
+            </a:fontRef>
+          </p:style>
+        </p:cxnSp>
+        <p:cxnSp>
+          <p:nvCxnSpPr>
+            <p:cNvPr id="39" name="Straight Connector 38">
+              <a:extLst>
+                <a:ext uri="{FF2B5EF4-FFF2-40B4-BE49-F238E27FC236}">
+                  <a16:creationId xmlns:a16="http://schemas.microsoft.com/office/drawing/2014/main" id="{1E141D7D-32B0-448E-A666-EA8703AFCF2C}"/>
+                </a:ext>
+                <a:ext uri="{C183D7F6-B498-43B3-948B-1728B52AA6E4}">
+                  <adec:decorative xmlns:adec="http://schemas.microsoft.com/office/drawing/2017/decorative" val="1"/>
+                </a:ext>
+              </a:extLst>
+            </p:cNvPr>
+            <p:cNvCxnSpPr>
+              <a:cxnSpLocks/>
+            </p:cNvCxnSpPr>
+            <p:nvPr>
+              <p:extLst>
+                <p:ext uri="{386F3935-93C4-4BCD-93E2-E3B085C9AB24}">
+                  <p16:designElem xmlns:p16="http://schemas.microsoft.com/office/powerpoint/2015/main" val="1"/>
+                </p:ext>
+              </p:extLst>
+            </p:nvPr>
+          </p:nvCxnSpPr>
+          <p:spPr>
+            <a:xfrm>
+              <a:off x="7029447" y="3697727"/>
+              <a:ext cx="1285875" cy="0"/>
+            </a:xfrm>
+            <a:prstGeom prst="line">
+              <a:avLst/>
+            </a:prstGeom>
+            <a:ln w="31750" cap="rnd" cmpd="sng">
+              <a:gradFill>
+                <a:gsLst>
+                  <a:gs pos="0">
+                    <a:schemeClr val="tx2">
+                      <a:lumMod val="60000"/>
+                      <a:lumOff val="40000"/>
+                      <a:alpha val="40000"/>
+                    </a:schemeClr>
+                  </a:gs>
+                  <a:gs pos="100000">
+                    <a:schemeClr val="tx2">
+                      <a:lumMod val="50000"/>
+                      <a:alpha val="40000"/>
+                    </a:schemeClr>
+                  </a:gs>
+                </a:gsLst>
+                <a:lin ang="5400000" scaled="1"/>
+              </a:gradFill>
+              <a:prstDash val="sysDot"/>
+              <a:round/>
+            </a:ln>
+          </p:spPr>
+          <p:style>
+            <a:lnRef idx="1">
+              <a:schemeClr val="accent1"/>
+            </a:lnRef>
+            <a:fillRef idx="0">
+              <a:schemeClr val="accent1"/>
+            </a:fillRef>
+            <a:effectRef idx="0">
+              <a:schemeClr val="accent1"/>
+            </a:effectRef>
+            <a:fontRef idx="minor">
+              <a:schemeClr val="tx1"/>
+            </a:fontRef>
+          </p:style>
+        </p:cxnSp>
+        <p:cxnSp>
+          <p:nvCxnSpPr>
+            <p:cNvPr id="40" name="Straight Connector 39">
+              <a:extLst>
+                <a:ext uri="{FF2B5EF4-FFF2-40B4-BE49-F238E27FC236}">
+                  <a16:creationId xmlns:a16="http://schemas.microsoft.com/office/drawing/2014/main" id="{8D87E268-6345-420F-8B97-B37ED04100EC}"/>
+                </a:ext>
+                <a:ext uri="{C183D7F6-B498-43B3-948B-1728B52AA6E4}">
+                  <adec:decorative xmlns:adec="http://schemas.microsoft.com/office/drawing/2017/decorative" val="1"/>
+                </a:ext>
+              </a:extLst>
+            </p:cNvPr>
+            <p:cNvCxnSpPr>
+              <a:cxnSpLocks/>
+            </p:cNvCxnSpPr>
+            <p:nvPr>
+              <p:extLst>
+                <p:ext uri="{386F3935-93C4-4BCD-93E2-E3B085C9AB24}">
+                  <p16:designElem xmlns:p16="http://schemas.microsoft.com/office/powerpoint/2015/main" val="1"/>
+                </p:ext>
+              </p:extLst>
+            </p:nvPr>
+          </p:nvCxnSpPr>
+          <p:spPr>
+            <a:xfrm>
+              <a:off x="7029447" y="3880729"/>
+              <a:ext cx="1285875" cy="0"/>
+            </a:xfrm>
+            <a:prstGeom prst="line">
+              <a:avLst/>
+            </a:prstGeom>
+            <a:ln w="31750" cap="rnd" cmpd="sng">
+              <a:gradFill>
+                <a:gsLst>
+                  <a:gs pos="0">
+                    <a:schemeClr val="tx2">
+                      <a:lumMod val="60000"/>
+                      <a:lumOff val="40000"/>
+                      <a:alpha val="40000"/>
+                    </a:schemeClr>
+                  </a:gs>
+                  <a:gs pos="100000">
+                    <a:schemeClr val="tx2">
+                      <a:lumMod val="50000"/>
+                      <a:alpha val="40000"/>
+                    </a:schemeClr>
+                  </a:gs>
+                </a:gsLst>
+                <a:lin ang="5400000" scaled="1"/>
+              </a:gradFill>
+              <a:prstDash val="sysDot"/>
+              <a:round/>
+            </a:ln>
+          </p:spPr>
+          <p:style>
+            <a:lnRef idx="1">
+              <a:schemeClr val="accent1"/>
+            </a:lnRef>
+            <a:fillRef idx="0">
+              <a:schemeClr val="accent1"/>
+            </a:fillRef>
+            <a:effectRef idx="0">
+              <a:schemeClr val="accent1"/>
+            </a:effectRef>
+            <a:fontRef idx="minor">
+              <a:schemeClr val="tx1"/>
+            </a:fontRef>
+          </p:style>
+        </p:cxnSp>
+        <p:cxnSp>
+          <p:nvCxnSpPr>
+            <p:cNvPr id="41" name="Straight Connector 40">
+              <a:extLst>
+                <a:ext uri="{FF2B5EF4-FFF2-40B4-BE49-F238E27FC236}">
+                  <a16:creationId xmlns:a16="http://schemas.microsoft.com/office/drawing/2014/main" id="{35E1622E-7FA6-4760-A2BF-A8105EBF7BB9}"/>
+                </a:ext>
+                <a:ext uri="{C183D7F6-B498-43B3-948B-1728B52AA6E4}">
+                  <adec:decorative xmlns:adec="http://schemas.microsoft.com/office/drawing/2017/decorative" val="1"/>
+                </a:ext>
+              </a:extLst>
+            </p:cNvPr>
+            <p:cNvCxnSpPr>
+              <a:cxnSpLocks/>
+            </p:cNvCxnSpPr>
+            <p:nvPr>
+              <p:extLst>
+                <p:ext uri="{386F3935-93C4-4BCD-93E2-E3B085C9AB24}">
+                  <p16:designElem xmlns:p16="http://schemas.microsoft.com/office/powerpoint/2015/main" val="1"/>
+                </p:ext>
+              </p:extLst>
+            </p:nvPr>
+          </p:nvCxnSpPr>
+          <p:spPr>
+            <a:xfrm>
+              <a:off x="7029447" y="4063732"/>
+              <a:ext cx="1285875" cy="0"/>
+            </a:xfrm>
+            <a:prstGeom prst="line">
+              <a:avLst/>
+            </a:prstGeom>
+            <a:ln w="31750" cap="rnd" cmpd="sng">
+              <a:gradFill>
+                <a:gsLst>
+                  <a:gs pos="0">
+                    <a:schemeClr val="tx2">
+                      <a:lumMod val="60000"/>
+                      <a:lumOff val="40000"/>
+                      <a:alpha val="40000"/>
+                    </a:schemeClr>
+                  </a:gs>
+                  <a:gs pos="100000">
+                    <a:schemeClr val="tx2">
+                      <a:lumMod val="50000"/>
+                      <a:alpha val="40000"/>
+                    </a:schemeClr>
+                  </a:gs>
+                </a:gsLst>
+                <a:lin ang="5400000" scaled="1"/>
+              </a:gradFill>
+              <a:prstDash val="sysDot"/>
+              <a:round/>
+            </a:ln>
+          </p:spPr>
+          <p:style>
+            <a:lnRef idx="1">
+              <a:schemeClr val="accent1"/>
+            </a:lnRef>
+            <a:fillRef idx="0">
+              <a:schemeClr val="accent1"/>
+            </a:fillRef>
+            <a:effectRef idx="0">
+              <a:schemeClr val="accent1"/>
+            </a:effectRef>
+            <a:fontRef idx="minor">
+              <a:schemeClr val="tx1"/>
+            </a:fontRef>
+          </p:style>
+        </p:cxnSp>
+      </p:grpSp>
+      <p:sp>
+        <p:nvSpPr>
+          <p:cNvPr id="4" name="Rectangle 3"/>
+          <p:cNvSpPr/>
+          <p:nvPr/>
+        </p:nvSpPr>
+        <p:spPr>
+          <a:xfrm>
+            <a:off x="2509967" y="3788105"/>
+            <a:ext cx="8765236" cy="2934731"/>
+          </a:xfrm>
+          <a:prstGeom prst="rect">
+            <a:avLst/>
+          </a:prstGeom>
+          <a:noFill/>
+        </p:spPr>
+        <p:txBody>
+          <a:bodyPr vert="horz" lIns="91440" tIns="45720" rIns="91440" bIns="45720" rtlCol="0" anchor="t">
+            <a:noAutofit/>
+          </a:bodyPr>
+          <a:lstStyle/>
+          <a:p>
+            <a:pPr indent="-228600">
+              <a:lnSpc>
+                <a:spcPct val="90000"/>
+              </a:lnSpc>
+              <a:spcAft>
+                <a:spcPts val="600"/>
+              </a:spcAft>
+              <a:buFont typeface="Arial" panose="020B0604020202020204" pitchFamily="34" charset="0"/>
+              <a:buChar char="•"/>
+            </a:pPr>
+            <a:r>
+              <a:rPr lang="en-US" sz="800" b="1" dirty="0">
+                <a:solidFill>
+                  <a:schemeClr val="bg1"/>
+                </a:solidFill>
+              </a:rPr>
+              <a:t>Sales Performance Analysis</a:t>
+            </a:r>
+            <a:endParaRPr lang="en-US" sz="800" b="1">
+              <a:solidFill>
+                <a:schemeClr val="bg1"/>
+              </a:solidFill>
+              <a:ea typeface="Calibri"/>
+              <a:cs typeface="Calibri"/>
+            </a:endParaRPr>
+          </a:p>
+          <a:p>
+            <a:pPr indent="-228600">
+              <a:lnSpc>
+                <a:spcPct val="90000"/>
+              </a:lnSpc>
+              <a:spcAft>
+                <a:spcPts val="600"/>
+              </a:spcAft>
+              <a:buFont typeface="Arial" panose="020B0604020202020204" pitchFamily="34" charset="0"/>
+              <a:buChar char="•"/>
+            </a:pPr>
+            <a:r>
+              <a:rPr lang="en-US" sz="800" dirty="0">
+                <a:solidFill>
+                  <a:schemeClr val="bg1"/>
+                </a:solidFill>
+              </a:rPr>
+              <a:t>This chart shows the total amount in USD generated by each sales representative. Here's a breakdown of the key trends, differences, and actionable insights:</a:t>
+            </a:r>
+            <a:endParaRPr lang="en-US" sz="800">
+              <a:solidFill>
+                <a:schemeClr val="bg1"/>
+              </a:solidFill>
+              <a:ea typeface="Calibri"/>
+              <a:cs typeface="Calibri"/>
+            </a:endParaRPr>
+          </a:p>
+          <a:p>
+            <a:pPr indent="-228600">
+              <a:lnSpc>
+                <a:spcPct val="90000"/>
+              </a:lnSpc>
+              <a:spcAft>
+                <a:spcPts val="600"/>
+              </a:spcAft>
+              <a:buFont typeface="Arial" panose="020B0604020202020204" pitchFamily="34" charset="0"/>
+              <a:buChar char="•"/>
+            </a:pPr>
+            <a:r>
+              <a:rPr lang="en-US" sz="800" b="1" dirty="0">
+                <a:solidFill>
+                  <a:schemeClr val="bg1"/>
+                </a:solidFill>
+              </a:rPr>
+              <a:t>Key Trends &amp; Patterns:</a:t>
+            </a:r>
+            <a:endParaRPr lang="en-US" sz="800">
+              <a:solidFill>
+                <a:schemeClr val="bg1"/>
+              </a:solidFill>
+              <a:ea typeface="Calibri"/>
+              <a:cs typeface="Calibri"/>
+            </a:endParaRPr>
+          </a:p>
+          <a:p>
+            <a:pPr indent="-228600">
+              <a:lnSpc>
+                <a:spcPct val="90000"/>
+              </a:lnSpc>
+              <a:spcAft>
+                <a:spcPts val="600"/>
+              </a:spcAft>
+              <a:buFont typeface="Arial" panose="020B0604020202020204" pitchFamily="34" charset="0"/>
+              <a:buChar char="•"/>
+            </a:pPr>
+            <a:r>
+              <a:rPr lang="en-US" sz="800" b="1" dirty="0">
+                <a:solidFill>
+                  <a:schemeClr val="bg1"/>
+                </a:solidFill>
+              </a:rPr>
+              <a:t>Overall Sales:</a:t>
+            </a:r>
+            <a:r>
+              <a:rPr lang="en-US" sz="800" dirty="0">
+                <a:solidFill>
+                  <a:schemeClr val="bg1"/>
+                </a:solidFill>
+              </a:rPr>
+              <a:t> The total sales volume varies significantly between sales representatives, with some generating significantly more revenue than others.</a:t>
+            </a:r>
+            <a:endParaRPr lang="en-US" sz="800">
+              <a:solidFill>
+                <a:schemeClr val="bg1"/>
+              </a:solidFill>
+              <a:ea typeface="Calibri"/>
+              <a:cs typeface="Calibri"/>
+            </a:endParaRPr>
+          </a:p>
+          <a:p>
+            <a:pPr indent="-228600">
+              <a:lnSpc>
+                <a:spcPct val="90000"/>
+              </a:lnSpc>
+              <a:spcAft>
+                <a:spcPts val="600"/>
+              </a:spcAft>
+              <a:buFont typeface="Arial" panose="020B0604020202020204" pitchFamily="34" charset="0"/>
+              <a:buChar char="•"/>
+            </a:pPr>
+            <a:r>
+              <a:rPr lang="en-US" sz="800" b="1" dirty="0">
+                <a:solidFill>
+                  <a:schemeClr val="bg1"/>
+                </a:solidFill>
+              </a:rPr>
+              <a:t>Top Performers:</a:t>
+            </a:r>
+            <a:r>
+              <a:rPr lang="en-US" sz="800" dirty="0">
+                <a:solidFill>
+                  <a:schemeClr val="bg1"/>
+                </a:solidFill>
+              </a:rPr>
+              <a:t> </a:t>
+            </a:r>
+            <a:r>
+              <a:rPr lang="en-US" sz="800" b="1" dirty="0">
+                <a:solidFill>
+                  <a:schemeClr val="bg1"/>
+                </a:solidFill>
+              </a:rPr>
+              <a:t>Tia Amato</a:t>
+            </a:r>
+            <a:r>
+              <a:rPr lang="en-US" sz="800" dirty="0">
+                <a:solidFill>
+                  <a:schemeClr val="bg1"/>
+                </a:solidFill>
+              </a:rPr>
+              <a:t> is the top performer with the highest total sales amount, followed by </a:t>
+            </a:r>
+            <a:r>
+              <a:rPr lang="en-US" sz="800" b="1" dirty="0">
+                <a:solidFill>
+                  <a:schemeClr val="bg1"/>
+                </a:solidFill>
+              </a:rPr>
+              <a:t>Elba Felder</a:t>
+            </a:r>
+            <a:r>
+              <a:rPr lang="en-US" sz="800" dirty="0">
+                <a:solidFill>
+                  <a:schemeClr val="bg1"/>
+                </a:solidFill>
+              </a:rPr>
+              <a:t> and </a:t>
+            </a:r>
+            <a:r>
+              <a:rPr lang="en-US" sz="800" b="1" dirty="0">
+                <a:solidFill>
+                  <a:schemeClr val="bg1"/>
+                </a:solidFill>
+              </a:rPr>
+              <a:t>Arica Stoltzfus</a:t>
+            </a:r>
+            <a:r>
+              <a:rPr lang="en-US" sz="800" dirty="0">
+                <a:solidFill>
+                  <a:schemeClr val="bg1"/>
+                </a:solidFill>
+              </a:rPr>
+              <a:t>.</a:t>
+            </a:r>
+            <a:endParaRPr lang="en-US" sz="800">
+              <a:solidFill>
+                <a:schemeClr val="bg1"/>
+              </a:solidFill>
+              <a:ea typeface="Calibri"/>
+              <a:cs typeface="Calibri"/>
+            </a:endParaRPr>
+          </a:p>
+          <a:p>
+            <a:pPr indent="-228600">
+              <a:lnSpc>
+                <a:spcPct val="90000"/>
+              </a:lnSpc>
+              <a:spcAft>
+                <a:spcPts val="600"/>
+              </a:spcAft>
+              <a:buFont typeface="Arial" panose="020B0604020202020204" pitchFamily="34" charset="0"/>
+              <a:buChar char="•"/>
+            </a:pPr>
+            <a:r>
+              <a:rPr lang="en-US" sz="800" b="1" dirty="0">
+                <a:solidFill>
+                  <a:schemeClr val="bg1"/>
+                </a:solidFill>
+              </a:rPr>
+              <a:t>Consistent Performance:</a:t>
+            </a:r>
+            <a:r>
+              <a:rPr lang="en-US" sz="800" dirty="0">
+                <a:solidFill>
+                  <a:schemeClr val="bg1"/>
+                </a:solidFill>
+              </a:rPr>
+              <a:t> A few representatives seem to have consistently above-average performance, while others are more inconsistent.</a:t>
+            </a:r>
+            <a:endParaRPr lang="en-US" sz="800">
+              <a:solidFill>
+                <a:schemeClr val="bg1"/>
+              </a:solidFill>
+              <a:ea typeface="Calibri"/>
+              <a:cs typeface="Calibri"/>
+            </a:endParaRPr>
+          </a:p>
+          <a:p>
+            <a:pPr indent="-228600">
+              <a:lnSpc>
+                <a:spcPct val="90000"/>
+              </a:lnSpc>
+              <a:spcAft>
+                <a:spcPts val="600"/>
+              </a:spcAft>
+              <a:buFont typeface="Arial" panose="020B0604020202020204" pitchFamily="34" charset="0"/>
+              <a:buChar char="•"/>
+            </a:pPr>
+            <a:r>
+              <a:rPr lang="en-US" sz="800" b="1" dirty="0">
+                <a:solidFill>
+                  <a:schemeClr val="bg1"/>
+                </a:solidFill>
+              </a:rPr>
+              <a:t>Notable Performance Differences:</a:t>
+            </a:r>
+            <a:endParaRPr lang="en-US" sz="800">
+              <a:solidFill>
+                <a:schemeClr val="bg1"/>
+              </a:solidFill>
+              <a:ea typeface="Calibri"/>
+              <a:cs typeface="Calibri"/>
+            </a:endParaRPr>
+          </a:p>
+          <a:p>
+            <a:pPr indent="-228600">
+              <a:lnSpc>
+                <a:spcPct val="90000"/>
+              </a:lnSpc>
+              <a:spcAft>
+                <a:spcPts val="600"/>
+              </a:spcAft>
+              <a:buFont typeface="Arial" panose="020B0604020202020204" pitchFamily="34" charset="0"/>
+              <a:buChar char="•"/>
+            </a:pPr>
+            <a:r>
+              <a:rPr lang="en-US" sz="800" b="1" dirty="0">
+                <a:solidFill>
+                  <a:schemeClr val="bg1"/>
+                </a:solidFill>
+              </a:rPr>
+              <a:t>Top Performers:</a:t>
+            </a:r>
+            <a:r>
+              <a:rPr lang="en-US" sz="800" dirty="0">
+                <a:solidFill>
+                  <a:schemeClr val="bg1"/>
+                </a:solidFill>
+              </a:rPr>
+              <a:t> As mentioned before, </a:t>
+            </a:r>
+            <a:r>
+              <a:rPr lang="en-US" sz="800" b="1" dirty="0">
+                <a:solidFill>
+                  <a:schemeClr val="bg1"/>
+                </a:solidFill>
+              </a:rPr>
+              <a:t>Tia Amato</a:t>
+            </a:r>
+            <a:r>
+              <a:rPr lang="en-US" sz="800" dirty="0">
+                <a:solidFill>
+                  <a:schemeClr val="bg1"/>
+                </a:solidFill>
+              </a:rPr>
+              <a:t>, </a:t>
+            </a:r>
+            <a:r>
+              <a:rPr lang="en-US" sz="800" b="1" dirty="0">
+                <a:solidFill>
+                  <a:schemeClr val="bg1"/>
+                </a:solidFill>
+              </a:rPr>
+              <a:t>Elba Felder</a:t>
+            </a:r>
+            <a:r>
+              <a:rPr lang="en-US" sz="800" dirty="0">
+                <a:solidFill>
+                  <a:schemeClr val="bg1"/>
+                </a:solidFill>
+              </a:rPr>
+              <a:t>, and </a:t>
+            </a:r>
+            <a:r>
+              <a:rPr lang="en-US" sz="800" b="1" dirty="0">
+                <a:solidFill>
+                  <a:schemeClr val="bg1"/>
+                </a:solidFill>
+              </a:rPr>
+              <a:t>Arica Stoltzfus</a:t>
+            </a:r>
+            <a:r>
+              <a:rPr lang="en-US" sz="800" dirty="0">
+                <a:solidFill>
+                  <a:schemeClr val="bg1"/>
+                </a:solidFill>
+              </a:rPr>
+              <a:t> are the top performers, generating significantly higher revenue compared to others.</a:t>
+            </a:r>
+            <a:endParaRPr lang="en-US" sz="800">
+              <a:solidFill>
+                <a:schemeClr val="bg1"/>
+              </a:solidFill>
+              <a:ea typeface="Calibri"/>
+              <a:cs typeface="Calibri"/>
+            </a:endParaRPr>
+          </a:p>
+          <a:p>
+            <a:pPr indent="-228600">
+              <a:lnSpc>
+                <a:spcPct val="90000"/>
+              </a:lnSpc>
+              <a:spcAft>
+                <a:spcPts val="600"/>
+              </a:spcAft>
+              <a:buFont typeface="Arial" panose="020B0604020202020204" pitchFamily="34" charset="0"/>
+              <a:buChar char="•"/>
+            </a:pPr>
+            <a:r>
+              <a:rPr lang="en-US" sz="800" b="1" dirty="0">
+                <a:solidFill>
+                  <a:schemeClr val="bg1"/>
+                </a:solidFill>
+              </a:rPr>
+              <a:t>Underperformers:</a:t>
+            </a:r>
+            <a:r>
+              <a:rPr lang="en-US" sz="800" dirty="0">
+                <a:solidFill>
+                  <a:schemeClr val="bg1"/>
+                </a:solidFill>
+              </a:rPr>
+              <a:t> Some representatives like </a:t>
+            </a:r>
+            <a:r>
+              <a:rPr lang="en-US" sz="800" b="1" dirty="0">
+                <a:solidFill>
+                  <a:schemeClr val="bg1"/>
+                </a:solidFill>
+              </a:rPr>
+              <a:t>Akilah Drinkard</a:t>
+            </a:r>
+            <a:r>
+              <a:rPr lang="en-US" sz="800" dirty="0">
+                <a:solidFill>
+                  <a:schemeClr val="bg1"/>
+                </a:solidFill>
+              </a:rPr>
+              <a:t>, </a:t>
+            </a:r>
+            <a:r>
+              <a:rPr lang="en-US" sz="800" b="1" dirty="0">
+                <a:solidFill>
+                  <a:schemeClr val="bg1"/>
+                </a:solidFill>
+              </a:rPr>
+              <a:t>Caralee Bidwell</a:t>
+            </a:r>
+            <a:r>
+              <a:rPr lang="en-US" sz="800" dirty="0">
+                <a:solidFill>
+                  <a:schemeClr val="bg1"/>
+                </a:solidFill>
+              </a:rPr>
+              <a:t>, and </a:t>
+            </a:r>
+            <a:r>
+              <a:rPr lang="en-US" sz="800" b="1" dirty="0">
+                <a:solidFill>
+                  <a:schemeClr val="bg1"/>
+                </a:solidFill>
+              </a:rPr>
+              <a:t>Cliff Meints</a:t>
+            </a:r>
+            <a:r>
+              <a:rPr lang="en-US" sz="800" dirty="0">
+                <a:solidFill>
+                  <a:schemeClr val="bg1"/>
+                </a:solidFill>
+              </a:rPr>
+              <a:t> have significantly lower sales compared to the top performers.</a:t>
+            </a:r>
+            <a:endParaRPr lang="en-US" sz="800">
+              <a:solidFill>
+                <a:schemeClr val="bg1"/>
+              </a:solidFill>
+              <a:ea typeface="Calibri"/>
+              <a:cs typeface="Calibri"/>
+            </a:endParaRPr>
+          </a:p>
+          <a:p>
+            <a:pPr indent="-228600">
+              <a:lnSpc>
+                <a:spcPct val="90000"/>
+              </a:lnSpc>
+              <a:spcAft>
+                <a:spcPts val="600"/>
+              </a:spcAft>
+              <a:buFont typeface="Arial" panose="020B0604020202020204" pitchFamily="34" charset="0"/>
+              <a:buChar char="•"/>
+            </a:pPr>
+            <a:r>
+              <a:rPr lang="en-US" sz="800" b="1" dirty="0">
+                <a:solidFill>
+                  <a:schemeClr val="bg1"/>
+                </a:solidFill>
+              </a:rPr>
+              <a:t>Actionable Insights:</a:t>
+            </a:r>
+            <a:endParaRPr lang="en-US" sz="800">
+              <a:solidFill>
+                <a:schemeClr val="bg1"/>
+              </a:solidFill>
+              <a:ea typeface="Calibri"/>
+              <a:cs typeface="Calibri"/>
+            </a:endParaRPr>
+          </a:p>
+          <a:p>
+            <a:pPr indent="-228600">
+              <a:lnSpc>
+                <a:spcPct val="90000"/>
+              </a:lnSpc>
+              <a:spcAft>
+                <a:spcPts val="600"/>
+              </a:spcAft>
+              <a:buFont typeface="Arial" panose="020B0604020202020204" pitchFamily="34" charset="0"/>
+              <a:buChar char="•"/>
+            </a:pPr>
+            <a:r>
+              <a:rPr lang="en-US" sz="800" b="1" dirty="0">
+                <a:solidFill>
+                  <a:schemeClr val="bg1"/>
+                </a:solidFill>
+              </a:rPr>
+              <a:t>Focus on Top Performers:</a:t>
+            </a:r>
+            <a:r>
+              <a:rPr lang="en-US" sz="800" dirty="0">
+                <a:solidFill>
+                  <a:schemeClr val="bg1"/>
+                </a:solidFill>
+              </a:rPr>
+              <a:t> Identify the strategies and best practices of top performers (like Tia Amato, Elba Felder, and Arica Stoltzfus) and share those with the rest of the sales team.</a:t>
+            </a:r>
+            <a:endParaRPr lang="en-US" sz="800">
+              <a:solidFill>
+                <a:schemeClr val="bg1"/>
+              </a:solidFill>
+              <a:ea typeface="Calibri"/>
+              <a:cs typeface="Calibri"/>
+            </a:endParaRPr>
+          </a:p>
+          <a:p>
+            <a:pPr indent="-228600">
+              <a:lnSpc>
+                <a:spcPct val="90000"/>
+              </a:lnSpc>
+              <a:spcAft>
+                <a:spcPts val="600"/>
+              </a:spcAft>
+              <a:buFont typeface="Arial" panose="020B0604020202020204" pitchFamily="34" charset="0"/>
+              <a:buChar char="•"/>
+            </a:pPr>
+            <a:r>
+              <a:rPr lang="en-US" sz="800" b="1" dirty="0">
+                <a:solidFill>
+                  <a:schemeClr val="bg1"/>
+                </a:solidFill>
+              </a:rPr>
+              <a:t>Training &amp; Development:</a:t>
+            </a:r>
+            <a:r>
+              <a:rPr lang="en-US" sz="800" dirty="0">
+                <a:solidFill>
+                  <a:schemeClr val="bg1"/>
+                </a:solidFill>
+              </a:rPr>
+              <a:t> Provide targeted training and development programs to underperforming sales representatives to help them improve their skills and knowledge.</a:t>
+            </a:r>
+            <a:endParaRPr lang="en-US" sz="800">
+              <a:solidFill>
+                <a:schemeClr val="bg1"/>
+              </a:solidFill>
+              <a:ea typeface="Calibri"/>
+              <a:cs typeface="Calibri"/>
+            </a:endParaRPr>
+          </a:p>
+          <a:p>
+            <a:pPr indent="-228600">
+              <a:lnSpc>
+                <a:spcPct val="90000"/>
+              </a:lnSpc>
+              <a:spcAft>
+                <a:spcPts val="600"/>
+              </a:spcAft>
+              <a:buFont typeface="Arial" panose="020B0604020202020204" pitchFamily="34" charset="0"/>
+              <a:buChar char="•"/>
+            </a:pPr>
+            <a:r>
+              <a:rPr lang="en-US" sz="800" b="1" dirty="0">
+                <a:solidFill>
+                  <a:schemeClr val="bg1"/>
+                </a:solidFill>
+              </a:rPr>
+              <a:t>Performance Coaching:</a:t>
+            </a:r>
+            <a:r>
+              <a:rPr lang="en-US" sz="800" dirty="0">
+                <a:solidFill>
+                  <a:schemeClr val="bg1"/>
+                </a:solidFill>
+              </a:rPr>
+              <a:t> Implement a coaching program for all sales representatives to provide personalized guidance and support, helping them improve their performance and achieve their targets.</a:t>
+            </a:r>
+            <a:endParaRPr lang="en-US" sz="800">
+              <a:solidFill>
+                <a:schemeClr val="bg1"/>
+              </a:solidFill>
+              <a:ea typeface="Calibri"/>
+              <a:cs typeface="Calibri"/>
+            </a:endParaRPr>
+          </a:p>
+          <a:p>
+            <a:pPr indent="-228600">
+              <a:lnSpc>
+                <a:spcPct val="90000"/>
+              </a:lnSpc>
+              <a:spcAft>
+                <a:spcPts val="600"/>
+              </a:spcAft>
+              <a:buFont typeface="Arial" panose="020B0604020202020204" pitchFamily="34" charset="0"/>
+              <a:buChar char="•"/>
+            </a:pPr>
+            <a:r>
+              <a:rPr lang="en-US" sz="800" b="1" dirty="0">
+                <a:solidFill>
+                  <a:schemeClr val="bg1"/>
+                </a:solidFill>
+              </a:rPr>
+              <a:t>Incentives &amp; Recognition:</a:t>
+            </a:r>
+            <a:r>
+              <a:rPr lang="en-US" sz="800" dirty="0">
+                <a:solidFill>
+                  <a:schemeClr val="bg1"/>
+                </a:solidFill>
+              </a:rPr>
+              <a:t> Reward top performers and acknowledge their contributions to motivate the entire team and encourage healthy competition.</a:t>
+            </a:r>
+            <a:endParaRPr lang="en-US" sz="800">
+              <a:solidFill>
+                <a:schemeClr val="bg1"/>
+              </a:solidFill>
+              <a:ea typeface="Calibri"/>
+              <a:cs typeface="Calibri"/>
+            </a:endParaRPr>
+          </a:p>
+          <a:p>
+            <a:pPr indent="-228600">
+              <a:lnSpc>
+                <a:spcPct val="90000"/>
+              </a:lnSpc>
+              <a:spcAft>
+                <a:spcPts val="600"/>
+              </a:spcAft>
+              <a:buFont typeface="Arial" panose="020B0604020202020204" pitchFamily="34" charset="0"/>
+              <a:buChar char="•"/>
+            </a:pPr>
+            <a:r>
+              <a:rPr lang="en-US" sz="800" b="1" dirty="0">
+                <a:solidFill>
+                  <a:schemeClr val="bg1"/>
+                </a:solidFill>
+              </a:rPr>
+              <a:t>Important Note:</a:t>
+            </a:r>
+            <a:r>
+              <a:rPr lang="en-US" sz="800" dirty="0">
+                <a:solidFill>
+                  <a:schemeClr val="bg1"/>
+                </a:solidFill>
+              </a:rPr>
+              <a:t> It's crucial to rememb</a:t>
+            </a:r>
+            <a:r>
+              <a:rPr lang="en-US" sz="700" dirty="0">
+                <a:solidFill>
+                  <a:schemeClr val="bg1"/>
+                </a:solidFill>
+              </a:rPr>
+              <a:t>er that this analysis is based solely on the total amount in USD. Additional factors like the number of deals closed, average deal size, and customer satisfaction should also be considered for a comprehensive evaluation of sales performance.</a:t>
+            </a:r>
+            <a:endParaRPr lang="en-US" sz="700" b="0" i="0" dirty="0">
+              <a:solidFill>
+                <a:schemeClr val="bg1"/>
+              </a:solidFill>
+              <a:effectLst/>
+              <a:ea typeface="Calibri"/>
+              <a:cs typeface="Calibri"/>
+            </a:endParaRPr>
+          </a:p>
+        </p:txBody>
+      </p:sp>
     </p:spTree>
     <p:extLst>
       <p:ext uri="{BB962C8B-B14F-4D97-AF65-F5344CB8AC3E}">
-        <p14:creationId xmlns:p14="http://schemas.microsoft.com/office/powerpoint/2010/main" val="2416705211"/>
+        <p14:creationId xmlns:p14="http://schemas.microsoft.com/office/powerpoint/2010/main" val="268839094"/>
       </p:ext>
     </p:extLst>
   </p:cSld>
